--- a/php.pptx
+++ b/php.pptx
@@ -16,6 +16,9 @@
     <p:sldId id="264" r:id="rId10"/>
     <p:sldId id="265" r:id="rId11"/>
     <p:sldId id="266" r:id="rId12"/>
+    <p:sldId id="267" r:id="rId13"/>
+    <p:sldId id="268" r:id="rId14"/>
+    <p:sldId id="269" r:id="rId15"/>
   </p:sldIdLst>
   <p:sldSz cx="12192000" cy="6858000"/>
   <p:notesSz cx="6858000" cy="9144000"/>
@@ -114,6 +117,11 @@
       </a:defRPr>
     </a:lvl9pPr>
   </p:defaultTextStyle>
+  <p:extLst>
+    <p:ext uri="{EFAFB233-063F-42B5-8137-9DF3F51BA10A}">
+      <p15:sldGuideLst xmlns:p15="http://schemas.microsoft.com/office/powerpoint/2012/main"/>
+    </p:ext>
+  </p:extLst>
 </p:presentation>
 </file>
 
@@ -3288,6 +3296,475 @@
 </p:sld>
 </file>
 
+<file path=ppt/slides/slide12.xml><?xml version="1.0" encoding="utf-8"?>
+<p:sld xmlns:a="http://schemas.openxmlformats.org/drawingml/2006/main" xmlns:r="http://schemas.openxmlformats.org/officeDocument/2006/relationships" xmlns:p="http://schemas.openxmlformats.org/presentationml/2006/main">
+  <p:cSld>
+    <p:spTree>
+      <p:nvGrpSpPr>
+        <p:cNvPr id="1" name=""/>
+        <p:cNvGrpSpPr/>
+        <p:nvPr/>
+      </p:nvGrpSpPr>
+      <p:grpSpPr>
+        <a:xfrm>
+          <a:off x="0" y="0"/>
+          <a:ext cx="0" cy="0"/>
+          <a:chOff x="0" y="0"/>
+          <a:chExt cx="0" cy="0"/>
+        </a:xfrm>
+      </p:grpSpPr>
+      <p:sp>
+        <p:nvSpPr>
+          <p:cNvPr id="2" name="標題 1"/>
+          <p:cNvSpPr>
+            <a:spLocks noGrp="1"/>
+          </p:cNvSpPr>
+          <p:nvPr>
+            <p:ph type="title"/>
+          </p:nvPr>
+        </p:nvSpPr>
+        <p:spPr/>
+        <p:txBody>
+          <a:bodyPr/>
+          <a:lstStyle/>
+          <a:p>
+            <a:r>
+              <a:rPr lang="zh-TW" altLang="en-US" dirty="0" smtClean="0"/>
+              <a:t>陣列</a:t>
+            </a:r>
+            <a:endParaRPr lang="zh-TW" altLang="en-US" dirty="0"/>
+          </a:p>
+        </p:txBody>
+      </p:sp>
+      <p:sp>
+        <p:nvSpPr>
+          <p:cNvPr id="3" name="內容版面配置區 2"/>
+          <p:cNvSpPr>
+            <a:spLocks noGrp="1"/>
+          </p:cNvSpPr>
+          <p:nvPr>
+            <p:ph idx="1"/>
+          </p:nvPr>
+        </p:nvSpPr>
+        <p:spPr/>
+        <p:txBody>
+          <a:bodyPr/>
+          <a:lstStyle/>
+          <a:p>
+            <a:r>
+              <a:rPr lang="zh-TW" altLang="en-US" dirty="0" smtClean="0"/>
+              <a:t>一個變數</a:t>
+            </a:r>
+            <a:r>
+              <a:rPr lang="zh-TW" altLang="en-US" dirty="0"/>
+              <a:t>可</a:t>
+            </a:r>
+            <a:r>
+              <a:rPr lang="zh-TW" altLang="en-US" dirty="0" smtClean="0"/>
+              <a:t>裝多個資料</a:t>
+            </a:r>
+            <a:endParaRPr lang="en-US" altLang="zh-TW" dirty="0" smtClean="0"/>
+          </a:p>
+          <a:p>
+            <a:r>
+              <a:rPr lang="en-US" altLang="zh-TW" dirty="0" smtClean="0"/>
+              <a:t>$</a:t>
+            </a:r>
+            <a:r>
+              <a:rPr lang="en-US" altLang="zh-TW" dirty="0" err="1"/>
+              <a:t>arr</a:t>
+            </a:r>
+            <a:r>
+              <a:rPr lang="en-US" altLang="zh-TW" dirty="0"/>
+              <a:t> = array</a:t>
+            </a:r>
+            <a:r>
+              <a:rPr lang="en-US" altLang="zh-TW" dirty="0" smtClean="0"/>
+              <a:t>(</a:t>
+            </a:r>
+            <a:r>
+              <a:rPr lang="zh-TW" altLang="en-US" dirty="0" smtClean="0"/>
+              <a:t>資料</a:t>
+            </a:r>
+            <a:r>
+              <a:rPr lang="en-US" altLang="zh-TW" dirty="0" smtClean="0"/>
+              <a:t>,</a:t>
+            </a:r>
+            <a:r>
+              <a:rPr lang="zh-TW" altLang="en-US" dirty="0" smtClean="0"/>
+              <a:t>資料</a:t>
+            </a:r>
+            <a:r>
+              <a:rPr lang="en-US" altLang="zh-TW" dirty="0" smtClean="0"/>
+              <a:t>,</a:t>
+            </a:r>
+            <a:r>
+              <a:rPr lang="zh-TW" altLang="en-US" dirty="0"/>
+              <a:t>資料</a:t>
+            </a:r>
+            <a:r>
+              <a:rPr lang="en-US" altLang="zh-TW" dirty="0" smtClean="0"/>
+              <a:t>);</a:t>
+            </a:r>
+            <a:r>
+              <a:rPr lang="en-US" altLang="zh-TW" dirty="0"/>
+              <a:t> </a:t>
+            </a:r>
+            <a:endParaRPr lang="en-US" altLang="zh-TW" dirty="0" smtClean="0"/>
+          </a:p>
+          <a:p>
+            <a:r>
+              <a:rPr lang="en-US" altLang="zh-TW" dirty="0" err="1"/>
+              <a:t>p</a:t>
+            </a:r>
+            <a:r>
+              <a:rPr lang="en-US" altLang="zh-TW" dirty="0" err="1" smtClean="0"/>
+              <a:t>rint_r</a:t>
+            </a:r>
+            <a:r>
+              <a:rPr lang="en-US" altLang="zh-TW" dirty="0" smtClean="0"/>
+              <a:t>  =&gt;</a:t>
+            </a:r>
+            <a:r>
+              <a:rPr lang="zh-TW" altLang="en-US" dirty="0" smtClean="0"/>
+              <a:t>查看陣列結構</a:t>
+            </a:r>
+            <a:endParaRPr lang="en-US" altLang="zh-TW" dirty="0" smtClean="0"/>
+          </a:p>
+          <a:p>
+            <a:r>
+              <a:rPr lang="en-US" altLang="zh-TW" dirty="0" err="1" smtClean="0"/>
+              <a:t>array_push</a:t>
+            </a:r>
+            <a:r>
+              <a:rPr lang="en-US" altLang="zh-TW" dirty="0" smtClean="0"/>
+              <a:t>(</a:t>
+            </a:r>
+            <a:r>
+              <a:rPr lang="zh-TW" altLang="en-US" dirty="0"/>
+              <a:t>陣列變數</a:t>
+            </a:r>
+            <a:r>
+              <a:rPr lang="en-US" altLang="zh-TW" dirty="0"/>
+              <a:t>, </a:t>
+            </a:r>
+            <a:r>
+              <a:rPr lang="zh-TW" altLang="en-US" dirty="0"/>
+              <a:t>一個內容值</a:t>
+            </a:r>
+            <a:r>
+              <a:rPr lang="en-US" altLang="zh-TW" dirty="0" smtClean="0"/>
+              <a:t>) </a:t>
+            </a:r>
+            <a:r>
+              <a:rPr lang="zh-TW" altLang="en-US" dirty="0" smtClean="0"/>
+              <a:t>新增資料進陣列，會排在最後</a:t>
+            </a:r>
+            <a:endParaRPr lang="en-US" altLang="zh-TW" dirty="0" smtClean="0"/>
+          </a:p>
+          <a:p>
+            <a:r>
+              <a:rPr lang="en-US" altLang="zh-TW" dirty="0" smtClean="0"/>
+              <a:t>count(</a:t>
+            </a:r>
+            <a:r>
+              <a:rPr lang="zh-TW" altLang="en-US" dirty="0"/>
+              <a:t>陣列</a:t>
+            </a:r>
+            <a:r>
+              <a:rPr lang="zh-TW" altLang="en-US" dirty="0" smtClean="0"/>
+              <a:t>變數</a:t>
+            </a:r>
+            <a:r>
+              <a:rPr lang="en-US" altLang="zh-TW" dirty="0" smtClean="0"/>
+              <a:t>) =&gt;</a:t>
+            </a:r>
+            <a:r>
+              <a:rPr lang="zh-TW" altLang="en-US" dirty="0" smtClean="0"/>
+              <a:t>查看陣列長度</a:t>
+            </a:r>
+            <a:endParaRPr lang="en-US" altLang="zh-TW" dirty="0" smtClean="0"/>
+          </a:p>
+          <a:p>
+            <a:r>
+              <a:rPr lang="en-US" altLang="zh-TW" dirty="0" err="1"/>
+              <a:t>in_array</a:t>
+            </a:r>
+            <a:r>
+              <a:rPr lang="en-US" altLang="zh-TW" dirty="0"/>
+              <a:t>( </a:t>
+            </a:r>
+            <a:r>
+              <a:rPr lang="zh-TW" altLang="en-US" dirty="0"/>
+              <a:t>查詢的內容值</a:t>
+            </a:r>
+            <a:r>
+              <a:rPr lang="en-US" altLang="zh-TW" dirty="0"/>
+              <a:t>, </a:t>
+            </a:r>
+            <a:r>
+              <a:rPr lang="zh-TW" altLang="en-US" dirty="0"/>
+              <a:t>陣列變數 </a:t>
+            </a:r>
+            <a:r>
+              <a:rPr lang="en-US" altLang="zh-TW" dirty="0"/>
+              <a:t>) </a:t>
+            </a:r>
+            <a:r>
+              <a:rPr lang="zh-TW" altLang="en-US" dirty="0"/>
+              <a:t>判斷指定的內容值是不是已經在陣列中</a:t>
+            </a:r>
+            <a:endParaRPr lang="en-US" altLang="zh-TW" dirty="0" smtClean="0"/>
+          </a:p>
+          <a:p>
+            <a:pPr marL="0" indent="0">
+              <a:buNone/>
+            </a:pPr>
+            <a:endParaRPr lang="en-US" altLang="zh-TW" dirty="0"/>
+          </a:p>
+          <a:p>
+            <a:endParaRPr lang="zh-TW" altLang="en-US" dirty="0"/>
+          </a:p>
+        </p:txBody>
+      </p:sp>
+    </p:spTree>
+    <p:extLst>
+      <p:ext uri="{BB962C8B-B14F-4D97-AF65-F5344CB8AC3E}">
+        <p14:creationId xmlns:p14="http://schemas.microsoft.com/office/powerpoint/2010/main" val="4052969005"/>
+      </p:ext>
+    </p:extLst>
+  </p:cSld>
+  <p:clrMapOvr>
+    <a:masterClrMapping/>
+  </p:clrMapOvr>
+</p:sld>
+</file>
+
+<file path=ppt/slides/slide13.xml><?xml version="1.0" encoding="utf-8"?>
+<p:sld xmlns:a="http://schemas.openxmlformats.org/drawingml/2006/main" xmlns:r="http://schemas.openxmlformats.org/officeDocument/2006/relationships" xmlns:p="http://schemas.openxmlformats.org/presentationml/2006/main">
+  <p:cSld>
+    <p:spTree>
+      <p:nvGrpSpPr>
+        <p:cNvPr id="1" name=""/>
+        <p:cNvGrpSpPr/>
+        <p:nvPr/>
+      </p:nvGrpSpPr>
+      <p:grpSpPr>
+        <a:xfrm>
+          <a:off x="0" y="0"/>
+          <a:ext cx="0" cy="0"/>
+          <a:chOff x="0" y="0"/>
+          <a:chExt cx="0" cy="0"/>
+        </a:xfrm>
+      </p:grpSpPr>
+      <p:sp>
+        <p:nvSpPr>
+          <p:cNvPr id="2" name="標題 1"/>
+          <p:cNvSpPr>
+            <a:spLocks noGrp="1"/>
+          </p:cNvSpPr>
+          <p:nvPr>
+            <p:ph type="title"/>
+          </p:nvPr>
+        </p:nvSpPr>
+        <p:spPr/>
+        <p:txBody>
+          <a:bodyPr/>
+          <a:lstStyle/>
+          <a:p>
+            <a:r>
+              <a:rPr lang="zh-TW" altLang="en-US" dirty="0" smtClean="0"/>
+              <a:t>如何將陣列資料一筆一筆列出來</a:t>
+            </a:r>
+            <a:r>
+              <a:rPr lang="en-US" altLang="zh-TW" dirty="0" smtClean="0"/>
+              <a:t>?</a:t>
+            </a:r>
+            <a:endParaRPr lang="zh-TW" altLang="en-US" dirty="0"/>
+          </a:p>
+        </p:txBody>
+      </p:sp>
+      <p:sp>
+        <p:nvSpPr>
+          <p:cNvPr id="3" name="內容版面配置區 2"/>
+          <p:cNvSpPr>
+            <a:spLocks noGrp="1"/>
+          </p:cNvSpPr>
+          <p:nvPr>
+            <p:ph idx="1"/>
+          </p:nvPr>
+        </p:nvSpPr>
+        <p:spPr/>
+        <p:txBody>
+          <a:bodyPr/>
+          <a:lstStyle/>
+          <a:p>
+            <a:r>
+              <a:rPr lang="en-US" altLang="zh-TW" dirty="0" smtClean="0"/>
+              <a:t>for</a:t>
+            </a:r>
+            <a:r>
+              <a:rPr lang="zh-TW" altLang="en-US" dirty="0" smtClean="0"/>
+              <a:t>迴圈</a:t>
+            </a:r>
+            <a:endParaRPr lang="en-US" altLang="zh-TW" dirty="0" smtClean="0"/>
+          </a:p>
+          <a:p>
+            <a:r>
+              <a:rPr lang="en-US" altLang="zh-TW" dirty="0" err="1" smtClean="0"/>
+              <a:t>Foreach</a:t>
+            </a:r>
+            <a:r>
+              <a:rPr lang="zh-TW" altLang="en-US" dirty="0" smtClean="0"/>
+              <a:t>迴圈</a:t>
+            </a:r>
+            <a:r>
+              <a:rPr lang="en-US" altLang="zh-TW" dirty="0" smtClean="0"/>
+              <a:t>(</a:t>
+            </a:r>
+            <a:r>
+              <a:rPr lang="zh-TW" altLang="en-US" dirty="0" smtClean="0"/>
+              <a:t>專門給陣列資料使用</a:t>
+            </a:r>
+            <a:r>
+              <a:rPr lang="en-US" altLang="zh-TW" dirty="0" smtClean="0"/>
+              <a:t>)</a:t>
+            </a:r>
+          </a:p>
+          <a:p>
+            <a:r>
+              <a:rPr lang="en-US" altLang="zh-TW" dirty="0" err="1"/>
+              <a:t>foreach</a:t>
+            </a:r>
+            <a:r>
+              <a:rPr lang="en-US" altLang="zh-TW" dirty="0"/>
+              <a:t> ( </a:t>
+            </a:r>
+            <a:r>
+              <a:rPr lang="zh-TW" altLang="en-US" dirty="0"/>
+              <a:t>陣列名稱  </a:t>
+            </a:r>
+            <a:r>
+              <a:rPr lang="en-US" altLang="zh-TW" dirty="0" smtClean="0"/>
+              <a:t>as</a:t>
+            </a:r>
+            <a:r>
+              <a:rPr lang="zh-TW" altLang="en-US" dirty="0" smtClean="0"/>
+              <a:t>  索引</a:t>
+            </a:r>
+            <a:r>
+              <a:rPr lang="zh-TW" altLang="en-US" dirty="0"/>
+              <a:t>值 </a:t>
+            </a:r>
+            <a:r>
+              <a:rPr lang="en-US" altLang="zh-TW" dirty="0"/>
+              <a:t>=&gt; </a:t>
+            </a:r>
+            <a:r>
+              <a:rPr lang="zh-TW" altLang="en-US" dirty="0" smtClean="0"/>
+              <a:t>內容</a:t>
+            </a:r>
+            <a:r>
+              <a:rPr lang="zh-TW" altLang="en-US" dirty="0"/>
+              <a:t>值 </a:t>
+            </a:r>
+            <a:r>
+              <a:rPr lang="en-US" altLang="zh-TW" dirty="0"/>
+              <a:t>)</a:t>
+            </a:r>
+            <a:endParaRPr lang="zh-TW" altLang="en-US" dirty="0"/>
+          </a:p>
+        </p:txBody>
+      </p:sp>
+    </p:spTree>
+    <p:extLst>
+      <p:ext uri="{BB962C8B-B14F-4D97-AF65-F5344CB8AC3E}">
+        <p14:creationId xmlns:p14="http://schemas.microsoft.com/office/powerpoint/2010/main" val="4131567997"/>
+      </p:ext>
+    </p:extLst>
+  </p:cSld>
+  <p:clrMapOvr>
+    <a:masterClrMapping/>
+  </p:clrMapOvr>
+</p:sld>
+</file>
+
+<file path=ppt/slides/slide14.xml><?xml version="1.0" encoding="utf-8"?>
+<p:sld xmlns:a="http://schemas.openxmlformats.org/drawingml/2006/main" xmlns:r="http://schemas.openxmlformats.org/officeDocument/2006/relationships" xmlns:p="http://schemas.openxmlformats.org/presentationml/2006/main">
+  <p:cSld>
+    <p:spTree>
+      <p:nvGrpSpPr>
+        <p:cNvPr id="1" name=""/>
+        <p:cNvGrpSpPr/>
+        <p:nvPr/>
+      </p:nvGrpSpPr>
+      <p:grpSpPr>
+        <a:xfrm>
+          <a:off x="0" y="0"/>
+          <a:ext cx="0" cy="0"/>
+          <a:chOff x="0" y="0"/>
+          <a:chExt cx="0" cy="0"/>
+        </a:xfrm>
+      </p:grpSpPr>
+      <p:sp>
+        <p:nvSpPr>
+          <p:cNvPr id="2" name="標題 1"/>
+          <p:cNvSpPr>
+            <a:spLocks noGrp="1"/>
+          </p:cNvSpPr>
+          <p:nvPr>
+            <p:ph type="title"/>
+          </p:nvPr>
+        </p:nvSpPr>
+        <p:spPr/>
+        <p:txBody>
+          <a:bodyPr/>
+          <a:lstStyle/>
+          <a:p>
+            <a:r>
+              <a:rPr lang="zh-TW" altLang="en-US" dirty="0" smtClean="0"/>
+              <a:t>練習</a:t>
+            </a:r>
+            <a:endParaRPr lang="zh-TW" altLang="en-US" dirty="0"/>
+          </a:p>
+        </p:txBody>
+      </p:sp>
+      <p:sp>
+        <p:nvSpPr>
+          <p:cNvPr id="3" name="內容版面配置區 2"/>
+          <p:cNvSpPr>
+            <a:spLocks noGrp="1"/>
+          </p:cNvSpPr>
+          <p:nvPr>
+            <p:ph idx="1"/>
+          </p:nvPr>
+        </p:nvSpPr>
+        <p:spPr/>
+        <p:txBody>
+          <a:bodyPr/>
+          <a:lstStyle/>
+          <a:p>
+            <a:r>
+              <a:rPr lang="zh-TW" altLang="en-US" dirty="0" smtClean="0"/>
+              <a:t>完成一個樂透遊戲</a:t>
+            </a:r>
+            <a:endParaRPr lang="zh-TW" altLang="en-US" dirty="0"/>
+          </a:p>
+        </p:txBody>
+      </p:sp>
+    </p:spTree>
+    <p:extLst>
+      <p:ext uri="{BB962C8B-B14F-4D97-AF65-F5344CB8AC3E}">
+        <p14:creationId xmlns:p14="http://schemas.microsoft.com/office/powerpoint/2010/main" val="873800810"/>
+      </p:ext>
+    </p:extLst>
+  </p:cSld>
+  <p:clrMapOvr>
+    <a:masterClrMapping/>
+  </p:clrMapOvr>
+</p:sld>
+</file>
+
 <file path=ppt/slides/slide2.xml><?xml version="1.0" encoding="utf-8"?>
 <p:sld xmlns:a="http://schemas.openxmlformats.org/drawingml/2006/main" xmlns:r="http://schemas.openxmlformats.org/officeDocument/2006/relationships" xmlns:p="http://schemas.openxmlformats.org/presentationml/2006/main">
   <p:cSld>

--- a/php.pptx
+++ b/php.pptx
@@ -14,11 +14,13 @@
     <p:sldId id="262" r:id="rId8"/>
     <p:sldId id="263" r:id="rId9"/>
     <p:sldId id="264" r:id="rId10"/>
-    <p:sldId id="265" r:id="rId11"/>
-    <p:sldId id="266" r:id="rId12"/>
-    <p:sldId id="267" r:id="rId13"/>
-    <p:sldId id="268" r:id="rId14"/>
-    <p:sldId id="269" r:id="rId15"/>
+    <p:sldId id="271" r:id="rId11"/>
+    <p:sldId id="270" r:id="rId12"/>
+    <p:sldId id="265" r:id="rId13"/>
+    <p:sldId id="266" r:id="rId14"/>
+    <p:sldId id="267" r:id="rId15"/>
+    <p:sldId id="268" r:id="rId16"/>
+    <p:sldId id="269" r:id="rId17"/>
   </p:sldIdLst>
   <p:sldSz cx="12192000" cy="6858000"/>
   <p:notesSz cx="6858000" cy="9144000"/>
@@ -256,7 +258,7 @@
           <a:p>
             <a:fld id="{29CCE0B1-E067-4033-90E6-B2BB11F462E9}" type="datetimeFigureOut">
               <a:rPr lang="zh-TW" altLang="en-US" smtClean="0"/>
-              <a:t>2021/10/5</a:t>
+              <a:t>2021/10/7</a:t>
             </a:fld>
             <a:endParaRPr lang="zh-TW" altLang="en-US"/>
           </a:p>
@@ -426,7 +428,7 @@
           <a:p>
             <a:fld id="{29CCE0B1-E067-4033-90E6-B2BB11F462E9}" type="datetimeFigureOut">
               <a:rPr lang="zh-TW" altLang="en-US" smtClean="0"/>
-              <a:t>2021/10/5</a:t>
+              <a:t>2021/10/7</a:t>
             </a:fld>
             <a:endParaRPr lang="zh-TW" altLang="en-US"/>
           </a:p>
@@ -606,7 +608,7 @@
           <a:p>
             <a:fld id="{29CCE0B1-E067-4033-90E6-B2BB11F462E9}" type="datetimeFigureOut">
               <a:rPr lang="zh-TW" altLang="en-US" smtClean="0"/>
-              <a:t>2021/10/5</a:t>
+              <a:t>2021/10/7</a:t>
             </a:fld>
             <a:endParaRPr lang="zh-TW" altLang="en-US"/>
           </a:p>
@@ -776,7 +778,7 @@
           <a:p>
             <a:fld id="{29CCE0B1-E067-4033-90E6-B2BB11F462E9}" type="datetimeFigureOut">
               <a:rPr lang="zh-TW" altLang="en-US" smtClean="0"/>
-              <a:t>2021/10/5</a:t>
+              <a:t>2021/10/7</a:t>
             </a:fld>
             <a:endParaRPr lang="zh-TW" altLang="en-US"/>
           </a:p>
@@ -1022,7 +1024,7 @@
           <a:p>
             <a:fld id="{29CCE0B1-E067-4033-90E6-B2BB11F462E9}" type="datetimeFigureOut">
               <a:rPr lang="zh-TW" altLang="en-US" smtClean="0"/>
-              <a:t>2021/10/5</a:t>
+              <a:t>2021/10/7</a:t>
             </a:fld>
             <a:endParaRPr lang="zh-TW" altLang="en-US"/>
           </a:p>
@@ -1254,7 +1256,7 @@
           <a:p>
             <a:fld id="{29CCE0B1-E067-4033-90E6-B2BB11F462E9}" type="datetimeFigureOut">
               <a:rPr lang="zh-TW" altLang="en-US" smtClean="0"/>
-              <a:t>2021/10/5</a:t>
+              <a:t>2021/10/7</a:t>
             </a:fld>
             <a:endParaRPr lang="zh-TW" altLang="en-US"/>
           </a:p>
@@ -1621,7 +1623,7 @@
           <a:p>
             <a:fld id="{29CCE0B1-E067-4033-90E6-B2BB11F462E9}" type="datetimeFigureOut">
               <a:rPr lang="zh-TW" altLang="en-US" smtClean="0"/>
-              <a:t>2021/10/5</a:t>
+              <a:t>2021/10/7</a:t>
             </a:fld>
             <a:endParaRPr lang="zh-TW" altLang="en-US"/>
           </a:p>
@@ -1739,7 +1741,7 @@
           <a:p>
             <a:fld id="{29CCE0B1-E067-4033-90E6-B2BB11F462E9}" type="datetimeFigureOut">
               <a:rPr lang="zh-TW" altLang="en-US" smtClean="0"/>
-              <a:t>2021/10/5</a:t>
+              <a:t>2021/10/7</a:t>
             </a:fld>
             <a:endParaRPr lang="zh-TW" altLang="en-US"/>
           </a:p>
@@ -1834,7 +1836,7 @@
           <a:p>
             <a:fld id="{29CCE0B1-E067-4033-90E6-B2BB11F462E9}" type="datetimeFigureOut">
               <a:rPr lang="zh-TW" altLang="en-US" smtClean="0"/>
-              <a:t>2021/10/5</a:t>
+              <a:t>2021/10/7</a:t>
             </a:fld>
             <a:endParaRPr lang="zh-TW" altLang="en-US"/>
           </a:p>
@@ -2111,7 +2113,7 @@
           <a:p>
             <a:fld id="{29CCE0B1-E067-4033-90E6-B2BB11F462E9}" type="datetimeFigureOut">
               <a:rPr lang="zh-TW" altLang="en-US" smtClean="0"/>
-              <a:t>2021/10/5</a:t>
+              <a:t>2021/10/7</a:t>
             </a:fld>
             <a:endParaRPr lang="zh-TW" altLang="en-US"/>
           </a:p>
@@ -2364,7 +2366,7 @@
           <a:p>
             <a:fld id="{29CCE0B1-E067-4033-90E6-B2BB11F462E9}" type="datetimeFigureOut">
               <a:rPr lang="zh-TW" altLang="en-US" smtClean="0"/>
-              <a:t>2021/10/5</a:t>
+              <a:t>2021/10/7</a:t>
             </a:fld>
             <a:endParaRPr lang="zh-TW" altLang="en-US"/>
           </a:p>
@@ -2577,7 +2579,7 @@
           <a:p>
             <a:fld id="{29CCE0B1-E067-4033-90E6-B2BB11F462E9}" type="datetimeFigureOut">
               <a:rPr lang="zh-TW" altLang="en-US" smtClean="0"/>
-              <a:t>2021/10/5</a:t>
+              <a:t>2021/10/7</a:t>
             </a:fld>
             <a:endParaRPr lang="zh-TW" altLang="en-US"/>
           </a:p>
@@ -3087,6 +3089,221 @@
           <a:p>
             <a:r>
               <a:rPr lang="zh-TW" altLang="en-US" dirty="0" smtClean="0"/>
+              <a:t>不要用使用波動拳</a:t>
+            </a:r>
+            <a:r>
+              <a:rPr lang="en-US" altLang="zh-TW" dirty="0" smtClean="0"/>
+              <a:t>!!!</a:t>
+            </a:r>
+            <a:endParaRPr lang="zh-TW" altLang="en-US" dirty="0"/>
+          </a:p>
+        </p:txBody>
+      </p:sp>
+      <p:pic>
+        <p:nvPicPr>
+          <p:cNvPr id="4" name="圖片 3"/>
+          <p:cNvPicPr>
+            <a:picLocks noChangeAspect="1"/>
+          </p:cNvPicPr>
+          <p:nvPr/>
+        </p:nvPicPr>
+        <p:blipFill>
+          <a:blip r:embed="rId2">
+            <a:extLst>
+              <a:ext uri="{28A0092B-C50C-407E-A947-70E740481C1C}">
+                <a14:useLocalDpi xmlns:a14="http://schemas.microsoft.com/office/drawing/2010/main" val="0"/>
+              </a:ext>
+            </a:extLst>
+          </a:blip>
+          <a:stretch>
+            <a:fillRect/>
+          </a:stretch>
+        </p:blipFill>
+        <p:spPr>
+          <a:xfrm>
+            <a:off x="3098292" y="1991605"/>
+            <a:ext cx="5995416" cy="4255080"/>
+          </a:xfrm>
+          <a:prstGeom prst="rect">
+            <a:avLst/>
+          </a:prstGeom>
+        </p:spPr>
+      </p:pic>
+    </p:spTree>
+    <p:extLst>
+      <p:ext uri="{BB962C8B-B14F-4D97-AF65-F5344CB8AC3E}">
+        <p14:creationId xmlns:p14="http://schemas.microsoft.com/office/powerpoint/2010/main" val="3446577498"/>
+      </p:ext>
+    </p:extLst>
+  </p:cSld>
+  <p:clrMapOvr>
+    <a:masterClrMapping/>
+  </p:clrMapOvr>
+</p:sld>
+</file>
+
+<file path=ppt/slides/slide11.xml><?xml version="1.0" encoding="utf-8"?>
+<p:sld xmlns:a="http://schemas.openxmlformats.org/drawingml/2006/main" xmlns:r="http://schemas.openxmlformats.org/officeDocument/2006/relationships" xmlns:p="http://schemas.openxmlformats.org/presentationml/2006/main">
+  <p:cSld>
+    <p:spTree>
+      <p:nvGrpSpPr>
+        <p:cNvPr id="1" name=""/>
+        <p:cNvGrpSpPr/>
+        <p:nvPr/>
+      </p:nvGrpSpPr>
+      <p:grpSpPr>
+        <a:xfrm>
+          <a:off x="0" y="0"/>
+          <a:ext cx="0" cy="0"/>
+          <a:chOff x="0" y="0"/>
+          <a:chExt cx="0" cy="0"/>
+        </a:xfrm>
+      </p:grpSpPr>
+      <p:sp>
+        <p:nvSpPr>
+          <p:cNvPr id="2" name="標題 1"/>
+          <p:cNvSpPr>
+            <a:spLocks noGrp="1"/>
+          </p:cNvSpPr>
+          <p:nvPr>
+            <p:ph type="title"/>
+          </p:nvPr>
+        </p:nvSpPr>
+        <p:spPr/>
+        <p:txBody>
+          <a:bodyPr/>
+          <a:lstStyle/>
+          <a:p>
+            <a:r>
+              <a:rPr lang="zh-TW" altLang="en-US" dirty="0" smtClean="0"/>
+              <a:t>邏輯運算子</a:t>
+            </a:r>
+            <a:endParaRPr lang="zh-TW" altLang="en-US" dirty="0"/>
+          </a:p>
+        </p:txBody>
+      </p:sp>
+      <p:sp>
+        <p:nvSpPr>
+          <p:cNvPr id="3" name="內容版面配置區 2"/>
+          <p:cNvSpPr>
+            <a:spLocks noGrp="1"/>
+          </p:cNvSpPr>
+          <p:nvPr>
+            <p:ph idx="1"/>
+          </p:nvPr>
+        </p:nvSpPr>
+        <p:spPr/>
+        <p:txBody>
+          <a:bodyPr/>
+          <a:lstStyle/>
+          <a:p>
+            <a:r>
+              <a:rPr lang="zh-TW" altLang="en-US" dirty="0" smtClean="0"/>
+              <a:t>而且 </a:t>
+            </a:r>
+            <a:r>
+              <a:rPr lang="en-US" altLang="zh-TW" dirty="0"/>
+              <a:t>(</a:t>
+            </a:r>
+            <a:r>
+              <a:rPr lang="en-US" altLang="zh-TW" dirty="0" smtClean="0"/>
+              <a:t>&amp;&amp;</a:t>
+            </a:r>
+            <a:r>
+              <a:rPr lang="zh-TW" altLang="en-US" dirty="0" smtClean="0"/>
+              <a:t>、</a:t>
+            </a:r>
+            <a:r>
+              <a:rPr lang="en-US" altLang="zh-TW" dirty="0" smtClean="0"/>
+              <a:t>and)</a:t>
+            </a:r>
+          </a:p>
+          <a:p>
+            <a:r>
+              <a:rPr lang="zh-TW" altLang="en-US" dirty="0" smtClean="0"/>
+              <a:t>或</a:t>
+            </a:r>
+            <a:r>
+              <a:rPr lang="en-US" altLang="zh-TW" dirty="0" smtClean="0"/>
+              <a:t>(</a:t>
+            </a:r>
+            <a:r>
+              <a:rPr lang="zh-TW" altLang="en-US" dirty="0" smtClean="0"/>
+              <a:t> </a:t>
+            </a:r>
+            <a:r>
+              <a:rPr lang="en-US" altLang="zh-TW" dirty="0" smtClean="0"/>
+              <a:t>||</a:t>
+            </a:r>
+            <a:r>
+              <a:rPr lang="zh-TW" altLang="en-US" dirty="0" smtClean="0"/>
+              <a:t> 、</a:t>
+            </a:r>
+            <a:r>
+              <a:rPr lang="en-US" altLang="zh-TW" dirty="0" smtClean="0"/>
+              <a:t>or)</a:t>
+            </a:r>
+          </a:p>
+          <a:p>
+            <a:r>
+              <a:rPr lang="zh-TW" altLang="en-US" dirty="0" smtClean="0"/>
+              <a:t>空集合</a:t>
+            </a:r>
+            <a:r>
+              <a:rPr lang="en-US" altLang="zh-TW" dirty="0" smtClean="0"/>
+              <a:t>(null)</a:t>
+            </a:r>
+            <a:endParaRPr lang="zh-TW" altLang="en-US" dirty="0"/>
+          </a:p>
+        </p:txBody>
+      </p:sp>
+    </p:spTree>
+    <p:extLst>
+      <p:ext uri="{BB962C8B-B14F-4D97-AF65-F5344CB8AC3E}">
+        <p14:creationId xmlns:p14="http://schemas.microsoft.com/office/powerpoint/2010/main" val="2509132976"/>
+      </p:ext>
+    </p:extLst>
+  </p:cSld>
+  <p:clrMapOvr>
+    <a:masterClrMapping/>
+  </p:clrMapOvr>
+</p:sld>
+</file>
+
+<file path=ppt/slides/slide12.xml><?xml version="1.0" encoding="utf-8"?>
+<p:sld xmlns:a="http://schemas.openxmlformats.org/drawingml/2006/main" xmlns:r="http://schemas.openxmlformats.org/officeDocument/2006/relationships" xmlns:p="http://schemas.openxmlformats.org/presentationml/2006/main">
+  <p:cSld>
+    <p:spTree>
+      <p:nvGrpSpPr>
+        <p:cNvPr id="1" name=""/>
+        <p:cNvGrpSpPr/>
+        <p:nvPr/>
+      </p:nvGrpSpPr>
+      <p:grpSpPr>
+        <a:xfrm>
+          <a:off x="0" y="0"/>
+          <a:ext cx="0" cy="0"/>
+          <a:chOff x="0" y="0"/>
+          <a:chExt cx="0" cy="0"/>
+        </a:xfrm>
+      </p:grpSpPr>
+      <p:sp>
+        <p:nvSpPr>
+          <p:cNvPr id="2" name="標題 1"/>
+          <p:cNvSpPr>
+            <a:spLocks noGrp="1"/>
+          </p:cNvSpPr>
+          <p:nvPr>
+            <p:ph type="title"/>
+          </p:nvPr>
+        </p:nvSpPr>
+        <p:spPr/>
+        <p:txBody>
+          <a:bodyPr/>
+          <a:lstStyle/>
+          <a:p>
+            <a:r>
+              <a:rPr lang="zh-TW" altLang="en-US" dirty="0" smtClean="0"/>
               <a:t>迴圈</a:t>
             </a:r>
             <a:endParaRPr lang="zh-TW" altLang="en-US" dirty="0"/>
@@ -3214,7 +3431,7 @@
 </p:sld>
 </file>
 
-<file path=ppt/slides/slide11.xml><?xml version="1.0" encoding="utf-8"?>
+<file path=ppt/slides/slide13.xml><?xml version="1.0" encoding="utf-8"?>
 <p:sld xmlns:a="http://schemas.openxmlformats.org/drawingml/2006/main" xmlns:r="http://schemas.openxmlformats.org/officeDocument/2006/relationships" xmlns:p="http://schemas.openxmlformats.org/presentationml/2006/main">
   <p:cSld>
     <p:spTree>
@@ -3296,7 +3513,7 @@
 </p:sld>
 </file>
 
-<file path=ppt/slides/slide12.xml><?xml version="1.0" encoding="utf-8"?>
+<file path=ppt/slides/slide14.xml><?xml version="1.0" encoding="utf-8"?>
 <p:sld xmlns:a="http://schemas.openxmlformats.org/drawingml/2006/main" xmlns:r="http://schemas.openxmlformats.org/officeDocument/2006/relationships" xmlns:p="http://schemas.openxmlformats.org/presentationml/2006/main">
   <p:cSld>
     <p:spTree>
@@ -3540,7 +3757,7 @@
 </p:sld>
 </file>
 
-<file path=ppt/slides/slide13.xml><?xml version="1.0" encoding="utf-8"?>
+<file path=ppt/slides/slide15.xml><?xml version="1.0" encoding="utf-8"?>
 <p:sld xmlns:a="http://schemas.openxmlformats.org/drawingml/2006/main" xmlns:r="http://schemas.openxmlformats.org/officeDocument/2006/relationships" xmlns:p="http://schemas.openxmlformats.org/presentationml/2006/main">
   <p:cSld>
     <p:spTree>
@@ -3689,7 +3906,7 @@
 </p:sld>
 </file>
 
-<file path=ppt/slides/slide14.xml><?xml version="1.0" encoding="utf-8"?>
+<file path=ppt/slides/slide16.xml><?xml version="1.0" encoding="utf-8"?>
 <p:sld xmlns:a="http://schemas.openxmlformats.org/drawingml/2006/main" xmlns:r="http://schemas.openxmlformats.org/officeDocument/2006/relationships" xmlns:p="http://schemas.openxmlformats.org/presentationml/2006/main">
   <p:cSld>
     <p:spTree>
@@ -3901,8 +4118,44 @@
           <a:lstStyle/>
           <a:p>
             <a:r>
-              <a:rPr lang="zh-TW" altLang="en-US" dirty="0" smtClean="0"/>
-              <a:t>連接符號   </a:t>
+              <a:rPr lang="en-US" altLang="zh-TW" dirty="0" smtClean="0"/>
+              <a:t>echo </a:t>
+            </a:r>
+          </a:p>
+          <a:p>
+            <a:r>
+              <a:rPr lang="zh-TW" altLang="en-US" dirty="0" smtClean="0"/>
+              <a:t>註解</a:t>
+            </a:r>
+            <a:r>
+              <a:rPr lang="en-US" altLang="zh-TW" dirty="0" smtClean="0"/>
+              <a:t>:#</a:t>
+            </a:r>
+            <a:r>
+              <a:rPr lang="zh-TW" altLang="en-US" dirty="0" smtClean="0"/>
+              <a:t>、</a:t>
+            </a:r>
+            <a:r>
+              <a:rPr lang="en-US" altLang="zh-TW" dirty="0" smtClean="0"/>
+              <a:t>//</a:t>
+            </a:r>
+            <a:r>
+              <a:rPr lang="zh-TW" altLang="en-US" dirty="0" smtClean="0"/>
+              <a:t>、</a:t>
+            </a:r>
+            <a:r>
+              <a:rPr lang="en-US" altLang="zh-TW" dirty="0" smtClean="0"/>
+              <a:t>/* */</a:t>
+            </a:r>
+          </a:p>
+          <a:p>
+            <a:r>
+              <a:rPr lang="zh-TW" altLang="en-US" dirty="0" smtClean="0"/>
+              <a:t>連接</a:t>
+            </a:r>
+            <a:r>
+              <a:rPr lang="zh-TW" altLang="en-US" dirty="0" smtClean="0"/>
+              <a:t>符號   </a:t>
             </a:r>
             <a:r>
               <a:rPr lang="en-US" altLang="zh-TW" dirty="0" smtClean="0"/>
@@ -3915,9 +4168,80 @@
               <a:t>有型別</a:t>
             </a:r>
             <a:r>
+              <a:rPr lang="zh-TW" altLang="en-US" dirty="0" smtClean="0"/>
+              <a:t>區分</a:t>
+            </a:r>
+            <a:endParaRPr lang="en-US" altLang="zh-TW" dirty="0" smtClean="0"/>
+          </a:p>
+          <a:p>
+            <a:r>
+              <a:rPr lang="zh-TW" altLang="en-US" dirty="0" smtClean="0"/>
+              <a:t>字串、整數、小數、布林</a:t>
+            </a:r>
+            <a:endParaRPr lang="en-US" altLang="zh-TW" dirty="0" smtClean="0"/>
+          </a:p>
+          <a:p>
+            <a:r>
               <a:rPr lang="zh-TW" altLang="en-US" dirty="0"/>
-              <a:t>區分</a:t>
-            </a:r>
+              <a:t>計算符號</a:t>
+            </a:r>
+            <a:r>
+              <a:rPr lang="en-US" altLang="zh-TW" dirty="0"/>
+              <a:t>+</a:t>
+            </a:r>
+            <a:r>
+              <a:rPr lang="zh-TW" altLang="en-US" dirty="0"/>
+              <a:t>、</a:t>
+            </a:r>
+            <a:r>
+              <a:rPr lang="en-US" altLang="zh-TW" dirty="0"/>
+              <a:t>-</a:t>
+            </a:r>
+            <a:r>
+              <a:rPr lang="zh-TW" altLang="en-US" dirty="0"/>
+              <a:t>、*、</a:t>
+            </a:r>
+            <a:r>
+              <a:rPr lang="en-US" altLang="zh-TW" dirty="0"/>
+              <a:t>/</a:t>
+            </a:r>
+            <a:r>
+              <a:rPr lang="zh-TW" altLang="en-US" dirty="0"/>
+              <a:t>、</a:t>
+            </a:r>
+            <a:r>
+              <a:rPr lang="en-US" altLang="zh-TW" dirty="0" smtClean="0"/>
+              <a:t>%</a:t>
+            </a:r>
+          </a:p>
+          <a:p>
+            <a:r>
+              <a:rPr lang="en-US" altLang="zh-TW" dirty="0"/>
+              <a:t>f</a:t>
+            </a:r>
+            <a:r>
+              <a:rPr lang="en-US" altLang="zh-TW" dirty="0" smtClean="0"/>
+              <a:t>loor()</a:t>
+            </a:r>
+            <a:r>
+              <a:rPr lang="zh-TW" altLang="en-US" dirty="0" smtClean="0"/>
+              <a:t>、</a:t>
+            </a:r>
+            <a:r>
+              <a:rPr lang="en-US" altLang="zh-TW" dirty="0" smtClean="0"/>
+              <a:t>ceil()</a:t>
+            </a:r>
+            <a:r>
+              <a:rPr lang="zh-TW" altLang="en-US" dirty="0" smtClean="0"/>
+              <a:t>、</a:t>
+            </a:r>
+            <a:r>
+              <a:rPr lang="en-US" altLang="zh-TW" dirty="0" smtClean="0"/>
+              <a:t>round()</a:t>
+            </a:r>
+            <a:endParaRPr lang="zh-TW" altLang="en-US" dirty="0"/>
+          </a:p>
+          <a:p>
             <a:endParaRPr lang="zh-TW" altLang="en-US" dirty="0" smtClean="0"/>
           </a:p>
           <a:p>
@@ -3925,6 +4249,36 @@
           </a:p>
         </p:txBody>
       </p:sp>
+      <p:pic>
+        <p:nvPicPr>
+          <p:cNvPr id="4" name="圖片 3"/>
+          <p:cNvPicPr>
+            <a:picLocks noChangeAspect="1"/>
+          </p:cNvPicPr>
+          <p:nvPr/>
+        </p:nvPicPr>
+        <p:blipFill>
+          <a:blip r:embed="rId2">
+            <a:extLst>
+              <a:ext uri="{28A0092B-C50C-407E-A947-70E740481C1C}">
+                <a14:useLocalDpi xmlns:a14="http://schemas.microsoft.com/office/drawing/2010/main" val="0"/>
+              </a:ext>
+            </a:extLst>
+          </a:blip>
+          <a:stretch>
+            <a:fillRect/>
+          </a:stretch>
+        </p:blipFill>
+        <p:spPr>
+          <a:xfrm>
+            <a:off x="6376606" y="676656"/>
+            <a:ext cx="4733020" cy="5798462"/>
+          </a:xfrm>
+          <a:prstGeom prst="rect">
+            <a:avLst/>
+          </a:prstGeom>
+        </p:spPr>
+      </p:pic>
     </p:spTree>
     <p:extLst>
       <p:ext uri="{BB962C8B-B14F-4D97-AF65-F5344CB8AC3E}">
@@ -4201,45 +4555,6 @@
             <a:endParaRPr lang="en-US" altLang="zh-TW" dirty="0" smtClean="0"/>
           </a:p>
           <a:p>
-            <a:r>
-              <a:rPr lang="zh-TW" altLang="en-US" dirty="0"/>
-              <a:t>計算</a:t>
-            </a:r>
-            <a:r>
-              <a:rPr lang="zh-TW" altLang="en-US" dirty="0" smtClean="0"/>
-              <a:t>符號</a:t>
-            </a:r>
-            <a:r>
-              <a:rPr lang="en-US" altLang="zh-TW" dirty="0" smtClean="0"/>
-              <a:t>+</a:t>
-            </a:r>
-            <a:r>
-              <a:rPr lang="zh-TW" altLang="en-US" dirty="0" smtClean="0"/>
-              <a:t>、</a:t>
-            </a:r>
-            <a:r>
-              <a:rPr lang="en-US" altLang="zh-TW" dirty="0" smtClean="0"/>
-              <a:t>-</a:t>
-            </a:r>
-            <a:r>
-              <a:rPr lang="zh-TW" altLang="en-US" dirty="0" smtClean="0"/>
-              <a:t>、*、</a:t>
-            </a:r>
-            <a:r>
-              <a:rPr lang="en-US" altLang="zh-TW" dirty="0" smtClean="0"/>
-              <a:t>/</a:t>
-            </a:r>
-            <a:r>
-              <a:rPr lang="zh-TW" altLang="en-US" dirty="0" smtClean="0"/>
-              <a:t>、</a:t>
-            </a:r>
-            <a:r>
-              <a:rPr lang="en-US" altLang="zh-TW" dirty="0" smtClean="0"/>
-              <a:t>%</a:t>
-            </a:r>
-            <a:endParaRPr lang="zh-TW" altLang="en-US" dirty="0"/>
-          </a:p>
-          <a:p>
             <a:pPr marL="0" indent="0">
               <a:buNone/>
             </a:pPr>
@@ -4632,8 +4947,51 @@
           <a:lstStyle/>
           <a:p>
             <a:r>
+              <a:rPr lang="en-US" altLang="zh-TW" dirty="0" smtClean="0"/>
+              <a:t>1.</a:t>
+            </a:r>
+            <a:r>
               <a:rPr lang="zh-TW" altLang="en-US" dirty="0"/>
-              <a:t>判斷是否為</a:t>
+              <a:t>我要去</a:t>
+            </a:r>
+            <a:r>
+              <a:rPr lang="zh-TW" altLang="en-US" dirty="0" smtClean="0"/>
+              <a:t>買晚餐，如果我帶的錢大於</a:t>
+            </a:r>
+            <a:r>
+              <a:rPr lang="en-US" altLang="zh-TW" dirty="0" smtClean="0"/>
+              <a:t>100</a:t>
+            </a:r>
+            <a:r>
+              <a:rPr lang="zh-TW" altLang="en-US" dirty="0"/>
+              <a:t>我才要</a:t>
+            </a:r>
+            <a:r>
+              <a:rPr lang="zh-TW" altLang="en-US" dirty="0" smtClean="0"/>
+              <a:t>買，然後我只會買低於</a:t>
+            </a:r>
+            <a:r>
+              <a:rPr lang="en-US" altLang="zh-TW" dirty="0" smtClean="0"/>
+              <a:t>50</a:t>
+            </a:r>
+            <a:r>
+              <a:rPr lang="zh-TW" altLang="en-US" dirty="0" smtClean="0"/>
+              <a:t>塊錢的晚餐，而且店員要是妹子，而且他叫我帥哥我才要買</a:t>
+            </a:r>
+            <a:endParaRPr lang="en-US" altLang="zh-TW" dirty="0" smtClean="0"/>
+          </a:p>
+          <a:p>
+            <a:r>
+              <a:rPr lang="en-US" altLang="zh-TW" dirty="0" smtClean="0"/>
+              <a:t>2.</a:t>
+            </a:r>
+            <a:r>
+              <a:rPr lang="zh-TW" altLang="en-US" dirty="0" smtClean="0"/>
+              <a:t>判斷</a:t>
+            </a:r>
+            <a:r>
+              <a:rPr lang="zh-TW" altLang="en-US" dirty="0"/>
+              <a:t>是否為</a:t>
             </a:r>
             <a:r>
               <a:rPr lang="en-US" altLang="zh-TW" dirty="0"/>
@@ -4649,8 +5007,16 @@
             </a:r>
             <a:r>
               <a:rPr lang="zh-TW" altLang="en-US" dirty="0"/>
-              <a:t>的倍數？</a:t>
-            </a:r>
+              <a:t>的倍數</a:t>
+            </a:r>
+            <a:r>
+              <a:rPr lang="zh-TW" altLang="en-US" dirty="0" smtClean="0"/>
+              <a:t>？</a:t>
+            </a:r>
+            <a:endParaRPr lang="en-US" altLang="zh-TW" dirty="0" smtClean="0"/>
+          </a:p>
+          <a:p>
+            <a:endParaRPr lang="zh-TW" altLang="en-US" dirty="0"/>
           </a:p>
           <a:p>
             <a:endParaRPr lang="zh-TW" altLang="en-US" dirty="0"/>

--- a/php.pptx
+++ b/php.pptx
@@ -13,14 +13,16 @@
     <p:sldId id="261" r:id="rId7"/>
     <p:sldId id="262" r:id="rId8"/>
     <p:sldId id="263" r:id="rId9"/>
-    <p:sldId id="264" r:id="rId10"/>
-    <p:sldId id="271" r:id="rId11"/>
-    <p:sldId id="270" r:id="rId12"/>
-    <p:sldId id="265" r:id="rId13"/>
-    <p:sldId id="266" r:id="rId14"/>
-    <p:sldId id="267" r:id="rId15"/>
-    <p:sldId id="268" r:id="rId16"/>
-    <p:sldId id="269" r:id="rId17"/>
+    <p:sldId id="272" r:id="rId10"/>
+    <p:sldId id="264" r:id="rId11"/>
+    <p:sldId id="271" r:id="rId12"/>
+    <p:sldId id="270" r:id="rId13"/>
+    <p:sldId id="265" r:id="rId14"/>
+    <p:sldId id="266" r:id="rId15"/>
+    <p:sldId id="273" r:id="rId16"/>
+    <p:sldId id="267" r:id="rId17"/>
+    <p:sldId id="268" r:id="rId18"/>
+    <p:sldId id="269" r:id="rId19"/>
   </p:sldIdLst>
   <p:sldSz cx="12192000" cy="6858000"/>
   <p:notesSz cx="6858000" cy="9144000"/>
@@ -258,7 +260,7 @@
           <a:p>
             <a:fld id="{29CCE0B1-E067-4033-90E6-B2BB11F462E9}" type="datetimeFigureOut">
               <a:rPr lang="zh-TW" altLang="en-US" smtClean="0"/>
-              <a:t>2021/10/7</a:t>
+              <a:t>2021/10/23</a:t>
             </a:fld>
             <a:endParaRPr lang="zh-TW" altLang="en-US"/>
           </a:p>
@@ -428,7 +430,7 @@
           <a:p>
             <a:fld id="{29CCE0B1-E067-4033-90E6-B2BB11F462E9}" type="datetimeFigureOut">
               <a:rPr lang="zh-TW" altLang="en-US" smtClean="0"/>
-              <a:t>2021/10/7</a:t>
+              <a:t>2021/10/23</a:t>
             </a:fld>
             <a:endParaRPr lang="zh-TW" altLang="en-US"/>
           </a:p>
@@ -608,7 +610,7 @@
           <a:p>
             <a:fld id="{29CCE0B1-E067-4033-90E6-B2BB11F462E9}" type="datetimeFigureOut">
               <a:rPr lang="zh-TW" altLang="en-US" smtClean="0"/>
-              <a:t>2021/10/7</a:t>
+              <a:t>2021/10/23</a:t>
             </a:fld>
             <a:endParaRPr lang="zh-TW" altLang="en-US"/>
           </a:p>
@@ -778,7 +780,7 @@
           <a:p>
             <a:fld id="{29CCE0B1-E067-4033-90E6-B2BB11F462E9}" type="datetimeFigureOut">
               <a:rPr lang="zh-TW" altLang="en-US" smtClean="0"/>
-              <a:t>2021/10/7</a:t>
+              <a:t>2021/10/23</a:t>
             </a:fld>
             <a:endParaRPr lang="zh-TW" altLang="en-US"/>
           </a:p>
@@ -1024,7 +1026,7 @@
           <a:p>
             <a:fld id="{29CCE0B1-E067-4033-90E6-B2BB11F462E9}" type="datetimeFigureOut">
               <a:rPr lang="zh-TW" altLang="en-US" smtClean="0"/>
-              <a:t>2021/10/7</a:t>
+              <a:t>2021/10/23</a:t>
             </a:fld>
             <a:endParaRPr lang="zh-TW" altLang="en-US"/>
           </a:p>
@@ -1256,7 +1258,7 @@
           <a:p>
             <a:fld id="{29CCE0B1-E067-4033-90E6-B2BB11F462E9}" type="datetimeFigureOut">
               <a:rPr lang="zh-TW" altLang="en-US" smtClean="0"/>
-              <a:t>2021/10/7</a:t>
+              <a:t>2021/10/23</a:t>
             </a:fld>
             <a:endParaRPr lang="zh-TW" altLang="en-US"/>
           </a:p>
@@ -1623,7 +1625,7 @@
           <a:p>
             <a:fld id="{29CCE0B1-E067-4033-90E6-B2BB11F462E9}" type="datetimeFigureOut">
               <a:rPr lang="zh-TW" altLang="en-US" smtClean="0"/>
-              <a:t>2021/10/7</a:t>
+              <a:t>2021/10/23</a:t>
             </a:fld>
             <a:endParaRPr lang="zh-TW" altLang="en-US"/>
           </a:p>
@@ -1741,7 +1743,7 @@
           <a:p>
             <a:fld id="{29CCE0B1-E067-4033-90E6-B2BB11F462E9}" type="datetimeFigureOut">
               <a:rPr lang="zh-TW" altLang="en-US" smtClean="0"/>
-              <a:t>2021/10/7</a:t>
+              <a:t>2021/10/23</a:t>
             </a:fld>
             <a:endParaRPr lang="zh-TW" altLang="en-US"/>
           </a:p>
@@ -1836,7 +1838,7 @@
           <a:p>
             <a:fld id="{29CCE0B1-E067-4033-90E6-B2BB11F462E9}" type="datetimeFigureOut">
               <a:rPr lang="zh-TW" altLang="en-US" smtClean="0"/>
-              <a:t>2021/10/7</a:t>
+              <a:t>2021/10/23</a:t>
             </a:fld>
             <a:endParaRPr lang="zh-TW" altLang="en-US"/>
           </a:p>
@@ -2113,7 +2115,7 @@
           <a:p>
             <a:fld id="{29CCE0B1-E067-4033-90E6-B2BB11F462E9}" type="datetimeFigureOut">
               <a:rPr lang="zh-TW" altLang="en-US" smtClean="0"/>
-              <a:t>2021/10/7</a:t>
+              <a:t>2021/10/23</a:t>
             </a:fld>
             <a:endParaRPr lang="zh-TW" altLang="en-US"/>
           </a:p>
@@ -2366,7 +2368,7 @@
           <a:p>
             <a:fld id="{29CCE0B1-E067-4033-90E6-B2BB11F462E9}" type="datetimeFigureOut">
               <a:rPr lang="zh-TW" altLang="en-US" smtClean="0"/>
-              <a:t>2021/10/7</a:t>
+              <a:t>2021/10/23</a:t>
             </a:fld>
             <a:endParaRPr lang="zh-TW" altLang="en-US"/>
           </a:p>
@@ -2579,7 +2581,7 @@
           <a:p>
             <a:fld id="{29CCE0B1-E067-4033-90E6-B2BB11F462E9}" type="datetimeFigureOut">
               <a:rPr lang="zh-TW" altLang="en-US" smtClean="0"/>
-              <a:t>2021/10/7</a:t>
+              <a:t>2021/10/23</a:t>
             </a:fld>
             <a:endParaRPr lang="zh-TW" altLang="en-US"/>
           </a:p>
@@ -3089,6 +3091,151 @@
           <a:p>
             <a:r>
               <a:rPr lang="zh-TW" altLang="en-US" dirty="0" smtClean="0"/>
+              <a:t>練習</a:t>
+            </a:r>
+            <a:endParaRPr lang="zh-TW" altLang="en-US" dirty="0"/>
+          </a:p>
+        </p:txBody>
+      </p:sp>
+      <p:sp>
+        <p:nvSpPr>
+          <p:cNvPr id="3" name="內容版面配置區 2"/>
+          <p:cNvSpPr>
+            <a:spLocks noGrp="1"/>
+          </p:cNvSpPr>
+          <p:nvPr>
+            <p:ph idx="1"/>
+          </p:nvPr>
+        </p:nvSpPr>
+        <p:spPr/>
+        <p:txBody>
+          <a:bodyPr/>
+          <a:lstStyle/>
+          <a:p>
+            <a:r>
+              <a:rPr lang="en-US" altLang="zh-TW" dirty="0" smtClean="0"/>
+              <a:t>1.</a:t>
+            </a:r>
+            <a:r>
+              <a:rPr lang="zh-TW" altLang="en-US" dirty="0"/>
+              <a:t>我要去</a:t>
+            </a:r>
+            <a:r>
+              <a:rPr lang="zh-TW" altLang="en-US" dirty="0" smtClean="0"/>
+              <a:t>買晚餐，如果我帶的錢大於</a:t>
+            </a:r>
+            <a:r>
+              <a:rPr lang="en-US" altLang="zh-TW" dirty="0" smtClean="0"/>
+              <a:t>100</a:t>
+            </a:r>
+            <a:r>
+              <a:rPr lang="zh-TW" altLang="en-US" dirty="0"/>
+              <a:t>我才要</a:t>
+            </a:r>
+            <a:r>
+              <a:rPr lang="zh-TW" altLang="en-US" dirty="0" smtClean="0"/>
+              <a:t>買，然後我只會買低於</a:t>
+            </a:r>
+            <a:r>
+              <a:rPr lang="en-US" altLang="zh-TW" dirty="0" smtClean="0"/>
+              <a:t>50</a:t>
+            </a:r>
+            <a:r>
+              <a:rPr lang="zh-TW" altLang="en-US" dirty="0" smtClean="0"/>
+              <a:t>塊錢的晚餐，而且店員要是妹子，而且他叫我帥哥我才要買</a:t>
+            </a:r>
+            <a:endParaRPr lang="en-US" altLang="zh-TW" dirty="0" smtClean="0"/>
+          </a:p>
+          <a:p>
+            <a:r>
+              <a:rPr lang="en-US" altLang="zh-TW" dirty="0" smtClean="0"/>
+              <a:t>2.</a:t>
+            </a:r>
+            <a:r>
+              <a:rPr lang="zh-TW" altLang="en-US" dirty="0" smtClean="0"/>
+              <a:t>判斷</a:t>
+            </a:r>
+            <a:r>
+              <a:rPr lang="zh-TW" altLang="en-US" dirty="0"/>
+              <a:t>是否為</a:t>
+            </a:r>
+            <a:r>
+              <a:rPr lang="en-US" altLang="zh-TW" dirty="0"/>
+              <a:t>3</a:t>
+            </a:r>
+            <a:r>
+              <a:rPr lang="zh-TW" altLang="en-US" dirty="0"/>
+              <a:t>的倍數？是否為</a:t>
+            </a:r>
+            <a:r>
+              <a:rPr lang="en-US" altLang="zh-TW" dirty="0"/>
+              <a:t>7</a:t>
+            </a:r>
+            <a:r>
+              <a:rPr lang="zh-TW" altLang="en-US" dirty="0"/>
+              <a:t>的倍數</a:t>
+            </a:r>
+            <a:r>
+              <a:rPr lang="zh-TW" altLang="en-US" dirty="0" smtClean="0"/>
+              <a:t>？</a:t>
+            </a:r>
+            <a:endParaRPr lang="en-US" altLang="zh-TW" dirty="0" smtClean="0"/>
+          </a:p>
+          <a:p>
+            <a:endParaRPr lang="zh-TW" altLang="en-US" dirty="0"/>
+          </a:p>
+          <a:p>
+            <a:endParaRPr lang="zh-TW" altLang="en-US" dirty="0"/>
+          </a:p>
+        </p:txBody>
+      </p:sp>
+    </p:spTree>
+    <p:extLst>
+      <p:ext uri="{BB962C8B-B14F-4D97-AF65-F5344CB8AC3E}">
+        <p14:creationId xmlns:p14="http://schemas.microsoft.com/office/powerpoint/2010/main" val="189764562"/>
+      </p:ext>
+    </p:extLst>
+  </p:cSld>
+  <p:clrMapOvr>
+    <a:masterClrMapping/>
+  </p:clrMapOvr>
+</p:sld>
+</file>
+
+<file path=ppt/slides/slide11.xml><?xml version="1.0" encoding="utf-8"?>
+<p:sld xmlns:a="http://schemas.openxmlformats.org/drawingml/2006/main" xmlns:r="http://schemas.openxmlformats.org/officeDocument/2006/relationships" xmlns:p="http://schemas.openxmlformats.org/presentationml/2006/main">
+  <p:cSld>
+    <p:spTree>
+      <p:nvGrpSpPr>
+        <p:cNvPr id="1" name=""/>
+        <p:cNvGrpSpPr/>
+        <p:nvPr/>
+      </p:nvGrpSpPr>
+      <p:grpSpPr>
+        <a:xfrm>
+          <a:off x="0" y="0"/>
+          <a:ext cx="0" cy="0"/>
+          <a:chOff x="0" y="0"/>
+          <a:chExt cx="0" cy="0"/>
+        </a:xfrm>
+      </p:grpSpPr>
+      <p:sp>
+        <p:nvSpPr>
+          <p:cNvPr id="2" name="標題 1"/>
+          <p:cNvSpPr>
+            <a:spLocks noGrp="1"/>
+          </p:cNvSpPr>
+          <p:nvPr>
+            <p:ph type="title"/>
+          </p:nvPr>
+        </p:nvSpPr>
+        <p:spPr/>
+        <p:txBody>
+          <a:bodyPr/>
+          <a:lstStyle/>
+          <a:p>
+            <a:r>
+              <a:rPr lang="zh-TW" altLang="en-US" dirty="0" smtClean="0"/>
               <a:t>不要用使用波動拳</a:t>
             </a:r>
             <a:r>
@@ -3142,134 +3289,6 @@
 </p:sld>
 </file>
 
-<file path=ppt/slides/slide11.xml><?xml version="1.0" encoding="utf-8"?>
-<p:sld xmlns:a="http://schemas.openxmlformats.org/drawingml/2006/main" xmlns:r="http://schemas.openxmlformats.org/officeDocument/2006/relationships" xmlns:p="http://schemas.openxmlformats.org/presentationml/2006/main">
-  <p:cSld>
-    <p:spTree>
-      <p:nvGrpSpPr>
-        <p:cNvPr id="1" name=""/>
-        <p:cNvGrpSpPr/>
-        <p:nvPr/>
-      </p:nvGrpSpPr>
-      <p:grpSpPr>
-        <a:xfrm>
-          <a:off x="0" y="0"/>
-          <a:ext cx="0" cy="0"/>
-          <a:chOff x="0" y="0"/>
-          <a:chExt cx="0" cy="0"/>
-        </a:xfrm>
-      </p:grpSpPr>
-      <p:sp>
-        <p:nvSpPr>
-          <p:cNvPr id="2" name="標題 1"/>
-          <p:cNvSpPr>
-            <a:spLocks noGrp="1"/>
-          </p:cNvSpPr>
-          <p:nvPr>
-            <p:ph type="title"/>
-          </p:nvPr>
-        </p:nvSpPr>
-        <p:spPr/>
-        <p:txBody>
-          <a:bodyPr/>
-          <a:lstStyle/>
-          <a:p>
-            <a:r>
-              <a:rPr lang="zh-TW" altLang="en-US" dirty="0" smtClean="0"/>
-              <a:t>邏輯運算子</a:t>
-            </a:r>
-            <a:endParaRPr lang="zh-TW" altLang="en-US" dirty="0"/>
-          </a:p>
-        </p:txBody>
-      </p:sp>
-      <p:sp>
-        <p:nvSpPr>
-          <p:cNvPr id="3" name="內容版面配置區 2"/>
-          <p:cNvSpPr>
-            <a:spLocks noGrp="1"/>
-          </p:cNvSpPr>
-          <p:nvPr>
-            <p:ph idx="1"/>
-          </p:nvPr>
-        </p:nvSpPr>
-        <p:spPr/>
-        <p:txBody>
-          <a:bodyPr/>
-          <a:lstStyle/>
-          <a:p>
-            <a:r>
-              <a:rPr lang="zh-TW" altLang="en-US" dirty="0" smtClean="0"/>
-              <a:t>而且 </a:t>
-            </a:r>
-            <a:r>
-              <a:rPr lang="en-US" altLang="zh-TW" dirty="0"/>
-              <a:t>(</a:t>
-            </a:r>
-            <a:r>
-              <a:rPr lang="en-US" altLang="zh-TW" dirty="0" smtClean="0"/>
-              <a:t>&amp;&amp;</a:t>
-            </a:r>
-            <a:r>
-              <a:rPr lang="zh-TW" altLang="en-US" dirty="0" smtClean="0"/>
-              <a:t>、</a:t>
-            </a:r>
-            <a:r>
-              <a:rPr lang="en-US" altLang="zh-TW" dirty="0" smtClean="0"/>
-              <a:t>and)</a:t>
-            </a:r>
-          </a:p>
-          <a:p>
-            <a:r>
-              <a:rPr lang="zh-TW" altLang="en-US" dirty="0" smtClean="0"/>
-              <a:t>或</a:t>
-            </a:r>
-            <a:r>
-              <a:rPr lang="en-US" altLang="zh-TW" dirty="0" smtClean="0"/>
-              <a:t>(</a:t>
-            </a:r>
-            <a:r>
-              <a:rPr lang="zh-TW" altLang="en-US" dirty="0" smtClean="0"/>
-              <a:t> </a:t>
-            </a:r>
-            <a:r>
-              <a:rPr lang="en-US" altLang="zh-TW" dirty="0" smtClean="0"/>
-              <a:t>||</a:t>
-            </a:r>
-            <a:r>
-              <a:rPr lang="zh-TW" altLang="en-US" dirty="0" smtClean="0"/>
-              <a:t> 、</a:t>
-            </a:r>
-            <a:r>
-              <a:rPr lang="en-US" altLang="zh-TW" dirty="0" smtClean="0"/>
-              <a:t>or)</a:t>
-            </a:r>
-          </a:p>
-          <a:p>
-            <a:r>
-              <a:rPr lang="zh-TW" altLang="en-US" dirty="0" smtClean="0"/>
-              <a:t>空集合</a:t>
-            </a:r>
-            <a:r>
-              <a:rPr lang="en-US" altLang="zh-TW" dirty="0" smtClean="0"/>
-              <a:t>(null)</a:t>
-            </a:r>
-            <a:endParaRPr lang="zh-TW" altLang="en-US" dirty="0"/>
-          </a:p>
-        </p:txBody>
-      </p:sp>
-    </p:spTree>
-    <p:extLst>
-      <p:ext uri="{BB962C8B-B14F-4D97-AF65-F5344CB8AC3E}">
-        <p14:creationId xmlns:p14="http://schemas.microsoft.com/office/powerpoint/2010/main" val="2509132976"/>
-      </p:ext>
-    </p:extLst>
-  </p:cSld>
-  <p:clrMapOvr>
-    <a:masterClrMapping/>
-  </p:clrMapOvr>
-</p:sld>
-</file>
-
 <file path=ppt/slides/slide12.xml><?xml version="1.0" encoding="utf-8"?>
 <p:sld xmlns:a="http://schemas.openxmlformats.org/drawingml/2006/main" xmlns:r="http://schemas.openxmlformats.org/officeDocument/2006/relationships" xmlns:p="http://schemas.openxmlformats.org/presentationml/2006/main">
   <p:cSld>
@@ -3304,6 +3323,134 @@
           <a:p>
             <a:r>
               <a:rPr lang="zh-TW" altLang="en-US" dirty="0" smtClean="0"/>
+              <a:t>邏輯運算子</a:t>
+            </a:r>
+            <a:endParaRPr lang="zh-TW" altLang="en-US" dirty="0"/>
+          </a:p>
+        </p:txBody>
+      </p:sp>
+      <p:sp>
+        <p:nvSpPr>
+          <p:cNvPr id="3" name="內容版面配置區 2"/>
+          <p:cNvSpPr>
+            <a:spLocks noGrp="1"/>
+          </p:cNvSpPr>
+          <p:nvPr>
+            <p:ph idx="1"/>
+          </p:nvPr>
+        </p:nvSpPr>
+        <p:spPr/>
+        <p:txBody>
+          <a:bodyPr/>
+          <a:lstStyle/>
+          <a:p>
+            <a:r>
+              <a:rPr lang="zh-TW" altLang="en-US" dirty="0" smtClean="0"/>
+              <a:t>而且 </a:t>
+            </a:r>
+            <a:r>
+              <a:rPr lang="en-US" altLang="zh-TW" dirty="0"/>
+              <a:t>(</a:t>
+            </a:r>
+            <a:r>
+              <a:rPr lang="en-US" altLang="zh-TW" dirty="0" smtClean="0"/>
+              <a:t>&amp;&amp;</a:t>
+            </a:r>
+            <a:r>
+              <a:rPr lang="zh-TW" altLang="en-US" dirty="0" smtClean="0"/>
+              <a:t>、</a:t>
+            </a:r>
+            <a:r>
+              <a:rPr lang="en-US" altLang="zh-TW" dirty="0" smtClean="0"/>
+              <a:t>and)</a:t>
+            </a:r>
+          </a:p>
+          <a:p>
+            <a:r>
+              <a:rPr lang="zh-TW" altLang="en-US" dirty="0" smtClean="0"/>
+              <a:t>或</a:t>
+            </a:r>
+            <a:r>
+              <a:rPr lang="en-US" altLang="zh-TW" dirty="0" smtClean="0"/>
+              <a:t>(</a:t>
+            </a:r>
+            <a:r>
+              <a:rPr lang="zh-TW" altLang="en-US" dirty="0" smtClean="0"/>
+              <a:t> </a:t>
+            </a:r>
+            <a:r>
+              <a:rPr lang="en-US" altLang="zh-TW" dirty="0" smtClean="0"/>
+              <a:t>||</a:t>
+            </a:r>
+            <a:r>
+              <a:rPr lang="zh-TW" altLang="en-US" dirty="0" smtClean="0"/>
+              <a:t> 、</a:t>
+            </a:r>
+            <a:r>
+              <a:rPr lang="en-US" altLang="zh-TW" dirty="0" smtClean="0"/>
+              <a:t>or)</a:t>
+            </a:r>
+          </a:p>
+          <a:p>
+            <a:r>
+              <a:rPr lang="zh-TW" altLang="en-US" dirty="0" smtClean="0"/>
+              <a:t>空集合</a:t>
+            </a:r>
+            <a:r>
+              <a:rPr lang="en-US" altLang="zh-TW" dirty="0" smtClean="0"/>
+              <a:t>(null)</a:t>
+            </a:r>
+            <a:endParaRPr lang="zh-TW" altLang="en-US" dirty="0"/>
+          </a:p>
+        </p:txBody>
+      </p:sp>
+    </p:spTree>
+    <p:extLst>
+      <p:ext uri="{BB962C8B-B14F-4D97-AF65-F5344CB8AC3E}">
+        <p14:creationId xmlns:p14="http://schemas.microsoft.com/office/powerpoint/2010/main" val="2509132976"/>
+      </p:ext>
+    </p:extLst>
+  </p:cSld>
+  <p:clrMapOvr>
+    <a:masterClrMapping/>
+  </p:clrMapOvr>
+</p:sld>
+</file>
+
+<file path=ppt/slides/slide13.xml><?xml version="1.0" encoding="utf-8"?>
+<p:sld xmlns:a="http://schemas.openxmlformats.org/drawingml/2006/main" xmlns:r="http://schemas.openxmlformats.org/officeDocument/2006/relationships" xmlns:p="http://schemas.openxmlformats.org/presentationml/2006/main">
+  <p:cSld>
+    <p:spTree>
+      <p:nvGrpSpPr>
+        <p:cNvPr id="1" name=""/>
+        <p:cNvGrpSpPr/>
+        <p:nvPr/>
+      </p:nvGrpSpPr>
+      <p:grpSpPr>
+        <a:xfrm>
+          <a:off x="0" y="0"/>
+          <a:ext cx="0" cy="0"/>
+          <a:chOff x="0" y="0"/>
+          <a:chExt cx="0" cy="0"/>
+        </a:xfrm>
+      </p:grpSpPr>
+      <p:sp>
+        <p:nvSpPr>
+          <p:cNvPr id="2" name="標題 1"/>
+          <p:cNvSpPr>
+            <a:spLocks noGrp="1"/>
+          </p:cNvSpPr>
+          <p:nvPr>
+            <p:ph type="title"/>
+          </p:nvPr>
+        </p:nvSpPr>
+        <p:spPr/>
+        <p:txBody>
+          <a:bodyPr/>
+          <a:lstStyle/>
+          <a:p>
+            <a:r>
+              <a:rPr lang="zh-TW" altLang="en-US" dirty="0" smtClean="0"/>
               <a:t>迴圈</a:t>
             </a:r>
             <a:endParaRPr lang="zh-TW" altLang="en-US" dirty="0"/>
@@ -3431,7 +3578,7 @@
 </p:sld>
 </file>
 
-<file path=ppt/slides/slide13.xml><?xml version="1.0" encoding="utf-8"?>
+<file path=ppt/slides/slide14.xml><?xml version="1.0" encoding="utf-8"?>
 <p:sld xmlns:a="http://schemas.openxmlformats.org/drawingml/2006/main" xmlns:r="http://schemas.openxmlformats.org/officeDocument/2006/relationships" xmlns:p="http://schemas.openxmlformats.org/presentationml/2006/main">
   <p:cSld>
     <p:spTree>
@@ -3513,250 +3660,6 @@
 </p:sld>
 </file>
 
-<file path=ppt/slides/slide14.xml><?xml version="1.0" encoding="utf-8"?>
-<p:sld xmlns:a="http://schemas.openxmlformats.org/drawingml/2006/main" xmlns:r="http://schemas.openxmlformats.org/officeDocument/2006/relationships" xmlns:p="http://schemas.openxmlformats.org/presentationml/2006/main">
-  <p:cSld>
-    <p:spTree>
-      <p:nvGrpSpPr>
-        <p:cNvPr id="1" name=""/>
-        <p:cNvGrpSpPr/>
-        <p:nvPr/>
-      </p:nvGrpSpPr>
-      <p:grpSpPr>
-        <a:xfrm>
-          <a:off x="0" y="0"/>
-          <a:ext cx="0" cy="0"/>
-          <a:chOff x="0" y="0"/>
-          <a:chExt cx="0" cy="0"/>
-        </a:xfrm>
-      </p:grpSpPr>
-      <p:sp>
-        <p:nvSpPr>
-          <p:cNvPr id="2" name="標題 1"/>
-          <p:cNvSpPr>
-            <a:spLocks noGrp="1"/>
-          </p:cNvSpPr>
-          <p:nvPr>
-            <p:ph type="title"/>
-          </p:nvPr>
-        </p:nvSpPr>
-        <p:spPr/>
-        <p:txBody>
-          <a:bodyPr/>
-          <a:lstStyle/>
-          <a:p>
-            <a:r>
-              <a:rPr lang="zh-TW" altLang="en-US" dirty="0" smtClean="0"/>
-              <a:t>陣列</a:t>
-            </a:r>
-            <a:endParaRPr lang="zh-TW" altLang="en-US" dirty="0"/>
-          </a:p>
-        </p:txBody>
-      </p:sp>
-      <p:sp>
-        <p:nvSpPr>
-          <p:cNvPr id="3" name="內容版面配置區 2"/>
-          <p:cNvSpPr>
-            <a:spLocks noGrp="1"/>
-          </p:cNvSpPr>
-          <p:nvPr>
-            <p:ph idx="1"/>
-          </p:nvPr>
-        </p:nvSpPr>
-        <p:spPr/>
-        <p:txBody>
-          <a:bodyPr/>
-          <a:lstStyle/>
-          <a:p>
-            <a:r>
-              <a:rPr lang="zh-TW" altLang="en-US" dirty="0" smtClean="0"/>
-              <a:t>一個變數</a:t>
-            </a:r>
-            <a:r>
-              <a:rPr lang="zh-TW" altLang="en-US" dirty="0"/>
-              <a:t>可</a:t>
-            </a:r>
-            <a:r>
-              <a:rPr lang="zh-TW" altLang="en-US" dirty="0" smtClean="0"/>
-              <a:t>裝多個資料</a:t>
-            </a:r>
-            <a:endParaRPr lang="en-US" altLang="zh-TW" dirty="0" smtClean="0"/>
-          </a:p>
-          <a:p>
-            <a:r>
-              <a:rPr lang="en-US" altLang="zh-TW" dirty="0" smtClean="0"/>
-              <a:t>$</a:t>
-            </a:r>
-            <a:r>
-              <a:rPr lang="en-US" altLang="zh-TW" dirty="0" err="1"/>
-              <a:t>arr</a:t>
-            </a:r>
-            <a:r>
-              <a:rPr lang="en-US" altLang="zh-TW" dirty="0"/>
-              <a:t> = array</a:t>
-            </a:r>
-            <a:r>
-              <a:rPr lang="en-US" altLang="zh-TW" dirty="0" smtClean="0"/>
-              <a:t>(</a:t>
-            </a:r>
-            <a:r>
-              <a:rPr lang="zh-TW" altLang="en-US" dirty="0" smtClean="0"/>
-              <a:t>資料</a:t>
-            </a:r>
-            <a:r>
-              <a:rPr lang="en-US" altLang="zh-TW" dirty="0" smtClean="0"/>
-              <a:t>,</a:t>
-            </a:r>
-            <a:r>
-              <a:rPr lang="zh-TW" altLang="en-US" dirty="0" smtClean="0"/>
-              <a:t>資料</a:t>
-            </a:r>
-            <a:r>
-              <a:rPr lang="en-US" altLang="zh-TW" dirty="0" smtClean="0"/>
-              <a:t>,</a:t>
-            </a:r>
-            <a:r>
-              <a:rPr lang="zh-TW" altLang="en-US" dirty="0"/>
-              <a:t>資料</a:t>
-            </a:r>
-            <a:r>
-              <a:rPr lang="en-US" altLang="zh-TW" dirty="0" smtClean="0"/>
-              <a:t>);</a:t>
-            </a:r>
-            <a:r>
-              <a:rPr lang="en-US" altLang="zh-TW" dirty="0"/>
-              <a:t> </a:t>
-            </a:r>
-            <a:endParaRPr lang="en-US" altLang="zh-TW" dirty="0" smtClean="0"/>
-          </a:p>
-          <a:p>
-            <a:r>
-              <a:rPr lang="en-US" altLang="zh-TW" dirty="0" err="1"/>
-              <a:t>p</a:t>
-            </a:r>
-            <a:r>
-              <a:rPr lang="en-US" altLang="zh-TW" dirty="0" err="1" smtClean="0"/>
-              <a:t>rint_r</a:t>
-            </a:r>
-            <a:r>
-              <a:rPr lang="en-US" altLang="zh-TW" dirty="0" smtClean="0"/>
-              <a:t>  =&gt;</a:t>
-            </a:r>
-            <a:r>
-              <a:rPr lang="zh-TW" altLang="en-US" dirty="0" smtClean="0"/>
-              <a:t>查看陣列結構</a:t>
-            </a:r>
-            <a:endParaRPr lang="en-US" altLang="zh-TW" dirty="0" smtClean="0"/>
-          </a:p>
-          <a:p>
-            <a:r>
-              <a:rPr lang="en-US" altLang="zh-TW" dirty="0" err="1" smtClean="0"/>
-              <a:t>array_push</a:t>
-            </a:r>
-            <a:r>
-              <a:rPr lang="en-US" altLang="zh-TW" dirty="0" smtClean="0"/>
-              <a:t>(</a:t>
-            </a:r>
-            <a:r>
-              <a:rPr lang="zh-TW" altLang="en-US" dirty="0"/>
-              <a:t>陣列變數</a:t>
-            </a:r>
-            <a:r>
-              <a:rPr lang="en-US" altLang="zh-TW" dirty="0"/>
-              <a:t>, </a:t>
-            </a:r>
-            <a:r>
-              <a:rPr lang="zh-TW" altLang="en-US" dirty="0"/>
-              <a:t>一個內容值</a:t>
-            </a:r>
-            <a:r>
-              <a:rPr lang="en-US" altLang="zh-TW" dirty="0" smtClean="0"/>
-              <a:t>) </a:t>
-            </a:r>
-            <a:r>
-              <a:rPr lang="zh-TW" altLang="en-US" dirty="0" smtClean="0"/>
-              <a:t>新增資料進陣列，會排在最後</a:t>
-            </a:r>
-            <a:endParaRPr lang="en-US" altLang="zh-TW" dirty="0" smtClean="0"/>
-          </a:p>
-          <a:p>
-            <a:r>
-              <a:rPr lang="en-US" altLang="zh-TW" dirty="0" smtClean="0"/>
-              <a:t>count(</a:t>
-            </a:r>
-            <a:r>
-              <a:rPr lang="zh-TW" altLang="en-US" dirty="0"/>
-              <a:t>陣列</a:t>
-            </a:r>
-            <a:r>
-              <a:rPr lang="zh-TW" altLang="en-US" dirty="0" smtClean="0"/>
-              <a:t>變數</a:t>
-            </a:r>
-            <a:r>
-              <a:rPr lang="en-US" altLang="zh-TW" dirty="0" smtClean="0"/>
-              <a:t>) =&gt;</a:t>
-            </a:r>
-            <a:r>
-              <a:rPr lang="zh-TW" altLang="en-US" dirty="0" smtClean="0"/>
-              <a:t>查看陣列長度</a:t>
-            </a:r>
-            <a:endParaRPr lang="en-US" altLang="zh-TW" dirty="0" smtClean="0"/>
-          </a:p>
-          <a:p>
-            <a:r>
-              <a:rPr lang="en-US" altLang="zh-TW" dirty="0" err="1"/>
-              <a:t>in_array</a:t>
-            </a:r>
-            <a:r>
-              <a:rPr lang="en-US" altLang="zh-TW" dirty="0"/>
-              <a:t>( </a:t>
-            </a:r>
-            <a:r>
-              <a:rPr lang="zh-TW" altLang="en-US" dirty="0"/>
-              <a:t>查詢的內容值</a:t>
-            </a:r>
-            <a:r>
-              <a:rPr lang="en-US" altLang="zh-TW" dirty="0"/>
-              <a:t>, </a:t>
-            </a:r>
-            <a:r>
-              <a:rPr lang="zh-TW" altLang="en-US" dirty="0"/>
-              <a:t>陣列變數 </a:t>
-            </a:r>
-            <a:r>
-              <a:rPr lang="en-US" altLang="zh-TW" dirty="0"/>
-              <a:t>) </a:t>
-            </a:r>
-            <a:r>
-              <a:rPr lang="zh-TW" altLang="en-US" dirty="0"/>
-              <a:t>判斷指定的內容值是不是已經在陣列中</a:t>
-            </a:r>
-            <a:endParaRPr lang="en-US" altLang="zh-TW" dirty="0" smtClean="0"/>
-          </a:p>
-          <a:p>
-            <a:pPr marL="0" indent="0">
-              <a:buNone/>
-            </a:pPr>
-            <a:endParaRPr lang="en-US" altLang="zh-TW" dirty="0"/>
-          </a:p>
-          <a:p>
-            <a:endParaRPr lang="zh-TW" altLang="en-US" dirty="0"/>
-          </a:p>
-        </p:txBody>
-      </p:sp>
-    </p:spTree>
-    <p:extLst>
-      <p:ext uri="{BB962C8B-B14F-4D97-AF65-F5344CB8AC3E}">
-        <p14:creationId xmlns:p14="http://schemas.microsoft.com/office/powerpoint/2010/main" val="4052969005"/>
-      </p:ext>
-    </p:extLst>
-  </p:cSld>
-  <p:clrMapOvr>
-    <a:masterClrMapping/>
-  </p:clrMapOvr>
-</p:sld>
-</file>
-
 <file path=ppt/slides/slide15.xml><?xml version="1.0" encoding="utf-8"?>
 <p:sld xmlns:a="http://schemas.openxmlformats.org/drawingml/2006/main" xmlns:r="http://schemas.openxmlformats.org/officeDocument/2006/relationships" xmlns:p="http://schemas.openxmlformats.org/presentationml/2006/main">
   <p:cSld>
@@ -3791,6 +3694,359 @@
           <a:p>
             <a:r>
               <a:rPr lang="zh-TW" altLang="en-US" dirty="0" smtClean="0"/>
+              <a:t>迴</a:t>
+            </a:r>
+            <a:r>
+              <a:rPr lang="zh-TW" altLang="en-US" dirty="0" smtClean="0"/>
+              <a:t>圈進階應用</a:t>
+            </a:r>
+            <a:endParaRPr lang="zh-TW" altLang="en-US" dirty="0"/>
+          </a:p>
+        </p:txBody>
+      </p:sp>
+      <p:sp>
+        <p:nvSpPr>
+          <p:cNvPr id="3" name="內容版面配置區 2"/>
+          <p:cNvSpPr>
+            <a:spLocks noGrp="1"/>
+          </p:cNvSpPr>
+          <p:nvPr>
+            <p:ph idx="1"/>
+          </p:nvPr>
+        </p:nvSpPr>
+        <p:spPr/>
+        <p:txBody>
+          <a:bodyPr/>
+          <a:lstStyle/>
+          <a:p>
+            <a:r>
+              <a:rPr lang="en-US" altLang="zh-TW" dirty="0" smtClean="0"/>
+              <a:t>break(</a:t>
+            </a:r>
+            <a:r>
+              <a:rPr lang="zh-TW" altLang="en-US" dirty="0" smtClean="0"/>
+              <a:t>跳出迴圈</a:t>
+            </a:r>
+            <a:r>
+              <a:rPr lang="en-US" altLang="zh-TW" dirty="0" smtClean="0"/>
+              <a:t>)</a:t>
+            </a:r>
+          </a:p>
+          <a:p>
+            <a:r>
+              <a:rPr lang="en-US" altLang="zh-TW" dirty="0"/>
+              <a:t>c</a:t>
+            </a:r>
+            <a:r>
+              <a:rPr lang="en-US" altLang="zh-TW" dirty="0" smtClean="0"/>
+              <a:t>ontinue(</a:t>
+            </a:r>
+            <a:r>
+              <a:rPr lang="zh-TW" altLang="en-US" dirty="0" smtClean="0"/>
+              <a:t>放棄本次迴圈</a:t>
+            </a:r>
+            <a:r>
+              <a:rPr lang="en-US" altLang="zh-TW" dirty="0" smtClean="0"/>
+              <a:t>)</a:t>
+            </a:r>
+            <a:endParaRPr lang="en-US" altLang="zh-TW" dirty="0"/>
+          </a:p>
+          <a:p>
+            <a:endParaRPr lang="zh-TW" altLang="en-US" dirty="0"/>
+          </a:p>
+        </p:txBody>
+      </p:sp>
+    </p:spTree>
+    <p:extLst>
+      <p:ext uri="{BB962C8B-B14F-4D97-AF65-F5344CB8AC3E}">
+        <p14:creationId xmlns:p14="http://schemas.microsoft.com/office/powerpoint/2010/main" val="2647372135"/>
+      </p:ext>
+    </p:extLst>
+  </p:cSld>
+  <p:clrMapOvr>
+    <a:masterClrMapping/>
+  </p:clrMapOvr>
+</p:sld>
+</file>
+
+<file path=ppt/slides/slide16.xml><?xml version="1.0" encoding="utf-8"?>
+<p:sld xmlns:a="http://schemas.openxmlformats.org/drawingml/2006/main" xmlns:r="http://schemas.openxmlformats.org/officeDocument/2006/relationships" xmlns:p="http://schemas.openxmlformats.org/presentationml/2006/main">
+  <p:cSld>
+    <p:spTree>
+      <p:nvGrpSpPr>
+        <p:cNvPr id="1" name=""/>
+        <p:cNvGrpSpPr/>
+        <p:nvPr/>
+      </p:nvGrpSpPr>
+      <p:grpSpPr>
+        <a:xfrm>
+          <a:off x="0" y="0"/>
+          <a:ext cx="0" cy="0"/>
+          <a:chOff x="0" y="0"/>
+          <a:chExt cx="0" cy="0"/>
+        </a:xfrm>
+      </p:grpSpPr>
+      <p:sp>
+        <p:nvSpPr>
+          <p:cNvPr id="2" name="標題 1"/>
+          <p:cNvSpPr>
+            <a:spLocks noGrp="1"/>
+          </p:cNvSpPr>
+          <p:nvPr>
+            <p:ph type="title"/>
+          </p:nvPr>
+        </p:nvSpPr>
+        <p:spPr/>
+        <p:txBody>
+          <a:bodyPr/>
+          <a:lstStyle/>
+          <a:p>
+            <a:r>
+              <a:rPr lang="zh-TW" altLang="en-US" dirty="0" smtClean="0"/>
+              <a:t>陣列</a:t>
+            </a:r>
+            <a:endParaRPr lang="zh-TW" altLang="en-US" dirty="0"/>
+          </a:p>
+        </p:txBody>
+      </p:sp>
+      <p:sp>
+        <p:nvSpPr>
+          <p:cNvPr id="3" name="內容版面配置區 2"/>
+          <p:cNvSpPr>
+            <a:spLocks noGrp="1"/>
+          </p:cNvSpPr>
+          <p:nvPr>
+            <p:ph idx="1"/>
+          </p:nvPr>
+        </p:nvSpPr>
+        <p:spPr/>
+        <p:txBody>
+          <a:bodyPr/>
+          <a:lstStyle/>
+          <a:p>
+            <a:r>
+              <a:rPr lang="zh-TW" altLang="en-US" dirty="0" smtClean="0"/>
+              <a:t>一個變數</a:t>
+            </a:r>
+            <a:r>
+              <a:rPr lang="zh-TW" altLang="en-US" dirty="0"/>
+              <a:t>可</a:t>
+            </a:r>
+            <a:r>
+              <a:rPr lang="zh-TW" altLang="en-US" dirty="0" smtClean="0"/>
+              <a:t>裝多個資料</a:t>
+            </a:r>
+            <a:endParaRPr lang="en-US" altLang="zh-TW" dirty="0" smtClean="0"/>
+          </a:p>
+          <a:p>
+            <a:r>
+              <a:rPr lang="en-US" altLang="zh-TW" dirty="0" smtClean="0"/>
+              <a:t>$</a:t>
+            </a:r>
+            <a:r>
+              <a:rPr lang="en-US" altLang="zh-TW" dirty="0" err="1"/>
+              <a:t>arr</a:t>
+            </a:r>
+            <a:r>
+              <a:rPr lang="en-US" altLang="zh-TW" dirty="0"/>
+              <a:t> = array</a:t>
+            </a:r>
+            <a:r>
+              <a:rPr lang="en-US" altLang="zh-TW" dirty="0" smtClean="0"/>
+              <a:t>(</a:t>
+            </a:r>
+            <a:r>
+              <a:rPr lang="zh-TW" altLang="en-US" dirty="0" smtClean="0"/>
+              <a:t>資料</a:t>
+            </a:r>
+            <a:r>
+              <a:rPr lang="en-US" altLang="zh-TW" dirty="0" smtClean="0"/>
+              <a:t>,</a:t>
+            </a:r>
+            <a:r>
+              <a:rPr lang="zh-TW" altLang="en-US" dirty="0" smtClean="0"/>
+              <a:t>資料</a:t>
+            </a:r>
+            <a:r>
+              <a:rPr lang="en-US" altLang="zh-TW" dirty="0" smtClean="0"/>
+              <a:t>,</a:t>
+            </a:r>
+            <a:r>
+              <a:rPr lang="zh-TW" altLang="en-US" dirty="0"/>
+              <a:t>資料</a:t>
+            </a:r>
+            <a:r>
+              <a:rPr lang="en-US" altLang="zh-TW" dirty="0" smtClean="0"/>
+              <a:t>);</a:t>
+            </a:r>
+            <a:r>
+              <a:rPr lang="en-US" altLang="zh-TW" dirty="0"/>
+              <a:t> </a:t>
+            </a:r>
+            <a:endParaRPr lang="en-US" altLang="zh-TW" dirty="0" smtClean="0"/>
+          </a:p>
+          <a:p>
+            <a:r>
+              <a:rPr lang="en-US" altLang="zh-TW" dirty="0" err="1"/>
+              <a:t>p</a:t>
+            </a:r>
+            <a:r>
+              <a:rPr lang="en-US" altLang="zh-TW" dirty="0" err="1" smtClean="0"/>
+              <a:t>rint_r</a:t>
+            </a:r>
+            <a:r>
+              <a:rPr lang="en-US" altLang="zh-TW" dirty="0" smtClean="0"/>
+              <a:t>  =&gt;</a:t>
+            </a:r>
+            <a:r>
+              <a:rPr lang="zh-TW" altLang="en-US" dirty="0" smtClean="0"/>
+              <a:t>查看陣列結構</a:t>
+            </a:r>
+            <a:endParaRPr lang="en-US" altLang="zh-TW" dirty="0" smtClean="0"/>
+          </a:p>
+          <a:p>
+            <a:r>
+              <a:rPr lang="en-US" altLang="zh-TW" dirty="0" err="1" smtClean="0"/>
+              <a:t>array_push</a:t>
+            </a:r>
+            <a:r>
+              <a:rPr lang="en-US" altLang="zh-TW" dirty="0" smtClean="0"/>
+              <a:t>(</a:t>
+            </a:r>
+            <a:r>
+              <a:rPr lang="zh-TW" altLang="en-US" dirty="0"/>
+              <a:t>陣列變數</a:t>
+            </a:r>
+            <a:r>
+              <a:rPr lang="en-US" altLang="zh-TW" dirty="0"/>
+              <a:t>, </a:t>
+            </a:r>
+            <a:r>
+              <a:rPr lang="zh-TW" altLang="en-US" dirty="0"/>
+              <a:t>一個內容值</a:t>
+            </a:r>
+            <a:r>
+              <a:rPr lang="en-US" altLang="zh-TW" dirty="0" smtClean="0"/>
+              <a:t>) </a:t>
+            </a:r>
+            <a:r>
+              <a:rPr lang="zh-TW" altLang="en-US" dirty="0" smtClean="0"/>
+              <a:t>新增資料進陣列，會排在最後</a:t>
+            </a:r>
+            <a:endParaRPr lang="en-US" altLang="zh-TW" dirty="0" smtClean="0"/>
+          </a:p>
+          <a:p>
+            <a:r>
+              <a:rPr lang="en-US" altLang="zh-TW" dirty="0" smtClean="0"/>
+              <a:t>count(</a:t>
+            </a:r>
+            <a:r>
+              <a:rPr lang="zh-TW" altLang="en-US" dirty="0"/>
+              <a:t>陣列</a:t>
+            </a:r>
+            <a:r>
+              <a:rPr lang="zh-TW" altLang="en-US" dirty="0" smtClean="0"/>
+              <a:t>變數</a:t>
+            </a:r>
+            <a:r>
+              <a:rPr lang="en-US" altLang="zh-TW" dirty="0" smtClean="0"/>
+              <a:t>) =&gt;</a:t>
+            </a:r>
+            <a:r>
+              <a:rPr lang="zh-TW" altLang="en-US" dirty="0" smtClean="0"/>
+              <a:t>查看陣列長度</a:t>
+            </a:r>
+            <a:endParaRPr lang="en-US" altLang="zh-TW" dirty="0" smtClean="0"/>
+          </a:p>
+          <a:p>
+            <a:r>
+              <a:rPr lang="en-US" altLang="zh-TW" dirty="0" err="1"/>
+              <a:t>in_array</a:t>
+            </a:r>
+            <a:r>
+              <a:rPr lang="en-US" altLang="zh-TW" dirty="0"/>
+              <a:t>( </a:t>
+            </a:r>
+            <a:r>
+              <a:rPr lang="zh-TW" altLang="en-US" dirty="0"/>
+              <a:t>查詢的內容值</a:t>
+            </a:r>
+            <a:r>
+              <a:rPr lang="en-US" altLang="zh-TW" dirty="0"/>
+              <a:t>, </a:t>
+            </a:r>
+            <a:r>
+              <a:rPr lang="zh-TW" altLang="en-US" dirty="0"/>
+              <a:t>陣列變數 </a:t>
+            </a:r>
+            <a:r>
+              <a:rPr lang="en-US" altLang="zh-TW" dirty="0"/>
+              <a:t>) </a:t>
+            </a:r>
+            <a:r>
+              <a:rPr lang="zh-TW" altLang="en-US" dirty="0"/>
+              <a:t>判斷指定的內容值是不是已經在陣列中</a:t>
+            </a:r>
+            <a:endParaRPr lang="en-US" altLang="zh-TW" dirty="0" smtClean="0"/>
+          </a:p>
+          <a:p>
+            <a:pPr marL="0" indent="0">
+              <a:buNone/>
+            </a:pPr>
+            <a:endParaRPr lang="en-US" altLang="zh-TW" dirty="0"/>
+          </a:p>
+          <a:p>
+            <a:endParaRPr lang="zh-TW" altLang="en-US" dirty="0"/>
+          </a:p>
+        </p:txBody>
+      </p:sp>
+    </p:spTree>
+    <p:extLst>
+      <p:ext uri="{BB962C8B-B14F-4D97-AF65-F5344CB8AC3E}">
+        <p14:creationId xmlns:p14="http://schemas.microsoft.com/office/powerpoint/2010/main" val="4052969005"/>
+      </p:ext>
+    </p:extLst>
+  </p:cSld>
+  <p:clrMapOvr>
+    <a:masterClrMapping/>
+  </p:clrMapOvr>
+</p:sld>
+</file>
+
+<file path=ppt/slides/slide17.xml><?xml version="1.0" encoding="utf-8"?>
+<p:sld xmlns:a="http://schemas.openxmlformats.org/drawingml/2006/main" xmlns:r="http://schemas.openxmlformats.org/officeDocument/2006/relationships" xmlns:p="http://schemas.openxmlformats.org/presentationml/2006/main">
+  <p:cSld>
+    <p:spTree>
+      <p:nvGrpSpPr>
+        <p:cNvPr id="1" name=""/>
+        <p:cNvGrpSpPr/>
+        <p:nvPr/>
+      </p:nvGrpSpPr>
+      <p:grpSpPr>
+        <a:xfrm>
+          <a:off x="0" y="0"/>
+          <a:ext cx="0" cy="0"/>
+          <a:chOff x="0" y="0"/>
+          <a:chExt cx="0" cy="0"/>
+        </a:xfrm>
+      </p:grpSpPr>
+      <p:sp>
+        <p:nvSpPr>
+          <p:cNvPr id="2" name="標題 1"/>
+          <p:cNvSpPr>
+            <a:spLocks noGrp="1"/>
+          </p:cNvSpPr>
+          <p:nvPr>
+            <p:ph type="title"/>
+          </p:nvPr>
+        </p:nvSpPr>
+        <p:spPr/>
+        <p:txBody>
+          <a:bodyPr/>
+          <a:lstStyle/>
+          <a:p>
+            <a:r>
+              <a:rPr lang="zh-TW" altLang="en-US" dirty="0" smtClean="0"/>
               <a:t>如何將陣列資料一筆一筆列出來</a:t>
             </a:r>
             <a:r>
@@ -3906,7 +4162,7 @@
 </p:sld>
 </file>
 
-<file path=ppt/slides/slide16.xml><?xml version="1.0" encoding="utf-8"?>
+<file path=ppt/slides/slide18.xml><?xml version="1.0" encoding="utf-8"?>
 <p:sld xmlns:a="http://schemas.openxmlformats.org/drawingml/2006/main" xmlns:r="http://schemas.openxmlformats.org/officeDocument/2006/relationships" xmlns:p="http://schemas.openxmlformats.org/presentationml/2006/main">
   <p:cSld>
     <p:spTree>
@@ -4114,7 +4370,9 @@
         </p:nvSpPr>
         <p:spPr/>
         <p:txBody>
-          <a:bodyPr/>
+          <a:bodyPr>
+            <a:normAutofit/>
+          </a:bodyPr>
           <a:lstStyle/>
           <a:p>
             <a:r>
@@ -4151,11 +4409,7 @@
           <a:p>
             <a:r>
               <a:rPr lang="zh-TW" altLang="en-US" dirty="0" smtClean="0"/>
-              <a:t>連接</a:t>
-            </a:r>
-            <a:r>
-              <a:rPr lang="zh-TW" altLang="en-US" dirty="0" smtClean="0"/>
-              <a:t>符號   </a:t>
+              <a:t>連接符號   </a:t>
             </a:r>
             <a:r>
               <a:rPr lang="en-US" altLang="zh-TW" dirty="0" smtClean="0"/>
@@ -4176,7 +4430,26 @@
           <a:p>
             <a:r>
               <a:rPr lang="zh-TW" altLang="en-US" dirty="0" smtClean="0"/>
-              <a:t>字串、整數、小數、布林</a:t>
+              <a:t>字串</a:t>
+            </a:r>
+            <a:r>
+              <a:rPr lang="zh-TW" altLang="en-US" dirty="0" smtClean="0"/>
+              <a:t>、整數、小數、</a:t>
+            </a:r>
+            <a:r>
+              <a:rPr lang="zh-TW" altLang="en-US" dirty="0" smtClean="0"/>
+              <a:t>布林</a:t>
+            </a:r>
+            <a:endParaRPr lang="en-US" altLang="zh-TW" dirty="0" smtClean="0"/>
+          </a:p>
+          <a:p>
+            <a:r>
+              <a:rPr lang="zh-TW" altLang="en-US" dirty="0"/>
+              <a:t>判別型別 </a:t>
+            </a:r>
+            <a:r>
+              <a:rPr lang="en-US" altLang="zh-TW" dirty="0" err="1" smtClean="0"/>
+              <a:t>var_dump</a:t>
             </a:r>
             <a:endParaRPr lang="en-US" altLang="zh-TW" dirty="0" smtClean="0"/>
           </a:p>
@@ -4824,11 +5097,19 @@
             <p:ph idx="1"/>
           </p:nvPr>
         </p:nvSpPr>
-        <p:spPr/>
-        <p:txBody>
-          <a:bodyPr/>
-          <a:lstStyle/>
-          <a:p>
+        <p:spPr>
+          <a:xfrm>
+            <a:off x="780288" y="1587881"/>
+            <a:ext cx="2758440" cy="4351338"/>
+          </a:xfrm>
+        </p:spPr>
+        <p:txBody>
+          <a:bodyPr/>
+          <a:lstStyle/>
+          <a:p>
+            <a:pPr marL="0" indent="0">
+              <a:buNone/>
+            </a:pPr>
             <a:r>
               <a:rPr lang="en-US" altLang="zh-TW" dirty="0" smtClean="0"/>
               <a:t>If(True){</a:t>
@@ -4844,6 +5125,9 @@
             </a:r>
           </a:p>
           <a:p>
+            <a:pPr marL="0" indent="0">
+              <a:buNone/>
+            </a:pPr>
             <a:r>
               <a:rPr lang="en-US" altLang="zh-TW" dirty="0" smtClean="0"/>
               <a:t>}else{</a:t>
@@ -4860,20 +5144,315 @@
             <a:endParaRPr lang="en-US" altLang="zh-TW" dirty="0" smtClean="0"/>
           </a:p>
           <a:p>
+            <a:pPr marL="0" indent="0">
+              <a:buNone/>
+            </a:pPr>
             <a:r>
               <a:rPr lang="en-US" altLang="zh-TW" dirty="0" smtClean="0"/>
               <a:t>}</a:t>
             </a:r>
           </a:p>
           <a:p>
+            <a:pPr marL="0" indent="0">
+              <a:buNone/>
+            </a:pPr>
             <a:r>
               <a:rPr lang="zh-TW" altLang="en-US" dirty="0"/>
               <a:t>執行</a:t>
             </a:r>
             <a:r>
               <a:rPr lang="en-US" altLang="zh-TW" dirty="0"/>
-              <a:t>=&gt;A</a:t>
-            </a:r>
+              <a:t>=&gt;</a:t>
+            </a:r>
+            <a:r>
+              <a:rPr lang="en-US" altLang="zh-TW" dirty="0" smtClean="0"/>
+              <a:t>A</a:t>
+            </a:r>
+          </a:p>
+          <a:p>
+            <a:endParaRPr lang="en-US" altLang="zh-TW" dirty="0"/>
+          </a:p>
+          <a:p>
+            <a:endParaRPr lang="zh-TW" altLang="en-US" dirty="0"/>
+          </a:p>
+        </p:txBody>
+      </p:sp>
+      <p:sp>
+        <p:nvSpPr>
+          <p:cNvPr id="4" name="內容版面配置區 2"/>
+          <p:cNvSpPr txBox="1">
+            <a:spLocks/>
+          </p:cNvSpPr>
+          <p:nvPr/>
+        </p:nvSpPr>
+        <p:spPr>
+          <a:xfrm>
+            <a:off x="4892040" y="1587881"/>
+            <a:ext cx="2758440" cy="4351338"/>
+          </a:xfrm>
+          <a:prstGeom prst="rect">
+            <a:avLst/>
+          </a:prstGeom>
+        </p:spPr>
+        <p:txBody>
+          <a:bodyPr vert="horz" lIns="91440" tIns="45720" rIns="91440" bIns="45720" rtlCol="0">
+            <a:normAutofit/>
+          </a:bodyPr>
+          <a:lstStyle>
+            <a:lvl1pPr marL="228600" indent="-228600" algn="l" defTabSz="914400" rtl="0" eaLnBrk="1" latinLnBrk="0" hangingPunct="1">
+              <a:lnSpc>
+                <a:spcPct val="90000"/>
+              </a:lnSpc>
+              <a:spcBef>
+                <a:spcPts val="1000"/>
+              </a:spcBef>
+              <a:buFont typeface="Arial" panose="020B0604020202020204" pitchFamily="34" charset="0"/>
+              <a:buChar char="•"/>
+              <a:defRPr sz="2800" kern="1200">
+                <a:solidFill>
+                  <a:schemeClr val="tx1"/>
+                </a:solidFill>
+                <a:latin typeface="+mn-lt"/>
+                <a:ea typeface="+mn-ea"/>
+                <a:cs typeface="+mn-cs"/>
+              </a:defRPr>
+            </a:lvl1pPr>
+            <a:lvl2pPr marL="685800" indent="-228600" algn="l" defTabSz="914400" rtl="0" eaLnBrk="1" latinLnBrk="0" hangingPunct="1">
+              <a:lnSpc>
+                <a:spcPct val="90000"/>
+              </a:lnSpc>
+              <a:spcBef>
+                <a:spcPts val="500"/>
+              </a:spcBef>
+              <a:buFont typeface="Arial" panose="020B0604020202020204" pitchFamily="34" charset="0"/>
+              <a:buChar char="•"/>
+              <a:defRPr sz="2400" kern="1200">
+                <a:solidFill>
+                  <a:schemeClr val="tx1"/>
+                </a:solidFill>
+                <a:latin typeface="+mn-lt"/>
+                <a:ea typeface="+mn-ea"/>
+                <a:cs typeface="+mn-cs"/>
+              </a:defRPr>
+            </a:lvl2pPr>
+            <a:lvl3pPr marL="1143000" indent="-228600" algn="l" defTabSz="914400" rtl="0" eaLnBrk="1" latinLnBrk="0" hangingPunct="1">
+              <a:lnSpc>
+                <a:spcPct val="90000"/>
+              </a:lnSpc>
+              <a:spcBef>
+                <a:spcPts val="500"/>
+              </a:spcBef>
+              <a:buFont typeface="Arial" panose="020B0604020202020204" pitchFamily="34" charset="0"/>
+              <a:buChar char="•"/>
+              <a:defRPr sz="2000" kern="1200">
+                <a:solidFill>
+                  <a:schemeClr val="tx1"/>
+                </a:solidFill>
+                <a:latin typeface="+mn-lt"/>
+                <a:ea typeface="+mn-ea"/>
+                <a:cs typeface="+mn-cs"/>
+              </a:defRPr>
+            </a:lvl3pPr>
+            <a:lvl4pPr marL="1600200" indent="-228600" algn="l" defTabSz="914400" rtl="0" eaLnBrk="1" latinLnBrk="0" hangingPunct="1">
+              <a:lnSpc>
+                <a:spcPct val="90000"/>
+              </a:lnSpc>
+              <a:spcBef>
+                <a:spcPts val="500"/>
+              </a:spcBef>
+              <a:buFont typeface="Arial" panose="020B0604020202020204" pitchFamily="34" charset="0"/>
+              <a:buChar char="•"/>
+              <a:defRPr sz="1800" kern="1200">
+                <a:solidFill>
+                  <a:schemeClr val="tx1"/>
+                </a:solidFill>
+                <a:latin typeface="+mn-lt"/>
+                <a:ea typeface="+mn-ea"/>
+                <a:cs typeface="+mn-cs"/>
+              </a:defRPr>
+            </a:lvl4pPr>
+            <a:lvl5pPr marL="2057400" indent="-228600" algn="l" defTabSz="914400" rtl="0" eaLnBrk="1" latinLnBrk="0" hangingPunct="1">
+              <a:lnSpc>
+                <a:spcPct val="90000"/>
+              </a:lnSpc>
+              <a:spcBef>
+                <a:spcPts val="500"/>
+              </a:spcBef>
+              <a:buFont typeface="Arial" panose="020B0604020202020204" pitchFamily="34" charset="0"/>
+              <a:buChar char="•"/>
+              <a:defRPr sz="1800" kern="1200">
+                <a:solidFill>
+                  <a:schemeClr val="tx1"/>
+                </a:solidFill>
+                <a:latin typeface="+mn-lt"/>
+                <a:ea typeface="+mn-ea"/>
+                <a:cs typeface="+mn-cs"/>
+              </a:defRPr>
+            </a:lvl5pPr>
+            <a:lvl6pPr marL="2514600" indent="-228600" algn="l" defTabSz="914400" rtl="0" eaLnBrk="1" latinLnBrk="0" hangingPunct="1">
+              <a:lnSpc>
+                <a:spcPct val="90000"/>
+              </a:lnSpc>
+              <a:spcBef>
+                <a:spcPts val="500"/>
+              </a:spcBef>
+              <a:buFont typeface="Arial" panose="020B0604020202020204" pitchFamily="34" charset="0"/>
+              <a:buChar char="•"/>
+              <a:defRPr sz="1800" kern="1200">
+                <a:solidFill>
+                  <a:schemeClr val="tx1"/>
+                </a:solidFill>
+                <a:latin typeface="+mn-lt"/>
+                <a:ea typeface="+mn-ea"/>
+                <a:cs typeface="+mn-cs"/>
+              </a:defRPr>
+            </a:lvl6pPr>
+            <a:lvl7pPr marL="2971800" indent="-228600" algn="l" defTabSz="914400" rtl="0" eaLnBrk="1" latinLnBrk="0" hangingPunct="1">
+              <a:lnSpc>
+                <a:spcPct val="90000"/>
+              </a:lnSpc>
+              <a:spcBef>
+                <a:spcPts val="500"/>
+              </a:spcBef>
+              <a:buFont typeface="Arial" panose="020B0604020202020204" pitchFamily="34" charset="0"/>
+              <a:buChar char="•"/>
+              <a:defRPr sz="1800" kern="1200">
+                <a:solidFill>
+                  <a:schemeClr val="tx1"/>
+                </a:solidFill>
+                <a:latin typeface="+mn-lt"/>
+                <a:ea typeface="+mn-ea"/>
+                <a:cs typeface="+mn-cs"/>
+              </a:defRPr>
+            </a:lvl7pPr>
+            <a:lvl8pPr marL="3429000" indent="-228600" algn="l" defTabSz="914400" rtl="0" eaLnBrk="1" latinLnBrk="0" hangingPunct="1">
+              <a:lnSpc>
+                <a:spcPct val="90000"/>
+              </a:lnSpc>
+              <a:spcBef>
+                <a:spcPts val="500"/>
+              </a:spcBef>
+              <a:buFont typeface="Arial" panose="020B0604020202020204" pitchFamily="34" charset="0"/>
+              <a:buChar char="•"/>
+              <a:defRPr sz="1800" kern="1200">
+                <a:solidFill>
+                  <a:schemeClr val="tx1"/>
+                </a:solidFill>
+                <a:latin typeface="+mn-lt"/>
+                <a:ea typeface="+mn-ea"/>
+                <a:cs typeface="+mn-cs"/>
+              </a:defRPr>
+            </a:lvl8pPr>
+            <a:lvl9pPr marL="3886200" indent="-228600" algn="l" defTabSz="914400" rtl="0" eaLnBrk="1" latinLnBrk="0" hangingPunct="1">
+              <a:lnSpc>
+                <a:spcPct val="90000"/>
+              </a:lnSpc>
+              <a:spcBef>
+                <a:spcPts val="500"/>
+              </a:spcBef>
+              <a:buFont typeface="Arial" panose="020B0604020202020204" pitchFamily="34" charset="0"/>
+              <a:buChar char="•"/>
+              <a:defRPr sz="1800" kern="1200">
+                <a:solidFill>
+                  <a:schemeClr val="tx1"/>
+                </a:solidFill>
+                <a:latin typeface="+mn-lt"/>
+                <a:ea typeface="+mn-ea"/>
+                <a:cs typeface="+mn-cs"/>
+              </a:defRPr>
+            </a:lvl9pPr>
+          </a:lstStyle>
+          <a:p>
+            <a:pPr marL="0" indent="0">
+              <a:buNone/>
+            </a:pPr>
+            <a:r>
+              <a:rPr lang="en-US" altLang="zh-TW" dirty="0" smtClean="0"/>
+              <a:t>If(False){</a:t>
+            </a:r>
+          </a:p>
+          <a:p>
+            <a:pPr marL="457200" lvl="1" indent="0">
+              <a:buFont typeface="Arial" panose="020B0604020202020204" pitchFamily="34" charset="0"/>
+              <a:buNone/>
+            </a:pPr>
+            <a:r>
+              <a:rPr lang="en-US" altLang="zh-TW" dirty="0" smtClean="0"/>
+              <a:t>A</a:t>
+            </a:r>
+          </a:p>
+          <a:p>
+            <a:pPr marL="0" indent="0">
+              <a:buNone/>
+            </a:pPr>
+            <a:r>
+              <a:rPr lang="en-US" altLang="zh-TW" dirty="0" smtClean="0"/>
+              <a:t>}</a:t>
+            </a:r>
+            <a:r>
+              <a:rPr lang="en-US" altLang="zh-TW" dirty="0" err="1" smtClean="0"/>
+              <a:t>elseif</a:t>
+            </a:r>
+            <a:r>
+              <a:rPr lang="en-US" altLang="zh-TW" dirty="0" smtClean="0"/>
+              <a:t>(True){</a:t>
+            </a:r>
+          </a:p>
+          <a:p>
+            <a:pPr marL="457200" lvl="1" indent="0">
+              <a:buFont typeface="Arial" panose="020B0604020202020204" pitchFamily="34" charset="0"/>
+              <a:buNone/>
+            </a:pPr>
+            <a:r>
+              <a:rPr lang="en-US" altLang="zh-TW" dirty="0" smtClean="0"/>
+              <a:t>B</a:t>
+            </a:r>
+          </a:p>
+          <a:p>
+            <a:pPr marL="0" indent="0">
+              <a:buNone/>
+            </a:pPr>
+            <a:r>
+              <a:rPr lang="en-US" altLang="zh-TW" dirty="0" smtClean="0"/>
+              <a:t>}else{</a:t>
+            </a:r>
+          </a:p>
+          <a:p>
+            <a:pPr marL="457200" lvl="1" indent="0">
+              <a:buNone/>
+            </a:pPr>
+            <a:r>
+              <a:rPr lang="en-US" altLang="zh-TW" dirty="0" smtClean="0"/>
+              <a:t>C</a:t>
+            </a:r>
+          </a:p>
+          <a:p>
+            <a:pPr marL="0" indent="0">
+              <a:buNone/>
+            </a:pPr>
+            <a:r>
+              <a:rPr lang="en-US" altLang="zh-TW" dirty="0"/>
+              <a:t>}</a:t>
+            </a:r>
+            <a:endParaRPr lang="en-US" altLang="zh-TW" dirty="0" smtClean="0"/>
+          </a:p>
+          <a:p>
+            <a:pPr marL="0" indent="0">
+              <a:buNone/>
+            </a:pPr>
+            <a:r>
+              <a:rPr lang="zh-TW" altLang="en-US" dirty="0" smtClean="0"/>
+              <a:t>執行</a:t>
+            </a:r>
+            <a:r>
+              <a:rPr lang="en-US" altLang="zh-TW" dirty="0" smtClean="0"/>
+              <a:t>=&gt;B</a:t>
+            </a:r>
+          </a:p>
+          <a:p>
+            <a:endParaRPr lang="en-US" altLang="zh-TW" dirty="0" smtClean="0"/>
+          </a:p>
+          <a:p>
             <a:endParaRPr lang="zh-TW" altLang="en-US" dirty="0"/>
           </a:p>
         </p:txBody>
@@ -4925,7 +5504,7 @@
           <a:p>
             <a:r>
               <a:rPr lang="zh-TW" altLang="en-US" dirty="0" smtClean="0"/>
-              <a:t>練習</a:t>
+              <a:t>隨機整數</a:t>
             </a:r>
             <a:endParaRPr lang="zh-TW" altLang="en-US" dirty="0"/>
           </a:p>
@@ -4948,77 +5527,24 @@
           <a:p>
             <a:r>
               <a:rPr lang="en-US" altLang="zh-TW" dirty="0" smtClean="0"/>
-              <a:t>1.</a:t>
-            </a:r>
-            <a:r>
-              <a:rPr lang="zh-TW" altLang="en-US" dirty="0"/>
-              <a:t>我要去</a:t>
-            </a:r>
-            <a:r>
-              <a:rPr lang="zh-TW" altLang="en-US" dirty="0" smtClean="0"/>
-              <a:t>買晚餐，如果我帶的錢大於</a:t>
-            </a:r>
-            <a:r>
-              <a:rPr lang="en-US" altLang="zh-TW" dirty="0" smtClean="0"/>
-              <a:t>100</a:t>
-            </a:r>
-            <a:r>
-              <a:rPr lang="zh-TW" altLang="en-US" dirty="0"/>
-              <a:t>我才要</a:t>
-            </a:r>
-            <a:r>
-              <a:rPr lang="zh-TW" altLang="en-US" dirty="0" smtClean="0"/>
-              <a:t>買，然後我只會買低於</a:t>
-            </a:r>
-            <a:r>
-              <a:rPr lang="en-US" altLang="zh-TW" dirty="0" smtClean="0"/>
-              <a:t>50</a:t>
-            </a:r>
-            <a:r>
-              <a:rPr lang="zh-TW" altLang="en-US" dirty="0" smtClean="0"/>
-              <a:t>塊錢的晚餐，而且店員要是妹子，而且他叫我帥哥我才要買</a:t>
-            </a:r>
-            <a:endParaRPr lang="en-US" altLang="zh-TW" dirty="0" smtClean="0"/>
-          </a:p>
-          <a:p>
-            <a:r>
-              <a:rPr lang="en-US" altLang="zh-TW" dirty="0" smtClean="0"/>
-              <a:t>2.</a:t>
-            </a:r>
-            <a:r>
-              <a:rPr lang="zh-TW" altLang="en-US" dirty="0" smtClean="0"/>
-              <a:t>判斷</a:t>
-            </a:r>
-            <a:r>
-              <a:rPr lang="zh-TW" altLang="en-US" dirty="0"/>
-              <a:t>是否為</a:t>
-            </a:r>
-            <a:r>
-              <a:rPr lang="en-US" altLang="zh-TW" dirty="0"/>
-              <a:t>3</a:t>
-            </a:r>
-            <a:r>
-              <a:rPr lang="zh-TW" altLang="en-US" dirty="0"/>
-              <a:t>的倍數？是否為</a:t>
-            </a:r>
-            <a:r>
-              <a:rPr lang="en-US" altLang="zh-TW" dirty="0"/>
-              <a:t>7</a:t>
-            </a:r>
-            <a:r>
-              <a:rPr lang="zh-TW" altLang="en-US" dirty="0"/>
-              <a:t>的倍數</a:t>
-            </a:r>
-            <a:r>
-              <a:rPr lang="zh-TW" altLang="en-US" dirty="0" smtClean="0"/>
-              <a:t>？</a:t>
-            </a:r>
-            <a:endParaRPr lang="en-US" altLang="zh-TW" dirty="0" smtClean="0"/>
-          </a:p>
-          <a:p>
-            <a:endParaRPr lang="zh-TW" altLang="en-US" dirty="0"/>
-          </a:p>
-          <a:p>
+              <a:t>rand(</a:t>
+            </a:r>
+            <a:r>
+              <a:rPr lang="zh-TW" altLang="en-US" dirty="0" smtClean="0"/>
+              <a:t>初始值</a:t>
+            </a:r>
+            <a:r>
+              <a:rPr lang="en-US" altLang="zh-TW" dirty="0" smtClean="0"/>
+              <a:t>,</a:t>
+            </a:r>
+            <a:r>
+              <a:rPr lang="zh-TW" altLang="en-US" dirty="0" smtClean="0"/>
+              <a:t>終止值</a:t>
+            </a:r>
+            <a:r>
+              <a:rPr lang="en-US" altLang="zh-TW" dirty="0" smtClean="0"/>
+              <a:t>)</a:t>
+            </a:r>
             <a:endParaRPr lang="zh-TW" altLang="en-US" dirty="0"/>
           </a:p>
         </p:txBody>
@@ -5026,7 +5552,7 @@
     </p:spTree>
     <p:extLst>
       <p:ext uri="{BB962C8B-B14F-4D97-AF65-F5344CB8AC3E}">
-        <p14:creationId xmlns:p14="http://schemas.microsoft.com/office/powerpoint/2010/main" val="189764562"/>
+        <p14:creationId xmlns:p14="http://schemas.microsoft.com/office/powerpoint/2010/main" val="1914598079"/>
       </p:ext>
     </p:extLst>
   </p:cSld>

--- a/php.pptx
+++ b/php.pptx
@@ -260,7 +260,7 @@
           <a:p>
             <a:fld id="{29CCE0B1-E067-4033-90E6-B2BB11F462E9}" type="datetimeFigureOut">
               <a:rPr lang="zh-TW" altLang="en-US" smtClean="0"/>
-              <a:t>2021/10/23</a:t>
+              <a:t>2021/10/26</a:t>
             </a:fld>
             <a:endParaRPr lang="zh-TW" altLang="en-US"/>
           </a:p>
@@ -430,7 +430,7 @@
           <a:p>
             <a:fld id="{29CCE0B1-E067-4033-90E6-B2BB11F462E9}" type="datetimeFigureOut">
               <a:rPr lang="zh-TW" altLang="en-US" smtClean="0"/>
-              <a:t>2021/10/23</a:t>
+              <a:t>2021/10/26</a:t>
             </a:fld>
             <a:endParaRPr lang="zh-TW" altLang="en-US"/>
           </a:p>
@@ -610,7 +610,7 @@
           <a:p>
             <a:fld id="{29CCE0B1-E067-4033-90E6-B2BB11F462E9}" type="datetimeFigureOut">
               <a:rPr lang="zh-TW" altLang="en-US" smtClean="0"/>
-              <a:t>2021/10/23</a:t>
+              <a:t>2021/10/26</a:t>
             </a:fld>
             <a:endParaRPr lang="zh-TW" altLang="en-US"/>
           </a:p>
@@ -780,7 +780,7 @@
           <a:p>
             <a:fld id="{29CCE0B1-E067-4033-90E6-B2BB11F462E9}" type="datetimeFigureOut">
               <a:rPr lang="zh-TW" altLang="en-US" smtClean="0"/>
-              <a:t>2021/10/23</a:t>
+              <a:t>2021/10/26</a:t>
             </a:fld>
             <a:endParaRPr lang="zh-TW" altLang="en-US"/>
           </a:p>
@@ -1026,7 +1026,7 @@
           <a:p>
             <a:fld id="{29CCE0B1-E067-4033-90E6-B2BB11F462E9}" type="datetimeFigureOut">
               <a:rPr lang="zh-TW" altLang="en-US" smtClean="0"/>
-              <a:t>2021/10/23</a:t>
+              <a:t>2021/10/26</a:t>
             </a:fld>
             <a:endParaRPr lang="zh-TW" altLang="en-US"/>
           </a:p>
@@ -1258,7 +1258,7 @@
           <a:p>
             <a:fld id="{29CCE0B1-E067-4033-90E6-B2BB11F462E9}" type="datetimeFigureOut">
               <a:rPr lang="zh-TW" altLang="en-US" smtClean="0"/>
-              <a:t>2021/10/23</a:t>
+              <a:t>2021/10/26</a:t>
             </a:fld>
             <a:endParaRPr lang="zh-TW" altLang="en-US"/>
           </a:p>
@@ -1625,7 +1625,7 @@
           <a:p>
             <a:fld id="{29CCE0B1-E067-4033-90E6-B2BB11F462E9}" type="datetimeFigureOut">
               <a:rPr lang="zh-TW" altLang="en-US" smtClean="0"/>
-              <a:t>2021/10/23</a:t>
+              <a:t>2021/10/26</a:t>
             </a:fld>
             <a:endParaRPr lang="zh-TW" altLang="en-US"/>
           </a:p>
@@ -1743,7 +1743,7 @@
           <a:p>
             <a:fld id="{29CCE0B1-E067-4033-90E6-B2BB11F462E9}" type="datetimeFigureOut">
               <a:rPr lang="zh-TW" altLang="en-US" smtClean="0"/>
-              <a:t>2021/10/23</a:t>
+              <a:t>2021/10/26</a:t>
             </a:fld>
             <a:endParaRPr lang="zh-TW" altLang="en-US"/>
           </a:p>
@@ -1838,7 +1838,7 @@
           <a:p>
             <a:fld id="{29CCE0B1-E067-4033-90E6-B2BB11F462E9}" type="datetimeFigureOut">
               <a:rPr lang="zh-TW" altLang="en-US" smtClean="0"/>
-              <a:t>2021/10/23</a:t>
+              <a:t>2021/10/26</a:t>
             </a:fld>
             <a:endParaRPr lang="zh-TW" altLang="en-US"/>
           </a:p>
@@ -2115,7 +2115,7 @@
           <a:p>
             <a:fld id="{29CCE0B1-E067-4033-90E6-B2BB11F462E9}" type="datetimeFigureOut">
               <a:rPr lang="zh-TW" altLang="en-US" smtClean="0"/>
-              <a:t>2021/10/23</a:t>
+              <a:t>2021/10/26</a:t>
             </a:fld>
             <a:endParaRPr lang="zh-TW" altLang="en-US"/>
           </a:p>
@@ -2368,7 +2368,7 @@
           <a:p>
             <a:fld id="{29CCE0B1-E067-4033-90E6-B2BB11F462E9}" type="datetimeFigureOut">
               <a:rPr lang="zh-TW" altLang="en-US" smtClean="0"/>
-              <a:t>2021/10/23</a:t>
+              <a:t>2021/10/26</a:t>
             </a:fld>
             <a:endParaRPr lang="zh-TW" altLang="en-US"/>
           </a:p>
@@ -2581,7 +2581,7 @@
           <a:p>
             <a:fld id="{29CCE0B1-E067-4033-90E6-B2BB11F462E9}" type="datetimeFigureOut">
               <a:rPr lang="zh-TW" altLang="en-US" smtClean="0"/>
-              <a:t>2021/10/23</a:t>
+              <a:t>2021/10/26</a:t>
             </a:fld>
             <a:endParaRPr lang="zh-TW" altLang="en-US"/>
           </a:p>
@@ -3694,11 +3694,7 @@
           <a:p>
             <a:r>
               <a:rPr lang="zh-TW" altLang="en-US" dirty="0" smtClean="0"/>
-              <a:t>迴</a:t>
-            </a:r>
-            <a:r>
-              <a:rPr lang="zh-TW" altLang="en-US" dirty="0" smtClean="0"/>
-              <a:t>圈進階應用</a:t>
+              <a:t>迴圈進階應用</a:t>
             </a:r>
             <a:endParaRPr lang="zh-TW" altLang="en-US" dirty="0"/>
           </a:p>
@@ -4292,15 +4288,64 @@
             <p:ph idx="1"/>
           </p:nvPr>
         </p:nvSpPr>
-        <p:spPr/>
-        <p:txBody>
-          <a:bodyPr/>
-          <a:lstStyle/>
+        <p:spPr>
+          <a:xfrm>
+            <a:off x="911352" y="1414145"/>
+            <a:ext cx="10515600" cy="597535"/>
+          </a:xfrm>
+        </p:spPr>
+        <p:txBody>
+          <a:bodyPr/>
+          <a:lstStyle/>
+          <a:p>
+            <a:r>
+              <a:rPr lang="en-US" altLang="zh-TW" dirty="0" err="1" smtClean="0"/>
+              <a:t>php</a:t>
+            </a:r>
+            <a:r>
+              <a:rPr lang="zh-TW" altLang="en-US" dirty="0" smtClean="0"/>
+              <a:t>神器 </a:t>
+            </a:r>
+            <a:r>
+              <a:rPr lang="en-US" altLang="zh-TW" dirty="0" smtClean="0"/>
+              <a:t>XAMPP!!!!!</a:t>
+            </a:r>
+          </a:p>
           <a:p>
             <a:endParaRPr lang="zh-TW" altLang="en-US" dirty="0"/>
           </a:p>
         </p:txBody>
       </p:sp>
+      <p:pic>
+        <p:nvPicPr>
+          <p:cNvPr id="4" name="圖片 3"/>
+          <p:cNvPicPr>
+            <a:picLocks noChangeAspect="1"/>
+          </p:cNvPicPr>
+          <p:nvPr/>
+        </p:nvPicPr>
+        <p:blipFill>
+          <a:blip r:embed="rId2">
+            <a:extLst>
+              <a:ext uri="{28A0092B-C50C-407E-A947-70E740481C1C}">
+                <a14:useLocalDpi xmlns:a14="http://schemas.microsoft.com/office/drawing/2010/main" val="0"/>
+              </a:ext>
+            </a:extLst>
+          </a:blip>
+          <a:stretch>
+            <a:fillRect/>
+          </a:stretch>
+        </p:blipFill>
+        <p:spPr>
+          <a:xfrm>
+            <a:off x="2127504" y="2011680"/>
+            <a:ext cx="7729728" cy="4259891"/>
+          </a:xfrm>
+          <a:prstGeom prst="rect">
+            <a:avLst/>
+          </a:prstGeom>
+        </p:spPr>
+      </p:pic>
     </p:spTree>
     <p:extLst>
       <p:ext uri="{BB962C8B-B14F-4D97-AF65-F5344CB8AC3E}">
@@ -4419,26 +4464,14 @@
           <a:p>
             <a:r>
               <a:rPr lang="zh-TW" altLang="en-US" dirty="0" smtClean="0"/>
-              <a:t>有型別</a:t>
-            </a:r>
-            <a:r>
-              <a:rPr lang="zh-TW" altLang="en-US" dirty="0" smtClean="0"/>
-              <a:t>區分</a:t>
+              <a:t>有型別區分</a:t>
             </a:r>
             <a:endParaRPr lang="en-US" altLang="zh-TW" dirty="0" smtClean="0"/>
           </a:p>
           <a:p>
             <a:r>
               <a:rPr lang="zh-TW" altLang="en-US" dirty="0" smtClean="0"/>
-              <a:t>字串</a:t>
-            </a:r>
-            <a:r>
-              <a:rPr lang="zh-TW" altLang="en-US" dirty="0" smtClean="0"/>
-              <a:t>、整數、小數、</a:t>
-            </a:r>
-            <a:r>
-              <a:rPr lang="zh-TW" altLang="en-US" dirty="0" smtClean="0"/>
-              <a:t>布林</a:t>
+              <a:t>字串、整數、小數、布林</a:t>
             </a:r>
             <a:endParaRPr lang="en-US" altLang="zh-TW" dirty="0" smtClean="0"/>
           </a:p>

--- a/php.pptx
+++ b/php.pptx
@@ -6,23 +6,25 @@
   </p:sldMasterIdLst>
   <p:sldIdLst>
     <p:sldId id="256" r:id="rId2"/>
-    <p:sldId id="257" r:id="rId3"/>
-    <p:sldId id="260" r:id="rId4"/>
-    <p:sldId id="258" r:id="rId5"/>
-    <p:sldId id="259" r:id="rId6"/>
-    <p:sldId id="261" r:id="rId7"/>
-    <p:sldId id="262" r:id="rId8"/>
-    <p:sldId id="263" r:id="rId9"/>
-    <p:sldId id="272" r:id="rId10"/>
-    <p:sldId id="264" r:id="rId11"/>
-    <p:sldId id="271" r:id="rId12"/>
-    <p:sldId id="270" r:id="rId13"/>
-    <p:sldId id="265" r:id="rId14"/>
-    <p:sldId id="266" r:id="rId15"/>
-    <p:sldId id="273" r:id="rId16"/>
-    <p:sldId id="267" r:id="rId17"/>
-    <p:sldId id="268" r:id="rId18"/>
-    <p:sldId id="269" r:id="rId19"/>
+    <p:sldId id="274" r:id="rId3"/>
+    <p:sldId id="275" r:id="rId4"/>
+    <p:sldId id="276" r:id="rId5"/>
+    <p:sldId id="257" r:id="rId6"/>
+    <p:sldId id="260" r:id="rId7"/>
+    <p:sldId id="259" r:id="rId8"/>
+    <p:sldId id="261" r:id="rId9"/>
+    <p:sldId id="262" r:id="rId10"/>
+    <p:sldId id="263" r:id="rId11"/>
+    <p:sldId id="272" r:id="rId12"/>
+    <p:sldId id="264" r:id="rId13"/>
+    <p:sldId id="271" r:id="rId14"/>
+    <p:sldId id="270" r:id="rId15"/>
+    <p:sldId id="265" r:id="rId16"/>
+    <p:sldId id="266" r:id="rId17"/>
+    <p:sldId id="273" r:id="rId18"/>
+    <p:sldId id="267" r:id="rId19"/>
+    <p:sldId id="268" r:id="rId20"/>
+    <p:sldId id="269" r:id="rId21"/>
   </p:sldIdLst>
   <p:sldSz cx="12192000" cy="6858000"/>
   <p:notesSz cx="6858000" cy="9144000"/>
@@ -260,7 +262,7 @@
           <a:p>
             <a:fld id="{29CCE0B1-E067-4033-90E6-B2BB11F462E9}" type="datetimeFigureOut">
               <a:rPr lang="zh-TW" altLang="en-US" smtClean="0"/>
-              <a:t>2021/10/26</a:t>
+              <a:t>2021/10/27</a:t>
             </a:fld>
             <a:endParaRPr lang="zh-TW" altLang="en-US"/>
           </a:p>
@@ -430,7 +432,7 @@
           <a:p>
             <a:fld id="{29CCE0B1-E067-4033-90E6-B2BB11F462E9}" type="datetimeFigureOut">
               <a:rPr lang="zh-TW" altLang="en-US" smtClean="0"/>
-              <a:t>2021/10/26</a:t>
+              <a:t>2021/10/27</a:t>
             </a:fld>
             <a:endParaRPr lang="zh-TW" altLang="en-US"/>
           </a:p>
@@ -610,7 +612,7 @@
           <a:p>
             <a:fld id="{29CCE0B1-E067-4033-90E6-B2BB11F462E9}" type="datetimeFigureOut">
               <a:rPr lang="zh-TW" altLang="en-US" smtClean="0"/>
-              <a:t>2021/10/26</a:t>
+              <a:t>2021/10/27</a:t>
             </a:fld>
             <a:endParaRPr lang="zh-TW" altLang="en-US"/>
           </a:p>
@@ -780,7 +782,7 @@
           <a:p>
             <a:fld id="{29CCE0B1-E067-4033-90E6-B2BB11F462E9}" type="datetimeFigureOut">
               <a:rPr lang="zh-TW" altLang="en-US" smtClean="0"/>
-              <a:t>2021/10/26</a:t>
+              <a:t>2021/10/27</a:t>
             </a:fld>
             <a:endParaRPr lang="zh-TW" altLang="en-US"/>
           </a:p>
@@ -1026,7 +1028,7 @@
           <a:p>
             <a:fld id="{29CCE0B1-E067-4033-90E6-B2BB11F462E9}" type="datetimeFigureOut">
               <a:rPr lang="zh-TW" altLang="en-US" smtClean="0"/>
-              <a:t>2021/10/26</a:t>
+              <a:t>2021/10/27</a:t>
             </a:fld>
             <a:endParaRPr lang="zh-TW" altLang="en-US"/>
           </a:p>
@@ -1258,7 +1260,7 @@
           <a:p>
             <a:fld id="{29CCE0B1-E067-4033-90E6-B2BB11F462E9}" type="datetimeFigureOut">
               <a:rPr lang="zh-TW" altLang="en-US" smtClean="0"/>
-              <a:t>2021/10/26</a:t>
+              <a:t>2021/10/27</a:t>
             </a:fld>
             <a:endParaRPr lang="zh-TW" altLang="en-US"/>
           </a:p>
@@ -1625,7 +1627,7 @@
           <a:p>
             <a:fld id="{29CCE0B1-E067-4033-90E6-B2BB11F462E9}" type="datetimeFigureOut">
               <a:rPr lang="zh-TW" altLang="en-US" smtClean="0"/>
-              <a:t>2021/10/26</a:t>
+              <a:t>2021/10/27</a:t>
             </a:fld>
             <a:endParaRPr lang="zh-TW" altLang="en-US"/>
           </a:p>
@@ -1743,7 +1745,7 @@
           <a:p>
             <a:fld id="{29CCE0B1-E067-4033-90E6-B2BB11F462E9}" type="datetimeFigureOut">
               <a:rPr lang="zh-TW" altLang="en-US" smtClean="0"/>
-              <a:t>2021/10/26</a:t>
+              <a:t>2021/10/27</a:t>
             </a:fld>
             <a:endParaRPr lang="zh-TW" altLang="en-US"/>
           </a:p>
@@ -1838,7 +1840,7 @@
           <a:p>
             <a:fld id="{29CCE0B1-E067-4033-90E6-B2BB11F462E9}" type="datetimeFigureOut">
               <a:rPr lang="zh-TW" altLang="en-US" smtClean="0"/>
-              <a:t>2021/10/26</a:t>
+              <a:t>2021/10/27</a:t>
             </a:fld>
             <a:endParaRPr lang="zh-TW" altLang="en-US"/>
           </a:p>
@@ -2115,7 +2117,7 @@
           <a:p>
             <a:fld id="{29CCE0B1-E067-4033-90E6-B2BB11F462E9}" type="datetimeFigureOut">
               <a:rPr lang="zh-TW" altLang="en-US" smtClean="0"/>
-              <a:t>2021/10/26</a:t>
+              <a:t>2021/10/27</a:t>
             </a:fld>
             <a:endParaRPr lang="zh-TW" altLang="en-US"/>
           </a:p>
@@ -2368,7 +2370,7 @@
           <a:p>
             <a:fld id="{29CCE0B1-E067-4033-90E6-B2BB11F462E9}" type="datetimeFigureOut">
               <a:rPr lang="zh-TW" altLang="en-US" smtClean="0"/>
-              <a:t>2021/10/26</a:t>
+              <a:t>2021/10/27</a:t>
             </a:fld>
             <a:endParaRPr lang="zh-TW" altLang="en-US"/>
           </a:p>
@@ -2581,7 +2583,7 @@
           <a:p>
             <a:fld id="{29CCE0B1-E067-4033-90E6-B2BB11F462E9}" type="datetimeFigureOut">
               <a:rPr lang="zh-TW" altLang="en-US" smtClean="0"/>
-              <a:t>2021/10/26</a:t>
+              <a:t>2021/10/27</a:t>
             </a:fld>
             <a:endParaRPr lang="zh-TW" altLang="en-US"/>
           </a:p>
@@ -3090,2025 +3092,6 @@
           <a:lstStyle/>
           <a:p>
             <a:r>
-              <a:rPr lang="zh-TW" altLang="en-US" dirty="0" smtClean="0"/>
-              <a:t>練習</a:t>
-            </a:r>
-            <a:endParaRPr lang="zh-TW" altLang="en-US" dirty="0"/>
-          </a:p>
-        </p:txBody>
-      </p:sp>
-      <p:sp>
-        <p:nvSpPr>
-          <p:cNvPr id="3" name="內容版面配置區 2"/>
-          <p:cNvSpPr>
-            <a:spLocks noGrp="1"/>
-          </p:cNvSpPr>
-          <p:nvPr>
-            <p:ph idx="1"/>
-          </p:nvPr>
-        </p:nvSpPr>
-        <p:spPr/>
-        <p:txBody>
-          <a:bodyPr/>
-          <a:lstStyle/>
-          <a:p>
-            <a:r>
-              <a:rPr lang="en-US" altLang="zh-TW" dirty="0" smtClean="0"/>
-              <a:t>1.</a:t>
-            </a:r>
-            <a:r>
-              <a:rPr lang="zh-TW" altLang="en-US" dirty="0"/>
-              <a:t>我要去</a:t>
-            </a:r>
-            <a:r>
-              <a:rPr lang="zh-TW" altLang="en-US" dirty="0" smtClean="0"/>
-              <a:t>買晚餐，如果我帶的錢大於</a:t>
-            </a:r>
-            <a:r>
-              <a:rPr lang="en-US" altLang="zh-TW" dirty="0" smtClean="0"/>
-              <a:t>100</a:t>
-            </a:r>
-            <a:r>
-              <a:rPr lang="zh-TW" altLang="en-US" dirty="0"/>
-              <a:t>我才要</a:t>
-            </a:r>
-            <a:r>
-              <a:rPr lang="zh-TW" altLang="en-US" dirty="0" smtClean="0"/>
-              <a:t>買，然後我只會買低於</a:t>
-            </a:r>
-            <a:r>
-              <a:rPr lang="en-US" altLang="zh-TW" dirty="0" smtClean="0"/>
-              <a:t>50</a:t>
-            </a:r>
-            <a:r>
-              <a:rPr lang="zh-TW" altLang="en-US" dirty="0" smtClean="0"/>
-              <a:t>塊錢的晚餐，而且店員要是妹子，而且他叫我帥哥我才要買</a:t>
-            </a:r>
-            <a:endParaRPr lang="en-US" altLang="zh-TW" dirty="0" smtClean="0"/>
-          </a:p>
-          <a:p>
-            <a:r>
-              <a:rPr lang="en-US" altLang="zh-TW" dirty="0" smtClean="0"/>
-              <a:t>2.</a:t>
-            </a:r>
-            <a:r>
-              <a:rPr lang="zh-TW" altLang="en-US" dirty="0" smtClean="0"/>
-              <a:t>判斷</a:t>
-            </a:r>
-            <a:r>
-              <a:rPr lang="zh-TW" altLang="en-US" dirty="0"/>
-              <a:t>是否為</a:t>
-            </a:r>
-            <a:r>
-              <a:rPr lang="en-US" altLang="zh-TW" dirty="0"/>
-              <a:t>3</a:t>
-            </a:r>
-            <a:r>
-              <a:rPr lang="zh-TW" altLang="en-US" dirty="0"/>
-              <a:t>的倍數？是否為</a:t>
-            </a:r>
-            <a:r>
-              <a:rPr lang="en-US" altLang="zh-TW" dirty="0"/>
-              <a:t>7</a:t>
-            </a:r>
-            <a:r>
-              <a:rPr lang="zh-TW" altLang="en-US" dirty="0"/>
-              <a:t>的倍數</a:t>
-            </a:r>
-            <a:r>
-              <a:rPr lang="zh-TW" altLang="en-US" dirty="0" smtClean="0"/>
-              <a:t>？</a:t>
-            </a:r>
-            <a:endParaRPr lang="en-US" altLang="zh-TW" dirty="0" smtClean="0"/>
-          </a:p>
-          <a:p>
-            <a:endParaRPr lang="zh-TW" altLang="en-US" dirty="0"/>
-          </a:p>
-          <a:p>
-            <a:endParaRPr lang="zh-TW" altLang="en-US" dirty="0"/>
-          </a:p>
-        </p:txBody>
-      </p:sp>
-    </p:spTree>
-    <p:extLst>
-      <p:ext uri="{BB962C8B-B14F-4D97-AF65-F5344CB8AC3E}">
-        <p14:creationId xmlns:p14="http://schemas.microsoft.com/office/powerpoint/2010/main" val="189764562"/>
-      </p:ext>
-    </p:extLst>
-  </p:cSld>
-  <p:clrMapOvr>
-    <a:masterClrMapping/>
-  </p:clrMapOvr>
-</p:sld>
-</file>
-
-<file path=ppt/slides/slide11.xml><?xml version="1.0" encoding="utf-8"?>
-<p:sld xmlns:a="http://schemas.openxmlformats.org/drawingml/2006/main" xmlns:r="http://schemas.openxmlformats.org/officeDocument/2006/relationships" xmlns:p="http://schemas.openxmlformats.org/presentationml/2006/main">
-  <p:cSld>
-    <p:spTree>
-      <p:nvGrpSpPr>
-        <p:cNvPr id="1" name=""/>
-        <p:cNvGrpSpPr/>
-        <p:nvPr/>
-      </p:nvGrpSpPr>
-      <p:grpSpPr>
-        <a:xfrm>
-          <a:off x="0" y="0"/>
-          <a:ext cx="0" cy="0"/>
-          <a:chOff x="0" y="0"/>
-          <a:chExt cx="0" cy="0"/>
-        </a:xfrm>
-      </p:grpSpPr>
-      <p:sp>
-        <p:nvSpPr>
-          <p:cNvPr id="2" name="標題 1"/>
-          <p:cNvSpPr>
-            <a:spLocks noGrp="1"/>
-          </p:cNvSpPr>
-          <p:nvPr>
-            <p:ph type="title"/>
-          </p:nvPr>
-        </p:nvSpPr>
-        <p:spPr/>
-        <p:txBody>
-          <a:bodyPr/>
-          <a:lstStyle/>
-          <a:p>
-            <a:r>
-              <a:rPr lang="zh-TW" altLang="en-US" dirty="0" smtClean="0"/>
-              <a:t>不要用使用波動拳</a:t>
-            </a:r>
-            <a:r>
-              <a:rPr lang="en-US" altLang="zh-TW" dirty="0" smtClean="0"/>
-              <a:t>!!!</a:t>
-            </a:r>
-            <a:endParaRPr lang="zh-TW" altLang="en-US" dirty="0"/>
-          </a:p>
-        </p:txBody>
-      </p:sp>
-      <p:pic>
-        <p:nvPicPr>
-          <p:cNvPr id="4" name="圖片 3"/>
-          <p:cNvPicPr>
-            <a:picLocks noChangeAspect="1"/>
-          </p:cNvPicPr>
-          <p:nvPr/>
-        </p:nvPicPr>
-        <p:blipFill>
-          <a:blip r:embed="rId2">
-            <a:extLst>
-              <a:ext uri="{28A0092B-C50C-407E-A947-70E740481C1C}">
-                <a14:useLocalDpi xmlns:a14="http://schemas.microsoft.com/office/drawing/2010/main" val="0"/>
-              </a:ext>
-            </a:extLst>
-          </a:blip>
-          <a:stretch>
-            <a:fillRect/>
-          </a:stretch>
-        </p:blipFill>
-        <p:spPr>
-          <a:xfrm>
-            <a:off x="3098292" y="1991605"/>
-            <a:ext cx="5995416" cy="4255080"/>
-          </a:xfrm>
-          <a:prstGeom prst="rect">
-            <a:avLst/>
-          </a:prstGeom>
-        </p:spPr>
-      </p:pic>
-    </p:spTree>
-    <p:extLst>
-      <p:ext uri="{BB962C8B-B14F-4D97-AF65-F5344CB8AC3E}">
-        <p14:creationId xmlns:p14="http://schemas.microsoft.com/office/powerpoint/2010/main" val="3446577498"/>
-      </p:ext>
-    </p:extLst>
-  </p:cSld>
-  <p:clrMapOvr>
-    <a:masterClrMapping/>
-  </p:clrMapOvr>
-</p:sld>
-</file>
-
-<file path=ppt/slides/slide12.xml><?xml version="1.0" encoding="utf-8"?>
-<p:sld xmlns:a="http://schemas.openxmlformats.org/drawingml/2006/main" xmlns:r="http://schemas.openxmlformats.org/officeDocument/2006/relationships" xmlns:p="http://schemas.openxmlformats.org/presentationml/2006/main">
-  <p:cSld>
-    <p:spTree>
-      <p:nvGrpSpPr>
-        <p:cNvPr id="1" name=""/>
-        <p:cNvGrpSpPr/>
-        <p:nvPr/>
-      </p:nvGrpSpPr>
-      <p:grpSpPr>
-        <a:xfrm>
-          <a:off x="0" y="0"/>
-          <a:ext cx="0" cy="0"/>
-          <a:chOff x="0" y="0"/>
-          <a:chExt cx="0" cy="0"/>
-        </a:xfrm>
-      </p:grpSpPr>
-      <p:sp>
-        <p:nvSpPr>
-          <p:cNvPr id="2" name="標題 1"/>
-          <p:cNvSpPr>
-            <a:spLocks noGrp="1"/>
-          </p:cNvSpPr>
-          <p:nvPr>
-            <p:ph type="title"/>
-          </p:nvPr>
-        </p:nvSpPr>
-        <p:spPr/>
-        <p:txBody>
-          <a:bodyPr/>
-          <a:lstStyle/>
-          <a:p>
-            <a:r>
-              <a:rPr lang="zh-TW" altLang="en-US" dirty="0" smtClean="0"/>
-              <a:t>邏輯運算子</a:t>
-            </a:r>
-            <a:endParaRPr lang="zh-TW" altLang="en-US" dirty="0"/>
-          </a:p>
-        </p:txBody>
-      </p:sp>
-      <p:sp>
-        <p:nvSpPr>
-          <p:cNvPr id="3" name="內容版面配置區 2"/>
-          <p:cNvSpPr>
-            <a:spLocks noGrp="1"/>
-          </p:cNvSpPr>
-          <p:nvPr>
-            <p:ph idx="1"/>
-          </p:nvPr>
-        </p:nvSpPr>
-        <p:spPr/>
-        <p:txBody>
-          <a:bodyPr/>
-          <a:lstStyle/>
-          <a:p>
-            <a:r>
-              <a:rPr lang="zh-TW" altLang="en-US" dirty="0" smtClean="0"/>
-              <a:t>而且 </a:t>
-            </a:r>
-            <a:r>
-              <a:rPr lang="en-US" altLang="zh-TW" dirty="0"/>
-              <a:t>(</a:t>
-            </a:r>
-            <a:r>
-              <a:rPr lang="en-US" altLang="zh-TW" dirty="0" smtClean="0"/>
-              <a:t>&amp;&amp;</a:t>
-            </a:r>
-            <a:r>
-              <a:rPr lang="zh-TW" altLang="en-US" dirty="0" smtClean="0"/>
-              <a:t>、</a:t>
-            </a:r>
-            <a:r>
-              <a:rPr lang="en-US" altLang="zh-TW" dirty="0" smtClean="0"/>
-              <a:t>and)</a:t>
-            </a:r>
-          </a:p>
-          <a:p>
-            <a:r>
-              <a:rPr lang="zh-TW" altLang="en-US" dirty="0" smtClean="0"/>
-              <a:t>或</a:t>
-            </a:r>
-            <a:r>
-              <a:rPr lang="en-US" altLang="zh-TW" dirty="0" smtClean="0"/>
-              <a:t>(</a:t>
-            </a:r>
-            <a:r>
-              <a:rPr lang="zh-TW" altLang="en-US" dirty="0" smtClean="0"/>
-              <a:t> </a:t>
-            </a:r>
-            <a:r>
-              <a:rPr lang="en-US" altLang="zh-TW" dirty="0" smtClean="0"/>
-              <a:t>||</a:t>
-            </a:r>
-            <a:r>
-              <a:rPr lang="zh-TW" altLang="en-US" dirty="0" smtClean="0"/>
-              <a:t> 、</a:t>
-            </a:r>
-            <a:r>
-              <a:rPr lang="en-US" altLang="zh-TW" dirty="0" smtClean="0"/>
-              <a:t>or)</a:t>
-            </a:r>
-          </a:p>
-          <a:p>
-            <a:r>
-              <a:rPr lang="zh-TW" altLang="en-US" dirty="0" smtClean="0"/>
-              <a:t>空集合</a:t>
-            </a:r>
-            <a:r>
-              <a:rPr lang="en-US" altLang="zh-TW" dirty="0" smtClean="0"/>
-              <a:t>(null)</a:t>
-            </a:r>
-            <a:endParaRPr lang="zh-TW" altLang="en-US" dirty="0"/>
-          </a:p>
-        </p:txBody>
-      </p:sp>
-    </p:spTree>
-    <p:extLst>
-      <p:ext uri="{BB962C8B-B14F-4D97-AF65-F5344CB8AC3E}">
-        <p14:creationId xmlns:p14="http://schemas.microsoft.com/office/powerpoint/2010/main" val="2509132976"/>
-      </p:ext>
-    </p:extLst>
-  </p:cSld>
-  <p:clrMapOvr>
-    <a:masterClrMapping/>
-  </p:clrMapOvr>
-</p:sld>
-</file>
-
-<file path=ppt/slides/slide13.xml><?xml version="1.0" encoding="utf-8"?>
-<p:sld xmlns:a="http://schemas.openxmlformats.org/drawingml/2006/main" xmlns:r="http://schemas.openxmlformats.org/officeDocument/2006/relationships" xmlns:p="http://schemas.openxmlformats.org/presentationml/2006/main">
-  <p:cSld>
-    <p:spTree>
-      <p:nvGrpSpPr>
-        <p:cNvPr id="1" name=""/>
-        <p:cNvGrpSpPr/>
-        <p:nvPr/>
-      </p:nvGrpSpPr>
-      <p:grpSpPr>
-        <a:xfrm>
-          <a:off x="0" y="0"/>
-          <a:ext cx="0" cy="0"/>
-          <a:chOff x="0" y="0"/>
-          <a:chExt cx="0" cy="0"/>
-        </a:xfrm>
-      </p:grpSpPr>
-      <p:sp>
-        <p:nvSpPr>
-          <p:cNvPr id="2" name="標題 1"/>
-          <p:cNvSpPr>
-            <a:spLocks noGrp="1"/>
-          </p:cNvSpPr>
-          <p:nvPr>
-            <p:ph type="title"/>
-          </p:nvPr>
-        </p:nvSpPr>
-        <p:spPr/>
-        <p:txBody>
-          <a:bodyPr/>
-          <a:lstStyle/>
-          <a:p>
-            <a:r>
-              <a:rPr lang="zh-TW" altLang="en-US" dirty="0" smtClean="0"/>
-              <a:t>迴圈</a:t>
-            </a:r>
-            <a:endParaRPr lang="zh-TW" altLang="en-US" dirty="0"/>
-          </a:p>
-        </p:txBody>
-      </p:sp>
-      <p:sp>
-        <p:nvSpPr>
-          <p:cNvPr id="3" name="內容版面配置區 2"/>
-          <p:cNvSpPr>
-            <a:spLocks noGrp="1"/>
-          </p:cNvSpPr>
-          <p:nvPr>
-            <p:ph idx="1"/>
-          </p:nvPr>
-        </p:nvSpPr>
-        <p:spPr/>
-        <p:txBody>
-          <a:bodyPr/>
-          <a:lstStyle/>
-          <a:p>
-            <a:r>
-              <a:rPr lang="zh-TW" altLang="en-US" dirty="0" smtClean="0"/>
-              <a:t>需要重複執行的程式，但我們不可能寫一句程式碼十行，所以寫一行請程式幫我們寫</a:t>
-            </a:r>
-            <a:r>
-              <a:rPr lang="en-US" altLang="zh-TW" dirty="0" smtClean="0"/>
-              <a:t>10</a:t>
-            </a:r>
-            <a:r>
-              <a:rPr lang="zh-TW" altLang="en-US" dirty="0" smtClean="0"/>
-              <a:t>行</a:t>
-            </a:r>
-            <a:endParaRPr lang="en-US" altLang="zh-TW" dirty="0" smtClean="0"/>
-          </a:p>
-          <a:p>
-            <a:r>
-              <a:rPr lang="zh-TW" altLang="en-US" dirty="0"/>
-              <a:t>迴圈三</a:t>
-            </a:r>
-            <a:r>
-              <a:rPr lang="zh-TW" altLang="en-US" dirty="0" smtClean="0"/>
-              <a:t>要素</a:t>
-            </a:r>
-            <a:endParaRPr lang="en-US" altLang="zh-TW" dirty="0" smtClean="0"/>
-          </a:p>
-          <a:p>
-            <a:pPr marL="0" indent="0">
-              <a:buNone/>
-            </a:pPr>
-            <a:r>
-              <a:rPr lang="en-US" altLang="zh-TW" dirty="0" smtClean="0"/>
-              <a:t>	1.</a:t>
-            </a:r>
-            <a:r>
-              <a:rPr lang="zh-TW" altLang="en-US" dirty="0" smtClean="0"/>
-              <a:t>初始條件</a:t>
-            </a:r>
-            <a:endParaRPr lang="en-US" altLang="zh-TW" dirty="0" smtClean="0"/>
-          </a:p>
-          <a:p>
-            <a:pPr marL="0" indent="0">
-              <a:buNone/>
-            </a:pPr>
-            <a:r>
-              <a:rPr lang="en-US" altLang="zh-TW" dirty="0"/>
-              <a:t>	</a:t>
-            </a:r>
-            <a:r>
-              <a:rPr lang="en-US" altLang="zh-TW" dirty="0" smtClean="0"/>
-              <a:t>2.</a:t>
-            </a:r>
-            <a:r>
-              <a:rPr lang="zh-TW" altLang="en-US" dirty="0" smtClean="0"/>
-              <a:t>判斷</a:t>
-            </a:r>
-            <a:r>
-              <a:rPr lang="en-US" altLang="zh-TW" dirty="0" smtClean="0"/>
-              <a:t>(</a:t>
-            </a:r>
-            <a:r>
-              <a:rPr lang="zh-TW" altLang="en-US" dirty="0" smtClean="0"/>
-              <a:t>停止</a:t>
-            </a:r>
-            <a:r>
-              <a:rPr lang="en-US" altLang="zh-TW" dirty="0" smtClean="0"/>
-              <a:t>)</a:t>
-            </a:r>
-            <a:r>
-              <a:rPr lang="zh-TW" altLang="en-US" dirty="0" smtClean="0"/>
-              <a:t>條件</a:t>
-            </a:r>
-            <a:endParaRPr lang="en-US" altLang="zh-TW" dirty="0" smtClean="0"/>
-          </a:p>
-          <a:p>
-            <a:pPr marL="0" indent="0">
-              <a:buNone/>
-            </a:pPr>
-            <a:r>
-              <a:rPr lang="en-US" altLang="zh-TW" dirty="0"/>
-              <a:t>	</a:t>
-            </a:r>
-            <a:r>
-              <a:rPr lang="en-US" altLang="zh-TW" dirty="0" smtClean="0"/>
-              <a:t>3.</a:t>
-            </a:r>
-            <a:r>
-              <a:rPr lang="zh-TW" altLang="en-US" dirty="0" smtClean="0"/>
-              <a:t>步進</a:t>
-            </a:r>
-            <a:endParaRPr lang="en-US" altLang="zh-TW" dirty="0" smtClean="0"/>
-          </a:p>
-        </p:txBody>
-      </p:sp>
-    </p:spTree>
-    <p:extLst>
-      <p:ext uri="{BB962C8B-B14F-4D97-AF65-F5344CB8AC3E}">
-        <p14:creationId xmlns:p14="http://schemas.microsoft.com/office/powerpoint/2010/main" val="1613854384"/>
-      </p:ext>
-    </p:extLst>
-  </p:cSld>
-  <p:clrMapOvr>
-    <a:masterClrMapping/>
-  </p:clrMapOvr>
-</p:sld>
-</file>
-
-<file path=ppt/slides/slide14.xml><?xml version="1.0" encoding="utf-8"?>
-<p:sld xmlns:a="http://schemas.openxmlformats.org/drawingml/2006/main" xmlns:r="http://schemas.openxmlformats.org/officeDocument/2006/relationships" xmlns:p="http://schemas.openxmlformats.org/presentationml/2006/main">
-  <p:cSld>
-    <p:spTree>
-      <p:nvGrpSpPr>
-        <p:cNvPr id="1" name=""/>
-        <p:cNvGrpSpPr/>
-        <p:nvPr/>
-      </p:nvGrpSpPr>
-      <p:grpSpPr>
-        <a:xfrm>
-          <a:off x="0" y="0"/>
-          <a:ext cx="0" cy="0"/>
-          <a:chOff x="0" y="0"/>
-          <a:chExt cx="0" cy="0"/>
-        </a:xfrm>
-      </p:grpSpPr>
-      <p:sp>
-        <p:nvSpPr>
-          <p:cNvPr id="2" name="標題 1"/>
-          <p:cNvSpPr>
-            <a:spLocks noGrp="1"/>
-          </p:cNvSpPr>
-          <p:nvPr>
-            <p:ph type="title"/>
-          </p:nvPr>
-        </p:nvSpPr>
-        <p:spPr/>
-        <p:txBody>
-          <a:bodyPr/>
-          <a:lstStyle/>
-          <a:p>
-            <a:r>
-              <a:rPr lang="zh-TW" altLang="en-US" dirty="0" smtClean="0"/>
-              <a:t>迴圈</a:t>
-            </a:r>
-            <a:endParaRPr lang="zh-TW" altLang="en-US" dirty="0"/>
-          </a:p>
-        </p:txBody>
-      </p:sp>
-      <p:pic>
-        <p:nvPicPr>
-          <p:cNvPr id="4" name="內容版面配置區 3"/>
-          <p:cNvPicPr>
-            <a:picLocks noGrp="1" noChangeAspect="1"/>
-          </p:cNvPicPr>
-          <p:nvPr>
-            <p:ph idx="1"/>
-          </p:nvPr>
-        </p:nvPicPr>
-        <p:blipFill>
-          <a:blip r:embed="rId2">
-            <a:extLst>
-              <a:ext uri="{28A0092B-C50C-407E-A947-70E740481C1C}">
-                <a14:useLocalDpi xmlns:a14="http://schemas.microsoft.com/office/drawing/2010/main" val="0"/>
-              </a:ext>
-            </a:extLst>
-          </a:blip>
-          <a:stretch>
-            <a:fillRect/>
-          </a:stretch>
-        </p:blipFill>
-        <p:spPr>
-          <a:xfrm>
-            <a:off x="2703062" y="1337074"/>
-            <a:ext cx="7446778" cy="5095163"/>
-          </a:xfrm>
-        </p:spPr>
-      </p:pic>
-    </p:spTree>
-    <p:extLst>
-      <p:ext uri="{BB962C8B-B14F-4D97-AF65-F5344CB8AC3E}">
-        <p14:creationId xmlns:p14="http://schemas.microsoft.com/office/powerpoint/2010/main" val="2925884527"/>
-      </p:ext>
-    </p:extLst>
-  </p:cSld>
-  <p:clrMapOvr>
-    <a:masterClrMapping/>
-  </p:clrMapOvr>
-</p:sld>
-</file>
-
-<file path=ppt/slides/slide15.xml><?xml version="1.0" encoding="utf-8"?>
-<p:sld xmlns:a="http://schemas.openxmlformats.org/drawingml/2006/main" xmlns:r="http://schemas.openxmlformats.org/officeDocument/2006/relationships" xmlns:p="http://schemas.openxmlformats.org/presentationml/2006/main">
-  <p:cSld>
-    <p:spTree>
-      <p:nvGrpSpPr>
-        <p:cNvPr id="1" name=""/>
-        <p:cNvGrpSpPr/>
-        <p:nvPr/>
-      </p:nvGrpSpPr>
-      <p:grpSpPr>
-        <a:xfrm>
-          <a:off x="0" y="0"/>
-          <a:ext cx="0" cy="0"/>
-          <a:chOff x="0" y="0"/>
-          <a:chExt cx="0" cy="0"/>
-        </a:xfrm>
-      </p:grpSpPr>
-      <p:sp>
-        <p:nvSpPr>
-          <p:cNvPr id="2" name="標題 1"/>
-          <p:cNvSpPr>
-            <a:spLocks noGrp="1"/>
-          </p:cNvSpPr>
-          <p:nvPr>
-            <p:ph type="title"/>
-          </p:nvPr>
-        </p:nvSpPr>
-        <p:spPr/>
-        <p:txBody>
-          <a:bodyPr/>
-          <a:lstStyle/>
-          <a:p>
-            <a:r>
-              <a:rPr lang="zh-TW" altLang="en-US" dirty="0" smtClean="0"/>
-              <a:t>迴圈進階應用</a:t>
-            </a:r>
-            <a:endParaRPr lang="zh-TW" altLang="en-US" dirty="0"/>
-          </a:p>
-        </p:txBody>
-      </p:sp>
-      <p:sp>
-        <p:nvSpPr>
-          <p:cNvPr id="3" name="內容版面配置區 2"/>
-          <p:cNvSpPr>
-            <a:spLocks noGrp="1"/>
-          </p:cNvSpPr>
-          <p:nvPr>
-            <p:ph idx="1"/>
-          </p:nvPr>
-        </p:nvSpPr>
-        <p:spPr/>
-        <p:txBody>
-          <a:bodyPr/>
-          <a:lstStyle/>
-          <a:p>
-            <a:r>
-              <a:rPr lang="en-US" altLang="zh-TW" dirty="0" smtClean="0"/>
-              <a:t>break(</a:t>
-            </a:r>
-            <a:r>
-              <a:rPr lang="zh-TW" altLang="en-US" dirty="0" smtClean="0"/>
-              <a:t>跳出迴圈</a:t>
-            </a:r>
-            <a:r>
-              <a:rPr lang="en-US" altLang="zh-TW" dirty="0" smtClean="0"/>
-              <a:t>)</a:t>
-            </a:r>
-          </a:p>
-          <a:p>
-            <a:r>
-              <a:rPr lang="en-US" altLang="zh-TW" dirty="0"/>
-              <a:t>c</a:t>
-            </a:r>
-            <a:r>
-              <a:rPr lang="en-US" altLang="zh-TW" dirty="0" smtClean="0"/>
-              <a:t>ontinue(</a:t>
-            </a:r>
-            <a:r>
-              <a:rPr lang="zh-TW" altLang="en-US" dirty="0" smtClean="0"/>
-              <a:t>放棄本次迴圈</a:t>
-            </a:r>
-            <a:r>
-              <a:rPr lang="en-US" altLang="zh-TW" dirty="0" smtClean="0"/>
-              <a:t>)</a:t>
-            </a:r>
-            <a:endParaRPr lang="en-US" altLang="zh-TW" dirty="0"/>
-          </a:p>
-          <a:p>
-            <a:endParaRPr lang="zh-TW" altLang="en-US" dirty="0"/>
-          </a:p>
-        </p:txBody>
-      </p:sp>
-    </p:spTree>
-    <p:extLst>
-      <p:ext uri="{BB962C8B-B14F-4D97-AF65-F5344CB8AC3E}">
-        <p14:creationId xmlns:p14="http://schemas.microsoft.com/office/powerpoint/2010/main" val="2647372135"/>
-      </p:ext>
-    </p:extLst>
-  </p:cSld>
-  <p:clrMapOvr>
-    <a:masterClrMapping/>
-  </p:clrMapOvr>
-</p:sld>
-</file>
-
-<file path=ppt/slides/slide16.xml><?xml version="1.0" encoding="utf-8"?>
-<p:sld xmlns:a="http://schemas.openxmlformats.org/drawingml/2006/main" xmlns:r="http://schemas.openxmlformats.org/officeDocument/2006/relationships" xmlns:p="http://schemas.openxmlformats.org/presentationml/2006/main">
-  <p:cSld>
-    <p:spTree>
-      <p:nvGrpSpPr>
-        <p:cNvPr id="1" name=""/>
-        <p:cNvGrpSpPr/>
-        <p:nvPr/>
-      </p:nvGrpSpPr>
-      <p:grpSpPr>
-        <a:xfrm>
-          <a:off x="0" y="0"/>
-          <a:ext cx="0" cy="0"/>
-          <a:chOff x="0" y="0"/>
-          <a:chExt cx="0" cy="0"/>
-        </a:xfrm>
-      </p:grpSpPr>
-      <p:sp>
-        <p:nvSpPr>
-          <p:cNvPr id="2" name="標題 1"/>
-          <p:cNvSpPr>
-            <a:spLocks noGrp="1"/>
-          </p:cNvSpPr>
-          <p:nvPr>
-            <p:ph type="title"/>
-          </p:nvPr>
-        </p:nvSpPr>
-        <p:spPr/>
-        <p:txBody>
-          <a:bodyPr/>
-          <a:lstStyle/>
-          <a:p>
-            <a:r>
-              <a:rPr lang="zh-TW" altLang="en-US" dirty="0" smtClean="0"/>
-              <a:t>陣列</a:t>
-            </a:r>
-            <a:endParaRPr lang="zh-TW" altLang="en-US" dirty="0"/>
-          </a:p>
-        </p:txBody>
-      </p:sp>
-      <p:sp>
-        <p:nvSpPr>
-          <p:cNvPr id="3" name="內容版面配置區 2"/>
-          <p:cNvSpPr>
-            <a:spLocks noGrp="1"/>
-          </p:cNvSpPr>
-          <p:nvPr>
-            <p:ph idx="1"/>
-          </p:nvPr>
-        </p:nvSpPr>
-        <p:spPr/>
-        <p:txBody>
-          <a:bodyPr/>
-          <a:lstStyle/>
-          <a:p>
-            <a:r>
-              <a:rPr lang="zh-TW" altLang="en-US" dirty="0" smtClean="0"/>
-              <a:t>一個變數</a:t>
-            </a:r>
-            <a:r>
-              <a:rPr lang="zh-TW" altLang="en-US" dirty="0"/>
-              <a:t>可</a:t>
-            </a:r>
-            <a:r>
-              <a:rPr lang="zh-TW" altLang="en-US" dirty="0" smtClean="0"/>
-              <a:t>裝多個資料</a:t>
-            </a:r>
-            <a:endParaRPr lang="en-US" altLang="zh-TW" dirty="0" smtClean="0"/>
-          </a:p>
-          <a:p>
-            <a:r>
-              <a:rPr lang="en-US" altLang="zh-TW" dirty="0" smtClean="0"/>
-              <a:t>$</a:t>
-            </a:r>
-            <a:r>
-              <a:rPr lang="en-US" altLang="zh-TW" dirty="0" err="1"/>
-              <a:t>arr</a:t>
-            </a:r>
-            <a:r>
-              <a:rPr lang="en-US" altLang="zh-TW" dirty="0"/>
-              <a:t> = array</a:t>
-            </a:r>
-            <a:r>
-              <a:rPr lang="en-US" altLang="zh-TW" dirty="0" smtClean="0"/>
-              <a:t>(</a:t>
-            </a:r>
-            <a:r>
-              <a:rPr lang="zh-TW" altLang="en-US" dirty="0" smtClean="0"/>
-              <a:t>資料</a:t>
-            </a:r>
-            <a:r>
-              <a:rPr lang="en-US" altLang="zh-TW" dirty="0" smtClean="0"/>
-              <a:t>,</a:t>
-            </a:r>
-            <a:r>
-              <a:rPr lang="zh-TW" altLang="en-US" dirty="0" smtClean="0"/>
-              <a:t>資料</a:t>
-            </a:r>
-            <a:r>
-              <a:rPr lang="en-US" altLang="zh-TW" dirty="0" smtClean="0"/>
-              <a:t>,</a:t>
-            </a:r>
-            <a:r>
-              <a:rPr lang="zh-TW" altLang="en-US" dirty="0"/>
-              <a:t>資料</a:t>
-            </a:r>
-            <a:r>
-              <a:rPr lang="en-US" altLang="zh-TW" dirty="0" smtClean="0"/>
-              <a:t>);</a:t>
-            </a:r>
-            <a:r>
-              <a:rPr lang="en-US" altLang="zh-TW" dirty="0"/>
-              <a:t> </a:t>
-            </a:r>
-            <a:endParaRPr lang="en-US" altLang="zh-TW" dirty="0" smtClean="0"/>
-          </a:p>
-          <a:p>
-            <a:r>
-              <a:rPr lang="en-US" altLang="zh-TW" dirty="0" err="1"/>
-              <a:t>p</a:t>
-            </a:r>
-            <a:r>
-              <a:rPr lang="en-US" altLang="zh-TW" dirty="0" err="1" smtClean="0"/>
-              <a:t>rint_r</a:t>
-            </a:r>
-            <a:r>
-              <a:rPr lang="en-US" altLang="zh-TW" dirty="0" smtClean="0"/>
-              <a:t>  =&gt;</a:t>
-            </a:r>
-            <a:r>
-              <a:rPr lang="zh-TW" altLang="en-US" dirty="0" smtClean="0"/>
-              <a:t>查看陣列結構</a:t>
-            </a:r>
-            <a:endParaRPr lang="en-US" altLang="zh-TW" dirty="0" smtClean="0"/>
-          </a:p>
-          <a:p>
-            <a:r>
-              <a:rPr lang="en-US" altLang="zh-TW" dirty="0" err="1" smtClean="0"/>
-              <a:t>array_push</a:t>
-            </a:r>
-            <a:r>
-              <a:rPr lang="en-US" altLang="zh-TW" dirty="0" smtClean="0"/>
-              <a:t>(</a:t>
-            </a:r>
-            <a:r>
-              <a:rPr lang="zh-TW" altLang="en-US" dirty="0"/>
-              <a:t>陣列變數</a:t>
-            </a:r>
-            <a:r>
-              <a:rPr lang="en-US" altLang="zh-TW" dirty="0"/>
-              <a:t>, </a:t>
-            </a:r>
-            <a:r>
-              <a:rPr lang="zh-TW" altLang="en-US" dirty="0"/>
-              <a:t>一個內容值</a:t>
-            </a:r>
-            <a:r>
-              <a:rPr lang="en-US" altLang="zh-TW" dirty="0" smtClean="0"/>
-              <a:t>) </a:t>
-            </a:r>
-            <a:r>
-              <a:rPr lang="zh-TW" altLang="en-US" dirty="0" smtClean="0"/>
-              <a:t>新增資料進陣列，會排在最後</a:t>
-            </a:r>
-            <a:endParaRPr lang="en-US" altLang="zh-TW" dirty="0" smtClean="0"/>
-          </a:p>
-          <a:p>
-            <a:r>
-              <a:rPr lang="en-US" altLang="zh-TW" dirty="0" smtClean="0"/>
-              <a:t>count(</a:t>
-            </a:r>
-            <a:r>
-              <a:rPr lang="zh-TW" altLang="en-US" dirty="0"/>
-              <a:t>陣列</a:t>
-            </a:r>
-            <a:r>
-              <a:rPr lang="zh-TW" altLang="en-US" dirty="0" smtClean="0"/>
-              <a:t>變數</a:t>
-            </a:r>
-            <a:r>
-              <a:rPr lang="en-US" altLang="zh-TW" dirty="0" smtClean="0"/>
-              <a:t>) =&gt;</a:t>
-            </a:r>
-            <a:r>
-              <a:rPr lang="zh-TW" altLang="en-US" dirty="0" smtClean="0"/>
-              <a:t>查看陣列長度</a:t>
-            </a:r>
-            <a:endParaRPr lang="en-US" altLang="zh-TW" dirty="0" smtClean="0"/>
-          </a:p>
-          <a:p>
-            <a:r>
-              <a:rPr lang="en-US" altLang="zh-TW" dirty="0" err="1"/>
-              <a:t>in_array</a:t>
-            </a:r>
-            <a:r>
-              <a:rPr lang="en-US" altLang="zh-TW" dirty="0"/>
-              <a:t>( </a:t>
-            </a:r>
-            <a:r>
-              <a:rPr lang="zh-TW" altLang="en-US" dirty="0"/>
-              <a:t>查詢的內容值</a:t>
-            </a:r>
-            <a:r>
-              <a:rPr lang="en-US" altLang="zh-TW" dirty="0"/>
-              <a:t>, </a:t>
-            </a:r>
-            <a:r>
-              <a:rPr lang="zh-TW" altLang="en-US" dirty="0"/>
-              <a:t>陣列變數 </a:t>
-            </a:r>
-            <a:r>
-              <a:rPr lang="en-US" altLang="zh-TW" dirty="0"/>
-              <a:t>) </a:t>
-            </a:r>
-            <a:r>
-              <a:rPr lang="zh-TW" altLang="en-US" dirty="0"/>
-              <a:t>判斷指定的內容值是不是已經在陣列中</a:t>
-            </a:r>
-            <a:endParaRPr lang="en-US" altLang="zh-TW" dirty="0" smtClean="0"/>
-          </a:p>
-          <a:p>
-            <a:pPr marL="0" indent="0">
-              <a:buNone/>
-            </a:pPr>
-            <a:endParaRPr lang="en-US" altLang="zh-TW" dirty="0"/>
-          </a:p>
-          <a:p>
-            <a:endParaRPr lang="zh-TW" altLang="en-US" dirty="0"/>
-          </a:p>
-        </p:txBody>
-      </p:sp>
-    </p:spTree>
-    <p:extLst>
-      <p:ext uri="{BB962C8B-B14F-4D97-AF65-F5344CB8AC3E}">
-        <p14:creationId xmlns:p14="http://schemas.microsoft.com/office/powerpoint/2010/main" val="4052969005"/>
-      </p:ext>
-    </p:extLst>
-  </p:cSld>
-  <p:clrMapOvr>
-    <a:masterClrMapping/>
-  </p:clrMapOvr>
-</p:sld>
-</file>
-
-<file path=ppt/slides/slide17.xml><?xml version="1.0" encoding="utf-8"?>
-<p:sld xmlns:a="http://schemas.openxmlformats.org/drawingml/2006/main" xmlns:r="http://schemas.openxmlformats.org/officeDocument/2006/relationships" xmlns:p="http://schemas.openxmlformats.org/presentationml/2006/main">
-  <p:cSld>
-    <p:spTree>
-      <p:nvGrpSpPr>
-        <p:cNvPr id="1" name=""/>
-        <p:cNvGrpSpPr/>
-        <p:nvPr/>
-      </p:nvGrpSpPr>
-      <p:grpSpPr>
-        <a:xfrm>
-          <a:off x="0" y="0"/>
-          <a:ext cx="0" cy="0"/>
-          <a:chOff x="0" y="0"/>
-          <a:chExt cx="0" cy="0"/>
-        </a:xfrm>
-      </p:grpSpPr>
-      <p:sp>
-        <p:nvSpPr>
-          <p:cNvPr id="2" name="標題 1"/>
-          <p:cNvSpPr>
-            <a:spLocks noGrp="1"/>
-          </p:cNvSpPr>
-          <p:nvPr>
-            <p:ph type="title"/>
-          </p:nvPr>
-        </p:nvSpPr>
-        <p:spPr/>
-        <p:txBody>
-          <a:bodyPr/>
-          <a:lstStyle/>
-          <a:p>
-            <a:r>
-              <a:rPr lang="zh-TW" altLang="en-US" dirty="0" smtClean="0"/>
-              <a:t>如何將陣列資料一筆一筆列出來</a:t>
-            </a:r>
-            <a:r>
-              <a:rPr lang="en-US" altLang="zh-TW" dirty="0" smtClean="0"/>
-              <a:t>?</a:t>
-            </a:r>
-            <a:endParaRPr lang="zh-TW" altLang="en-US" dirty="0"/>
-          </a:p>
-        </p:txBody>
-      </p:sp>
-      <p:sp>
-        <p:nvSpPr>
-          <p:cNvPr id="3" name="內容版面配置區 2"/>
-          <p:cNvSpPr>
-            <a:spLocks noGrp="1"/>
-          </p:cNvSpPr>
-          <p:nvPr>
-            <p:ph idx="1"/>
-          </p:nvPr>
-        </p:nvSpPr>
-        <p:spPr/>
-        <p:txBody>
-          <a:bodyPr/>
-          <a:lstStyle/>
-          <a:p>
-            <a:r>
-              <a:rPr lang="en-US" altLang="zh-TW" dirty="0" smtClean="0"/>
-              <a:t>for</a:t>
-            </a:r>
-            <a:r>
-              <a:rPr lang="zh-TW" altLang="en-US" dirty="0" smtClean="0"/>
-              <a:t>迴圈</a:t>
-            </a:r>
-            <a:endParaRPr lang="en-US" altLang="zh-TW" dirty="0" smtClean="0"/>
-          </a:p>
-          <a:p>
-            <a:r>
-              <a:rPr lang="en-US" altLang="zh-TW" dirty="0" err="1" smtClean="0"/>
-              <a:t>Foreach</a:t>
-            </a:r>
-            <a:r>
-              <a:rPr lang="zh-TW" altLang="en-US" dirty="0" smtClean="0"/>
-              <a:t>迴圈</a:t>
-            </a:r>
-            <a:r>
-              <a:rPr lang="en-US" altLang="zh-TW" dirty="0" smtClean="0"/>
-              <a:t>(</a:t>
-            </a:r>
-            <a:r>
-              <a:rPr lang="zh-TW" altLang="en-US" dirty="0" smtClean="0"/>
-              <a:t>專門給陣列資料使用</a:t>
-            </a:r>
-            <a:r>
-              <a:rPr lang="en-US" altLang="zh-TW" dirty="0" smtClean="0"/>
-              <a:t>)</a:t>
-            </a:r>
-          </a:p>
-          <a:p>
-            <a:r>
-              <a:rPr lang="en-US" altLang="zh-TW" dirty="0" err="1"/>
-              <a:t>foreach</a:t>
-            </a:r>
-            <a:r>
-              <a:rPr lang="en-US" altLang="zh-TW" dirty="0"/>
-              <a:t> ( </a:t>
-            </a:r>
-            <a:r>
-              <a:rPr lang="zh-TW" altLang="en-US" dirty="0"/>
-              <a:t>陣列名稱  </a:t>
-            </a:r>
-            <a:r>
-              <a:rPr lang="en-US" altLang="zh-TW" dirty="0" smtClean="0"/>
-              <a:t>as</a:t>
-            </a:r>
-            <a:r>
-              <a:rPr lang="zh-TW" altLang="en-US" dirty="0" smtClean="0"/>
-              <a:t>  索引</a:t>
-            </a:r>
-            <a:r>
-              <a:rPr lang="zh-TW" altLang="en-US" dirty="0"/>
-              <a:t>值 </a:t>
-            </a:r>
-            <a:r>
-              <a:rPr lang="en-US" altLang="zh-TW" dirty="0"/>
-              <a:t>=&gt; </a:t>
-            </a:r>
-            <a:r>
-              <a:rPr lang="zh-TW" altLang="en-US" dirty="0" smtClean="0"/>
-              <a:t>內容</a:t>
-            </a:r>
-            <a:r>
-              <a:rPr lang="zh-TW" altLang="en-US" dirty="0"/>
-              <a:t>值 </a:t>
-            </a:r>
-            <a:r>
-              <a:rPr lang="en-US" altLang="zh-TW" dirty="0"/>
-              <a:t>)</a:t>
-            </a:r>
-            <a:endParaRPr lang="zh-TW" altLang="en-US" dirty="0"/>
-          </a:p>
-        </p:txBody>
-      </p:sp>
-    </p:spTree>
-    <p:extLst>
-      <p:ext uri="{BB962C8B-B14F-4D97-AF65-F5344CB8AC3E}">
-        <p14:creationId xmlns:p14="http://schemas.microsoft.com/office/powerpoint/2010/main" val="4131567997"/>
-      </p:ext>
-    </p:extLst>
-  </p:cSld>
-  <p:clrMapOvr>
-    <a:masterClrMapping/>
-  </p:clrMapOvr>
-</p:sld>
-</file>
-
-<file path=ppt/slides/slide18.xml><?xml version="1.0" encoding="utf-8"?>
-<p:sld xmlns:a="http://schemas.openxmlformats.org/drawingml/2006/main" xmlns:r="http://schemas.openxmlformats.org/officeDocument/2006/relationships" xmlns:p="http://schemas.openxmlformats.org/presentationml/2006/main">
-  <p:cSld>
-    <p:spTree>
-      <p:nvGrpSpPr>
-        <p:cNvPr id="1" name=""/>
-        <p:cNvGrpSpPr/>
-        <p:nvPr/>
-      </p:nvGrpSpPr>
-      <p:grpSpPr>
-        <a:xfrm>
-          <a:off x="0" y="0"/>
-          <a:ext cx="0" cy="0"/>
-          <a:chOff x="0" y="0"/>
-          <a:chExt cx="0" cy="0"/>
-        </a:xfrm>
-      </p:grpSpPr>
-      <p:sp>
-        <p:nvSpPr>
-          <p:cNvPr id="2" name="標題 1"/>
-          <p:cNvSpPr>
-            <a:spLocks noGrp="1"/>
-          </p:cNvSpPr>
-          <p:nvPr>
-            <p:ph type="title"/>
-          </p:nvPr>
-        </p:nvSpPr>
-        <p:spPr/>
-        <p:txBody>
-          <a:bodyPr/>
-          <a:lstStyle/>
-          <a:p>
-            <a:r>
-              <a:rPr lang="zh-TW" altLang="en-US" dirty="0" smtClean="0"/>
-              <a:t>練習</a:t>
-            </a:r>
-            <a:endParaRPr lang="zh-TW" altLang="en-US" dirty="0"/>
-          </a:p>
-        </p:txBody>
-      </p:sp>
-      <p:sp>
-        <p:nvSpPr>
-          <p:cNvPr id="3" name="內容版面配置區 2"/>
-          <p:cNvSpPr>
-            <a:spLocks noGrp="1"/>
-          </p:cNvSpPr>
-          <p:nvPr>
-            <p:ph idx="1"/>
-          </p:nvPr>
-        </p:nvSpPr>
-        <p:spPr/>
-        <p:txBody>
-          <a:bodyPr/>
-          <a:lstStyle/>
-          <a:p>
-            <a:r>
-              <a:rPr lang="zh-TW" altLang="en-US" dirty="0" smtClean="0"/>
-              <a:t>完成一個樂透遊戲</a:t>
-            </a:r>
-            <a:endParaRPr lang="zh-TW" altLang="en-US" dirty="0"/>
-          </a:p>
-        </p:txBody>
-      </p:sp>
-    </p:spTree>
-    <p:extLst>
-      <p:ext uri="{BB962C8B-B14F-4D97-AF65-F5344CB8AC3E}">
-        <p14:creationId xmlns:p14="http://schemas.microsoft.com/office/powerpoint/2010/main" val="873800810"/>
-      </p:ext>
-    </p:extLst>
-  </p:cSld>
-  <p:clrMapOvr>
-    <a:masterClrMapping/>
-  </p:clrMapOvr>
-</p:sld>
-</file>
-
-<file path=ppt/slides/slide2.xml><?xml version="1.0" encoding="utf-8"?>
-<p:sld xmlns:a="http://schemas.openxmlformats.org/drawingml/2006/main" xmlns:r="http://schemas.openxmlformats.org/officeDocument/2006/relationships" xmlns:p="http://schemas.openxmlformats.org/presentationml/2006/main">
-  <p:cSld>
-    <p:spTree>
-      <p:nvGrpSpPr>
-        <p:cNvPr id="1" name=""/>
-        <p:cNvGrpSpPr/>
-        <p:nvPr/>
-      </p:nvGrpSpPr>
-      <p:grpSpPr>
-        <a:xfrm>
-          <a:off x="0" y="0"/>
-          <a:ext cx="0" cy="0"/>
-          <a:chOff x="0" y="0"/>
-          <a:chExt cx="0" cy="0"/>
-        </a:xfrm>
-      </p:grpSpPr>
-      <p:sp>
-        <p:nvSpPr>
-          <p:cNvPr id="2" name="標題 1"/>
-          <p:cNvSpPr>
-            <a:spLocks noGrp="1"/>
-          </p:cNvSpPr>
-          <p:nvPr>
-            <p:ph type="title"/>
-          </p:nvPr>
-        </p:nvSpPr>
-        <p:spPr/>
-        <p:txBody>
-          <a:bodyPr/>
-          <a:lstStyle/>
-          <a:p>
-            <a:r>
-              <a:rPr lang="en-US" altLang="zh-TW" dirty="0" smtClean="0"/>
-              <a:t>PHP</a:t>
-            </a:r>
-            <a:r>
-              <a:rPr lang="zh-TW" altLang="en-US" dirty="0" smtClean="0"/>
-              <a:t>安裝</a:t>
-            </a:r>
-            <a:endParaRPr lang="zh-TW" altLang="en-US" dirty="0"/>
-          </a:p>
-        </p:txBody>
-      </p:sp>
-      <p:sp>
-        <p:nvSpPr>
-          <p:cNvPr id="3" name="內容版面配置區 2"/>
-          <p:cNvSpPr>
-            <a:spLocks noGrp="1"/>
-          </p:cNvSpPr>
-          <p:nvPr>
-            <p:ph idx="1"/>
-          </p:nvPr>
-        </p:nvSpPr>
-        <p:spPr>
-          <a:xfrm>
-            <a:off x="911352" y="1414145"/>
-            <a:ext cx="10515600" cy="597535"/>
-          </a:xfrm>
-        </p:spPr>
-        <p:txBody>
-          <a:bodyPr/>
-          <a:lstStyle/>
-          <a:p>
-            <a:r>
-              <a:rPr lang="en-US" altLang="zh-TW" dirty="0" err="1" smtClean="0"/>
-              <a:t>php</a:t>
-            </a:r>
-            <a:r>
-              <a:rPr lang="zh-TW" altLang="en-US" dirty="0" smtClean="0"/>
-              <a:t>神器 </a:t>
-            </a:r>
-            <a:r>
-              <a:rPr lang="en-US" altLang="zh-TW" dirty="0" smtClean="0"/>
-              <a:t>XAMPP!!!!!</a:t>
-            </a:r>
-          </a:p>
-          <a:p>
-            <a:endParaRPr lang="zh-TW" altLang="en-US" dirty="0"/>
-          </a:p>
-        </p:txBody>
-      </p:sp>
-      <p:pic>
-        <p:nvPicPr>
-          <p:cNvPr id="4" name="圖片 3"/>
-          <p:cNvPicPr>
-            <a:picLocks noChangeAspect="1"/>
-          </p:cNvPicPr>
-          <p:nvPr/>
-        </p:nvPicPr>
-        <p:blipFill>
-          <a:blip r:embed="rId2">
-            <a:extLst>
-              <a:ext uri="{28A0092B-C50C-407E-A947-70E740481C1C}">
-                <a14:useLocalDpi xmlns:a14="http://schemas.microsoft.com/office/drawing/2010/main" val="0"/>
-              </a:ext>
-            </a:extLst>
-          </a:blip>
-          <a:stretch>
-            <a:fillRect/>
-          </a:stretch>
-        </p:blipFill>
-        <p:spPr>
-          <a:xfrm>
-            <a:off x="2127504" y="2011680"/>
-            <a:ext cx="7729728" cy="4259891"/>
-          </a:xfrm>
-          <a:prstGeom prst="rect">
-            <a:avLst/>
-          </a:prstGeom>
-        </p:spPr>
-      </p:pic>
-    </p:spTree>
-    <p:extLst>
-      <p:ext uri="{BB962C8B-B14F-4D97-AF65-F5344CB8AC3E}">
-        <p14:creationId xmlns:p14="http://schemas.microsoft.com/office/powerpoint/2010/main" val="3330646124"/>
-      </p:ext>
-    </p:extLst>
-  </p:cSld>
-  <p:clrMapOvr>
-    <a:masterClrMapping/>
-  </p:clrMapOvr>
-</p:sld>
-</file>
-
-<file path=ppt/slides/slide3.xml><?xml version="1.0" encoding="utf-8"?>
-<p:sld xmlns:a="http://schemas.openxmlformats.org/drawingml/2006/main" xmlns:r="http://schemas.openxmlformats.org/officeDocument/2006/relationships" xmlns:p="http://schemas.openxmlformats.org/presentationml/2006/main">
-  <p:cSld>
-    <p:spTree>
-      <p:nvGrpSpPr>
-        <p:cNvPr id="1" name=""/>
-        <p:cNvGrpSpPr/>
-        <p:nvPr/>
-      </p:nvGrpSpPr>
-      <p:grpSpPr>
-        <a:xfrm>
-          <a:off x="0" y="0"/>
-          <a:ext cx="0" cy="0"/>
-          <a:chOff x="0" y="0"/>
-          <a:chExt cx="0" cy="0"/>
-        </a:xfrm>
-      </p:grpSpPr>
-      <p:sp>
-        <p:nvSpPr>
-          <p:cNvPr id="2" name="標題 1"/>
-          <p:cNvSpPr>
-            <a:spLocks noGrp="1"/>
-          </p:cNvSpPr>
-          <p:nvPr>
-            <p:ph type="title"/>
-          </p:nvPr>
-        </p:nvSpPr>
-        <p:spPr/>
-        <p:txBody>
-          <a:bodyPr/>
-          <a:lstStyle/>
-          <a:p>
-            <a:r>
-              <a:rPr lang="zh-TW" altLang="en-US" dirty="0" smtClean="0"/>
-              <a:t>初識</a:t>
-            </a:r>
-            <a:r>
-              <a:rPr lang="en-US" altLang="zh-TW" dirty="0" smtClean="0"/>
-              <a:t>PHP</a:t>
-            </a:r>
-            <a:endParaRPr lang="zh-TW" altLang="en-US" dirty="0"/>
-          </a:p>
-        </p:txBody>
-      </p:sp>
-      <p:sp>
-        <p:nvSpPr>
-          <p:cNvPr id="3" name="內容版面配置區 2"/>
-          <p:cNvSpPr>
-            <a:spLocks noGrp="1"/>
-          </p:cNvSpPr>
-          <p:nvPr>
-            <p:ph idx="1"/>
-          </p:nvPr>
-        </p:nvSpPr>
-        <p:spPr/>
-        <p:txBody>
-          <a:bodyPr>
-            <a:normAutofit/>
-          </a:bodyPr>
-          <a:lstStyle/>
-          <a:p>
-            <a:r>
-              <a:rPr lang="en-US" altLang="zh-TW" dirty="0" smtClean="0"/>
-              <a:t>echo </a:t>
-            </a:r>
-          </a:p>
-          <a:p>
-            <a:r>
-              <a:rPr lang="zh-TW" altLang="en-US" dirty="0" smtClean="0"/>
-              <a:t>註解</a:t>
-            </a:r>
-            <a:r>
-              <a:rPr lang="en-US" altLang="zh-TW" dirty="0" smtClean="0"/>
-              <a:t>:#</a:t>
-            </a:r>
-            <a:r>
-              <a:rPr lang="zh-TW" altLang="en-US" dirty="0" smtClean="0"/>
-              <a:t>、</a:t>
-            </a:r>
-            <a:r>
-              <a:rPr lang="en-US" altLang="zh-TW" dirty="0" smtClean="0"/>
-              <a:t>//</a:t>
-            </a:r>
-            <a:r>
-              <a:rPr lang="zh-TW" altLang="en-US" dirty="0" smtClean="0"/>
-              <a:t>、</a:t>
-            </a:r>
-            <a:r>
-              <a:rPr lang="en-US" altLang="zh-TW" dirty="0" smtClean="0"/>
-              <a:t>/* */</a:t>
-            </a:r>
-          </a:p>
-          <a:p>
-            <a:r>
-              <a:rPr lang="zh-TW" altLang="en-US" dirty="0" smtClean="0"/>
-              <a:t>連接符號   </a:t>
-            </a:r>
-            <a:r>
-              <a:rPr lang="en-US" altLang="zh-TW" dirty="0" smtClean="0"/>
-              <a:t>.</a:t>
-            </a:r>
-          </a:p>
-          <a:p>
-            <a:r>
-              <a:rPr lang="zh-TW" altLang="en-US" dirty="0" smtClean="0"/>
-              <a:t>有型別區分</a:t>
-            </a:r>
-            <a:endParaRPr lang="en-US" altLang="zh-TW" dirty="0" smtClean="0"/>
-          </a:p>
-          <a:p>
-            <a:r>
-              <a:rPr lang="zh-TW" altLang="en-US" dirty="0" smtClean="0"/>
-              <a:t>字串、整數、小數、布林</a:t>
-            </a:r>
-            <a:endParaRPr lang="en-US" altLang="zh-TW" dirty="0" smtClean="0"/>
-          </a:p>
-          <a:p>
-            <a:r>
-              <a:rPr lang="zh-TW" altLang="en-US" dirty="0"/>
-              <a:t>判別型別 </a:t>
-            </a:r>
-            <a:r>
-              <a:rPr lang="en-US" altLang="zh-TW" dirty="0" err="1" smtClean="0"/>
-              <a:t>var_dump</a:t>
-            </a:r>
-            <a:endParaRPr lang="en-US" altLang="zh-TW" dirty="0" smtClean="0"/>
-          </a:p>
-          <a:p>
-            <a:r>
-              <a:rPr lang="zh-TW" altLang="en-US" dirty="0"/>
-              <a:t>計算符號</a:t>
-            </a:r>
-            <a:r>
-              <a:rPr lang="en-US" altLang="zh-TW" dirty="0"/>
-              <a:t>+</a:t>
-            </a:r>
-            <a:r>
-              <a:rPr lang="zh-TW" altLang="en-US" dirty="0"/>
-              <a:t>、</a:t>
-            </a:r>
-            <a:r>
-              <a:rPr lang="en-US" altLang="zh-TW" dirty="0"/>
-              <a:t>-</a:t>
-            </a:r>
-            <a:r>
-              <a:rPr lang="zh-TW" altLang="en-US" dirty="0"/>
-              <a:t>、*、</a:t>
-            </a:r>
-            <a:r>
-              <a:rPr lang="en-US" altLang="zh-TW" dirty="0"/>
-              <a:t>/</a:t>
-            </a:r>
-            <a:r>
-              <a:rPr lang="zh-TW" altLang="en-US" dirty="0"/>
-              <a:t>、</a:t>
-            </a:r>
-            <a:r>
-              <a:rPr lang="en-US" altLang="zh-TW" dirty="0" smtClean="0"/>
-              <a:t>%</a:t>
-            </a:r>
-          </a:p>
-          <a:p>
-            <a:r>
-              <a:rPr lang="en-US" altLang="zh-TW" dirty="0"/>
-              <a:t>f</a:t>
-            </a:r>
-            <a:r>
-              <a:rPr lang="en-US" altLang="zh-TW" dirty="0" smtClean="0"/>
-              <a:t>loor()</a:t>
-            </a:r>
-            <a:r>
-              <a:rPr lang="zh-TW" altLang="en-US" dirty="0" smtClean="0"/>
-              <a:t>、</a:t>
-            </a:r>
-            <a:r>
-              <a:rPr lang="en-US" altLang="zh-TW" dirty="0" smtClean="0"/>
-              <a:t>ceil()</a:t>
-            </a:r>
-            <a:r>
-              <a:rPr lang="zh-TW" altLang="en-US" dirty="0" smtClean="0"/>
-              <a:t>、</a:t>
-            </a:r>
-            <a:r>
-              <a:rPr lang="en-US" altLang="zh-TW" dirty="0" smtClean="0"/>
-              <a:t>round()</a:t>
-            </a:r>
-            <a:endParaRPr lang="zh-TW" altLang="en-US" dirty="0"/>
-          </a:p>
-          <a:p>
-            <a:endParaRPr lang="zh-TW" altLang="en-US" dirty="0" smtClean="0"/>
-          </a:p>
-          <a:p>
-            <a:endParaRPr lang="zh-TW" altLang="en-US" dirty="0"/>
-          </a:p>
-        </p:txBody>
-      </p:sp>
-      <p:pic>
-        <p:nvPicPr>
-          <p:cNvPr id="4" name="圖片 3"/>
-          <p:cNvPicPr>
-            <a:picLocks noChangeAspect="1"/>
-          </p:cNvPicPr>
-          <p:nvPr/>
-        </p:nvPicPr>
-        <p:blipFill>
-          <a:blip r:embed="rId2">
-            <a:extLst>
-              <a:ext uri="{28A0092B-C50C-407E-A947-70E740481C1C}">
-                <a14:useLocalDpi xmlns:a14="http://schemas.microsoft.com/office/drawing/2010/main" val="0"/>
-              </a:ext>
-            </a:extLst>
-          </a:blip>
-          <a:stretch>
-            <a:fillRect/>
-          </a:stretch>
-        </p:blipFill>
-        <p:spPr>
-          <a:xfrm>
-            <a:off x="6376606" y="676656"/>
-            <a:ext cx="4733020" cy="5798462"/>
-          </a:xfrm>
-          <a:prstGeom prst="rect">
-            <a:avLst/>
-          </a:prstGeom>
-        </p:spPr>
-      </p:pic>
-    </p:spTree>
-    <p:extLst>
-      <p:ext uri="{BB962C8B-B14F-4D97-AF65-F5344CB8AC3E}">
-        <p14:creationId xmlns:p14="http://schemas.microsoft.com/office/powerpoint/2010/main" val="1515499683"/>
-      </p:ext>
-    </p:extLst>
-  </p:cSld>
-  <p:clrMapOvr>
-    <a:masterClrMapping/>
-  </p:clrMapOvr>
-</p:sld>
-</file>
-
-<file path=ppt/slides/slide4.xml><?xml version="1.0" encoding="utf-8"?>
-<p:sld xmlns:a="http://schemas.openxmlformats.org/drawingml/2006/main" xmlns:r="http://schemas.openxmlformats.org/officeDocument/2006/relationships" xmlns:p="http://schemas.openxmlformats.org/presentationml/2006/main">
-  <p:cSld>
-    <p:spTree>
-      <p:nvGrpSpPr>
-        <p:cNvPr id="1" name=""/>
-        <p:cNvGrpSpPr/>
-        <p:nvPr/>
-      </p:nvGrpSpPr>
-      <p:grpSpPr>
-        <a:xfrm>
-          <a:off x="0" y="0"/>
-          <a:ext cx="0" cy="0"/>
-          <a:chOff x="0" y="0"/>
-          <a:chExt cx="0" cy="0"/>
-        </a:xfrm>
-      </p:grpSpPr>
-      <p:sp>
-        <p:nvSpPr>
-          <p:cNvPr id="2" name="標題 1"/>
-          <p:cNvSpPr>
-            <a:spLocks noGrp="1"/>
-          </p:cNvSpPr>
-          <p:nvPr>
-            <p:ph type="title"/>
-          </p:nvPr>
-        </p:nvSpPr>
-        <p:spPr/>
-        <p:txBody>
-          <a:bodyPr/>
-          <a:lstStyle/>
-          <a:p>
-            <a:r>
-              <a:rPr lang="zh-TW" altLang="en-US" dirty="0" smtClean="0"/>
-              <a:t>程式的三種基本能力</a:t>
-            </a:r>
-            <a:endParaRPr lang="zh-TW" altLang="en-US" dirty="0"/>
-          </a:p>
-        </p:txBody>
-      </p:sp>
-      <p:sp>
-        <p:nvSpPr>
-          <p:cNvPr id="3" name="內容版面配置區 2"/>
-          <p:cNvSpPr>
-            <a:spLocks noGrp="1"/>
-          </p:cNvSpPr>
-          <p:nvPr>
-            <p:ph idx="1"/>
-          </p:nvPr>
-        </p:nvSpPr>
-        <p:spPr/>
-        <p:txBody>
-          <a:bodyPr/>
-          <a:lstStyle/>
-          <a:p>
-            <a:r>
-              <a:rPr lang="zh-TW" altLang="en-US" dirty="0" smtClean="0"/>
-              <a:t>程式的記憶能力</a:t>
-            </a:r>
-            <a:r>
-              <a:rPr lang="en-US" altLang="zh-TW" dirty="0" smtClean="0"/>
-              <a:t>:</a:t>
-            </a:r>
-            <a:r>
-              <a:rPr lang="zh-TW" altLang="en-US" dirty="0" smtClean="0"/>
-              <a:t>變數</a:t>
-            </a:r>
-            <a:endParaRPr lang="en-US" altLang="zh-TW" dirty="0" smtClean="0"/>
-          </a:p>
-          <a:p>
-            <a:r>
-              <a:rPr lang="zh-TW" altLang="en-US" dirty="0"/>
-              <a:t>程式的判斷能力</a:t>
-            </a:r>
-            <a:r>
-              <a:rPr lang="en-US" altLang="zh-TW" dirty="0" smtClean="0"/>
-              <a:t>:if</a:t>
-            </a:r>
-          </a:p>
-          <a:p>
-            <a:r>
-              <a:rPr lang="zh-TW" altLang="en-US" dirty="0" smtClean="0"/>
-              <a:t>程式的重複能力</a:t>
-            </a:r>
-            <a:r>
-              <a:rPr lang="en-US" altLang="zh-TW" dirty="0" smtClean="0"/>
-              <a:t>:for</a:t>
-            </a:r>
-          </a:p>
-        </p:txBody>
-      </p:sp>
-    </p:spTree>
-    <p:extLst>
-      <p:ext uri="{BB962C8B-B14F-4D97-AF65-F5344CB8AC3E}">
-        <p14:creationId xmlns:p14="http://schemas.microsoft.com/office/powerpoint/2010/main" val="2174706943"/>
-      </p:ext>
-    </p:extLst>
-  </p:cSld>
-  <p:clrMapOvr>
-    <a:masterClrMapping/>
-  </p:clrMapOvr>
-</p:sld>
-</file>
-
-<file path=ppt/slides/slide5.xml><?xml version="1.0" encoding="utf-8"?>
-<p:sld xmlns:a="http://schemas.openxmlformats.org/drawingml/2006/main" xmlns:r="http://schemas.openxmlformats.org/officeDocument/2006/relationships" xmlns:p="http://schemas.openxmlformats.org/presentationml/2006/main">
-  <p:cSld>
-    <p:spTree>
-      <p:nvGrpSpPr>
-        <p:cNvPr id="1" name=""/>
-        <p:cNvGrpSpPr/>
-        <p:nvPr/>
-      </p:nvGrpSpPr>
-      <p:grpSpPr>
-        <a:xfrm>
-          <a:off x="0" y="0"/>
-          <a:ext cx="0" cy="0"/>
-          <a:chOff x="0" y="0"/>
-          <a:chExt cx="0" cy="0"/>
-        </a:xfrm>
-      </p:grpSpPr>
-      <p:sp>
-        <p:nvSpPr>
-          <p:cNvPr id="2" name="標題 1"/>
-          <p:cNvSpPr>
-            <a:spLocks noGrp="1"/>
-          </p:cNvSpPr>
-          <p:nvPr>
-            <p:ph type="title"/>
-          </p:nvPr>
-        </p:nvSpPr>
-        <p:spPr/>
-        <p:txBody>
-          <a:bodyPr/>
-          <a:lstStyle/>
-          <a:p>
-            <a:r>
-              <a:rPr lang="zh-TW" altLang="en-US" dirty="0"/>
-              <a:t>變數</a:t>
-            </a:r>
-          </a:p>
-        </p:txBody>
-      </p:sp>
-      <p:sp>
-        <p:nvSpPr>
-          <p:cNvPr id="3" name="內容版面配置區 2"/>
-          <p:cNvSpPr>
-            <a:spLocks noGrp="1"/>
-          </p:cNvSpPr>
-          <p:nvPr>
-            <p:ph idx="1"/>
-          </p:nvPr>
-        </p:nvSpPr>
-        <p:spPr/>
-        <p:txBody>
-          <a:bodyPr/>
-          <a:lstStyle/>
-          <a:p>
-            <a:r>
-              <a:rPr lang="zh-TW" altLang="en-US" dirty="0"/>
-              <a:t>變數以</a:t>
-            </a:r>
-            <a:r>
-              <a:rPr lang="zh-TW" altLang="en-US" b="1" dirty="0"/>
-              <a:t> </a:t>
-            </a:r>
-            <a:r>
-              <a:rPr lang="en-US" altLang="zh-TW" b="1" dirty="0"/>
-              <a:t>$ </a:t>
-            </a:r>
-            <a:r>
-              <a:rPr lang="zh-TW" altLang="en-US" dirty="0"/>
-              <a:t>符號開始，後面跟著</a:t>
-            </a:r>
-            <a:r>
-              <a:rPr lang="zh-TW" altLang="en-US" b="1" dirty="0"/>
-              <a:t>變數的名稱</a:t>
-            </a:r>
-            <a:endParaRPr lang="zh-TW" altLang="en-US" dirty="0"/>
-          </a:p>
-          <a:p>
-            <a:r>
-              <a:rPr lang="zh-TW" altLang="en-US" dirty="0"/>
-              <a:t>變數名稱必須使用</a:t>
-            </a:r>
-            <a:r>
-              <a:rPr lang="zh-TW" altLang="en-US" b="1" dirty="0"/>
-              <a:t>英、數</a:t>
-            </a:r>
-            <a:r>
-              <a:rPr lang="zh-TW" altLang="en-US" dirty="0"/>
-              <a:t>字及</a:t>
-            </a:r>
-            <a:r>
-              <a:rPr lang="zh-TW" altLang="en-US" b="1" dirty="0"/>
-              <a:t>底線</a:t>
-            </a:r>
-            <a:r>
-              <a:rPr lang="zh-TW" altLang="en-US" dirty="0"/>
-              <a:t>符號</a:t>
-            </a:r>
-          </a:p>
-          <a:p>
-            <a:r>
-              <a:rPr lang="zh-TW" altLang="en-US" dirty="0"/>
-              <a:t>變數名稱除了以</a:t>
-            </a:r>
-            <a:r>
-              <a:rPr lang="zh-TW" altLang="en-US" b="1" dirty="0"/>
-              <a:t> </a:t>
-            </a:r>
-            <a:r>
-              <a:rPr lang="en-US" altLang="zh-TW" b="1" dirty="0"/>
-              <a:t>$ </a:t>
-            </a:r>
-            <a:r>
-              <a:rPr lang="zh-TW" altLang="en-US" dirty="0"/>
-              <a:t>符號開始，接著必須使用</a:t>
-            </a:r>
-            <a:r>
-              <a:rPr lang="zh-TW" altLang="en-US" b="1" dirty="0"/>
-              <a:t>英文字母</a:t>
-            </a:r>
-            <a:r>
-              <a:rPr lang="zh-TW" altLang="en-US" dirty="0"/>
-              <a:t>或是</a:t>
-            </a:r>
-            <a:r>
-              <a:rPr lang="zh-TW" altLang="en-US" b="1" dirty="0"/>
-              <a:t>底線</a:t>
-            </a:r>
-            <a:r>
-              <a:rPr lang="zh-TW" altLang="en-US" dirty="0"/>
-              <a:t>符號為開頭字元</a:t>
-            </a:r>
-          </a:p>
-          <a:p>
-            <a:r>
-              <a:rPr lang="zh-TW" altLang="en-US" dirty="0"/>
-              <a:t>英文字母的</a:t>
-            </a:r>
-            <a:r>
-              <a:rPr lang="zh-TW" altLang="en-US" b="1" dirty="0"/>
-              <a:t>大小寫認定是不相同</a:t>
-            </a:r>
-            <a:r>
-              <a:rPr lang="zh-TW" altLang="en-US" dirty="0"/>
-              <a:t>的</a:t>
-            </a:r>
-            <a:r>
-              <a:rPr lang="zh-TW" altLang="en-US" dirty="0" smtClean="0"/>
-              <a:t>字母</a:t>
-            </a:r>
-            <a:endParaRPr lang="en-US" altLang="zh-TW" dirty="0" smtClean="0"/>
-          </a:p>
-          <a:p>
-            <a:r>
-              <a:rPr lang="zh-TW" altLang="en-US" dirty="0" smtClean="0"/>
-              <a:t>雙引號可以識別變數，單引號無法</a:t>
-            </a:r>
-            <a:endParaRPr lang="en-US" altLang="zh-TW" dirty="0" smtClean="0"/>
-          </a:p>
-          <a:p>
-            <a:pPr marL="0" indent="0">
-              <a:buNone/>
-            </a:pPr>
-            <a:endParaRPr lang="zh-TW" altLang="en-US" dirty="0" smtClean="0"/>
-          </a:p>
-        </p:txBody>
-      </p:sp>
-    </p:spTree>
-    <p:extLst>
-      <p:ext uri="{BB962C8B-B14F-4D97-AF65-F5344CB8AC3E}">
-        <p14:creationId xmlns:p14="http://schemas.microsoft.com/office/powerpoint/2010/main" val="2445535333"/>
-      </p:ext>
-    </p:extLst>
-  </p:cSld>
-  <p:clrMapOvr>
-    <a:masterClrMapping/>
-  </p:clrMapOvr>
-</p:sld>
-</file>
-
-<file path=ppt/slides/slide6.xml><?xml version="1.0" encoding="utf-8"?>
-<p:sld xmlns:a="http://schemas.openxmlformats.org/drawingml/2006/main" xmlns:r="http://schemas.openxmlformats.org/officeDocument/2006/relationships" xmlns:p="http://schemas.openxmlformats.org/presentationml/2006/main">
-  <p:cSld>
-    <p:spTree>
-      <p:nvGrpSpPr>
-        <p:cNvPr id="1" name=""/>
-        <p:cNvGrpSpPr/>
-        <p:nvPr/>
-      </p:nvGrpSpPr>
-      <p:grpSpPr>
-        <a:xfrm>
-          <a:off x="0" y="0"/>
-          <a:ext cx="0" cy="0"/>
-          <a:chOff x="0" y="0"/>
-          <a:chExt cx="0" cy="0"/>
-        </a:xfrm>
-      </p:grpSpPr>
-      <p:sp>
-        <p:nvSpPr>
-          <p:cNvPr id="2" name="標題 1"/>
-          <p:cNvSpPr>
-            <a:spLocks noGrp="1"/>
-          </p:cNvSpPr>
-          <p:nvPr>
-            <p:ph type="title"/>
-          </p:nvPr>
-        </p:nvSpPr>
-        <p:spPr/>
-        <p:txBody>
-          <a:bodyPr/>
-          <a:lstStyle/>
-          <a:p>
-            <a:r>
-              <a:rPr lang="zh-TW" altLang="en-US" dirty="0" smtClean="0"/>
-              <a:t>函式</a:t>
-            </a:r>
-            <a:r>
-              <a:rPr lang="en-US" altLang="zh-TW" dirty="0" smtClean="0"/>
-              <a:t>function</a:t>
-            </a:r>
-            <a:endParaRPr lang="zh-TW" altLang="en-US" dirty="0"/>
-          </a:p>
-        </p:txBody>
-      </p:sp>
-      <p:sp>
-        <p:nvSpPr>
-          <p:cNvPr id="3" name="內容版面配置區 2"/>
-          <p:cNvSpPr>
-            <a:spLocks noGrp="1"/>
-          </p:cNvSpPr>
-          <p:nvPr>
-            <p:ph idx="1"/>
-          </p:nvPr>
-        </p:nvSpPr>
-        <p:spPr/>
-        <p:txBody>
-          <a:bodyPr/>
-          <a:lstStyle/>
-          <a:p>
-            <a:r>
-              <a:rPr lang="zh-TW" altLang="en-US" dirty="0" smtClean="0"/>
-              <a:t>何時使用</a:t>
-            </a:r>
-            <a:r>
-              <a:rPr lang="en-US" altLang="zh-TW" dirty="0" smtClean="0"/>
-              <a:t>function?</a:t>
-            </a:r>
-          </a:p>
-          <a:p>
-            <a:r>
-              <a:rPr lang="zh-TW" altLang="en-US" dirty="0" smtClean="0"/>
-              <a:t>有一段程式需要它重複執行，就可以包成</a:t>
-            </a:r>
-            <a:r>
-              <a:rPr lang="en-US" altLang="zh-TW" dirty="0" smtClean="0"/>
-              <a:t>function</a:t>
-            </a:r>
-          </a:p>
-          <a:p>
-            <a:r>
-              <a:rPr lang="zh-TW" altLang="en-US" dirty="0" smtClean="0"/>
-              <a:t>必須先寫好 ，但不會馬上執行</a:t>
-            </a:r>
-            <a:endParaRPr lang="en-US" altLang="zh-TW" dirty="0" smtClean="0"/>
-          </a:p>
-          <a:p>
-            <a:endParaRPr lang="zh-TW" altLang="en-US" dirty="0"/>
-          </a:p>
-        </p:txBody>
-      </p:sp>
-    </p:spTree>
-    <p:extLst>
-      <p:ext uri="{BB962C8B-B14F-4D97-AF65-F5344CB8AC3E}">
-        <p14:creationId xmlns:p14="http://schemas.microsoft.com/office/powerpoint/2010/main" val="1675312773"/>
-      </p:ext>
-    </p:extLst>
-  </p:cSld>
-  <p:clrMapOvr>
-    <a:masterClrMapping/>
-  </p:clrMapOvr>
-</p:sld>
-</file>
-
-<file path=ppt/slides/slide7.xml><?xml version="1.0" encoding="utf-8"?>
-<p:sld xmlns:a="http://schemas.openxmlformats.org/drawingml/2006/main" xmlns:r="http://schemas.openxmlformats.org/officeDocument/2006/relationships" xmlns:p="http://schemas.openxmlformats.org/presentationml/2006/main">
-  <p:cSld>
-    <p:spTree>
-      <p:nvGrpSpPr>
-        <p:cNvPr id="1" name=""/>
-        <p:cNvGrpSpPr/>
-        <p:nvPr/>
-      </p:nvGrpSpPr>
-      <p:grpSpPr>
-        <a:xfrm>
-          <a:off x="0" y="0"/>
-          <a:ext cx="0" cy="0"/>
-          <a:chOff x="0" y="0"/>
-          <a:chExt cx="0" cy="0"/>
-        </a:xfrm>
-      </p:grpSpPr>
-      <p:sp>
-        <p:nvSpPr>
-          <p:cNvPr id="2" name="標題 1"/>
-          <p:cNvSpPr>
-            <a:spLocks noGrp="1"/>
-          </p:cNvSpPr>
-          <p:nvPr>
-            <p:ph type="title"/>
-          </p:nvPr>
-        </p:nvSpPr>
-        <p:spPr/>
-        <p:txBody>
-          <a:bodyPr/>
-          <a:lstStyle/>
-          <a:p>
-            <a:r>
-              <a:rPr lang="zh-TW" altLang="en-US" dirty="0" smtClean="0"/>
-              <a:t>練習</a:t>
-            </a:r>
-            <a:endParaRPr lang="zh-TW" altLang="en-US" dirty="0"/>
-          </a:p>
-        </p:txBody>
-      </p:sp>
-      <p:sp>
-        <p:nvSpPr>
-          <p:cNvPr id="3" name="內容版面配置區 2"/>
-          <p:cNvSpPr>
-            <a:spLocks noGrp="1"/>
-          </p:cNvSpPr>
-          <p:nvPr>
-            <p:ph idx="1"/>
-          </p:nvPr>
-        </p:nvSpPr>
-        <p:spPr/>
-        <p:txBody>
-          <a:bodyPr/>
-          <a:lstStyle/>
-          <a:p>
-            <a:r>
-              <a:rPr lang="zh-TW" altLang="en-US" dirty="0" smtClean="0"/>
-              <a:t>日新</a:t>
-            </a:r>
-            <a:r>
-              <a:rPr lang="en-US" altLang="zh-TW" dirty="0" smtClean="0"/>
-              <a:t>1000</a:t>
-            </a:r>
-            <a:r>
-              <a:rPr lang="zh-TW" altLang="en-US" dirty="0" smtClean="0"/>
-              <a:t>元，一個月工作</a:t>
-            </a:r>
-            <a:r>
-              <a:rPr lang="en-US" altLang="zh-TW" dirty="0" smtClean="0"/>
-              <a:t>20</a:t>
-            </a:r>
-            <a:r>
-              <a:rPr lang="zh-TW" altLang="en-US" dirty="0" smtClean="0"/>
-              <a:t>天，計算月薪</a:t>
-            </a:r>
-            <a:endParaRPr lang="en-US" altLang="zh-TW" dirty="0" smtClean="0"/>
-          </a:p>
-        </p:txBody>
-      </p:sp>
-    </p:spTree>
-    <p:extLst>
-      <p:ext uri="{BB962C8B-B14F-4D97-AF65-F5344CB8AC3E}">
-        <p14:creationId xmlns:p14="http://schemas.microsoft.com/office/powerpoint/2010/main" val="276148047"/>
-      </p:ext>
-    </p:extLst>
-  </p:cSld>
-  <p:clrMapOvr>
-    <a:masterClrMapping/>
-  </p:clrMapOvr>
-</p:sld>
-</file>
-
-<file path=ppt/slides/slide8.xml><?xml version="1.0" encoding="utf-8"?>
-<p:sld xmlns:a="http://schemas.openxmlformats.org/drawingml/2006/main" xmlns:r="http://schemas.openxmlformats.org/officeDocument/2006/relationships" xmlns:p="http://schemas.openxmlformats.org/presentationml/2006/main">
-  <p:cSld>
-    <p:spTree>
-      <p:nvGrpSpPr>
-        <p:cNvPr id="1" name=""/>
-        <p:cNvGrpSpPr/>
-        <p:nvPr/>
-      </p:nvGrpSpPr>
-      <p:grpSpPr>
-        <a:xfrm>
-          <a:off x="0" y="0"/>
-          <a:ext cx="0" cy="0"/>
-          <a:chOff x="0" y="0"/>
-          <a:chExt cx="0" cy="0"/>
-        </a:xfrm>
-      </p:grpSpPr>
-      <p:sp>
-        <p:nvSpPr>
-          <p:cNvPr id="2" name="標題 1"/>
-          <p:cNvSpPr>
-            <a:spLocks noGrp="1"/>
-          </p:cNvSpPr>
-          <p:nvPr>
-            <p:ph type="title"/>
-          </p:nvPr>
-        </p:nvSpPr>
-        <p:spPr/>
-        <p:txBody>
-          <a:bodyPr/>
-          <a:lstStyle/>
-          <a:p>
-            <a:r>
               <a:rPr lang="en-US" altLang="zh-TW" dirty="0" smtClean="0"/>
               <a:t>If</a:t>
             </a:r>
@@ -5503,6 +3486,2497 @@
 </p:sld>
 </file>
 
+<file path=ppt/slides/slide11.xml><?xml version="1.0" encoding="utf-8"?>
+<p:sld xmlns:a="http://schemas.openxmlformats.org/drawingml/2006/main" xmlns:r="http://schemas.openxmlformats.org/officeDocument/2006/relationships" xmlns:p="http://schemas.openxmlformats.org/presentationml/2006/main">
+  <p:cSld>
+    <p:spTree>
+      <p:nvGrpSpPr>
+        <p:cNvPr id="1" name=""/>
+        <p:cNvGrpSpPr/>
+        <p:nvPr/>
+      </p:nvGrpSpPr>
+      <p:grpSpPr>
+        <a:xfrm>
+          <a:off x="0" y="0"/>
+          <a:ext cx="0" cy="0"/>
+          <a:chOff x="0" y="0"/>
+          <a:chExt cx="0" cy="0"/>
+        </a:xfrm>
+      </p:grpSpPr>
+      <p:sp>
+        <p:nvSpPr>
+          <p:cNvPr id="2" name="標題 1"/>
+          <p:cNvSpPr>
+            <a:spLocks noGrp="1"/>
+          </p:cNvSpPr>
+          <p:nvPr>
+            <p:ph type="title"/>
+          </p:nvPr>
+        </p:nvSpPr>
+        <p:spPr/>
+        <p:txBody>
+          <a:bodyPr/>
+          <a:lstStyle/>
+          <a:p>
+            <a:r>
+              <a:rPr lang="zh-TW" altLang="en-US" dirty="0" smtClean="0"/>
+              <a:t>隨機整數</a:t>
+            </a:r>
+            <a:endParaRPr lang="zh-TW" altLang="en-US" dirty="0"/>
+          </a:p>
+        </p:txBody>
+      </p:sp>
+      <p:sp>
+        <p:nvSpPr>
+          <p:cNvPr id="3" name="內容版面配置區 2"/>
+          <p:cNvSpPr>
+            <a:spLocks noGrp="1"/>
+          </p:cNvSpPr>
+          <p:nvPr>
+            <p:ph idx="1"/>
+          </p:nvPr>
+        </p:nvSpPr>
+        <p:spPr/>
+        <p:txBody>
+          <a:bodyPr/>
+          <a:lstStyle/>
+          <a:p>
+            <a:r>
+              <a:rPr lang="en-US" altLang="zh-TW" dirty="0" smtClean="0"/>
+              <a:t>rand(</a:t>
+            </a:r>
+            <a:r>
+              <a:rPr lang="zh-TW" altLang="en-US" dirty="0" smtClean="0"/>
+              <a:t>初始值</a:t>
+            </a:r>
+            <a:r>
+              <a:rPr lang="en-US" altLang="zh-TW" dirty="0" smtClean="0"/>
+              <a:t>,</a:t>
+            </a:r>
+            <a:r>
+              <a:rPr lang="zh-TW" altLang="en-US" dirty="0" smtClean="0"/>
+              <a:t>終止值</a:t>
+            </a:r>
+            <a:r>
+              <a:rPr lang="en-US" altLang="zh-TW" dirty="0" smtClean="0"/>
+              <a:t>)</a:t>
+            </a:r>
+            <a:endParaRPr lang="zh-TW" altLang="en-US" dirty="0"/>
+          </a:p>
+        </p:txBody>
+      </p:sp>
+    </p:spTree>
+    <p:extLst>
+      <p:ext uri="{BB962C8B-B14F-4D97-AF65-F5344CB8AC3E}">
+        <p14:creationId xmlns:p14="http://schemas.microsoft.com/office/powerpoint/2010/main" val="1914598079"/>
+      </p:ext>
+    </p:extLst>
+  </p:cSld>
+  <p:clrMapOvr>
+    <a:masterClrMapping/>
+  </p:clrMapOvr>
+</p:sld>
+</file>
+
+<file path=ppt/slides/slide12.xml><?xml version="1.0" encoding="utf-8"?>
+<p:sld xmlns:a="http://schemas.openxmlformats.org/drawingml/2006/main" xmlns:r="http://schemas.openxmlformats.org/officeDocument/2006/relationships" xmlns:p="http://schemas.openxmlformats.org/presentationml/2006/main">
+  <p:cSld>
+    <p:spTree>
+      <p:nvGrpSpPr>
+        <p:cNvPr id="1" name=""/>
+        <p:cNvGrpSpPr/>
+        <p:nvPr/>
+      </p:nvGrpSpPr>
+      <p:grpSpPr>
+        <a:xfrm>
+          <a:off x="0" y="0"/>
+          <a:ext cx="0" cy="0"/>
+          <a:chOff x="0" y="0"/>
+          <a:chExt cx="0" cy="0"/>
+        </a:xfrm>
+      </p:grpSpPr>
+      <p:sp>
+        <p:nvSpPr>
+          <p:cNvPr id="2" name="標題 1"/>
+          <p:cNvSpPr>
+            <a:spLocks noGrp="1"/>
+          </p:cNvSpPr>
+          <p:nvPr>
+            <p:ph type="title"/>
+          </p:nvPr>
+        </p:nvSpPr>
+        <p:spPr/>
+        <p:txBody>
+          <a:bodyPr/>
+          <a:lstStyle/>
+          <a:p>
+            <a:r>
+              <a:rPr lang="zh-TW" altLang="en-US" dirty="0" smtClean="0"/>
+              <a:t>練習</a:t>
+            </a:r>
+            <a:endParaRPr lang="zh-TW" altLang="en-US" dirty="0"/>
+          </a:p>
+        </p:txBody>
+      </p:sp>
+      <p:sp>
+        <p:nvSpPr>
+          <p:cNvPr id="3" name="內容版面配置區 2"/>
+          <p:cNvSpPr>
+            <a:spLocks noGrp="1"/>
+          </p:cNvSpPr>
+          <p:nvPr>
+            <p:ph idx="1"/>
+          </p:nvPr>
+        </p:nvSpPr>
+        <p:spPr/>
+        <p:txBody>
+          <a:bodyPr/>
+          <a:lstStyle/>
+          <a:p>
+            <a:r>
+              <a:rPr lang="en-US" altLang="zh-TW" dirty="0" smtClean="0"/>
+              <a:t>1.</a:t>
+            </a:r>
+            <a:r>
+              <a:rPr lang="zh-TW" altLang="en-US" dirty="0"/>
+              <a:t>我要去</a:t>
+            </a:r>
+            <a:r>
+              <a:rPr lang="zh-TW" altLang="en-US" dirty="0" smtClean="0"/>
+              <a:t>買晚餐，如果我帶的錢大於</a:t>
+            </a:r>
+            <a:r>
+              <a:rPr lang="en-US" altLang="zh-TW" dirty="0" smtClean="0"/>
+              <a:t>100</a:t>
+            </a:r>
+            <a:r>
+              <a:rPr lang="zh-TW" altLang="en-US" dirty="0"/>
+              <a:t>我才要</a:t>
+            </a:r>
+            <a:r>
+              <a:rPr lang="zh-TW" altLang="en-US" dirty="0" smtClean="0"/>
+              <a:t>買，然後我只會買低於</a:t>
+            </a:r>
+            <a:r>
+              <a:rPr lang="en-US" altLang="zh-TW" dirty="0" smtClean="0"/>
+              <a:t>50</a:t>
+            </a:r>
+            <a:r>
+              <a:rPr lang="zh-TW" altLang="en-US" dirty="0" smtClean="0"/>
+              <a:t>塊錢的晚餐，而且店員要是妹子，而且他叫我帥哥我才要買</a:t>
+            </a:r>
+            <a:endParaRPr lang="en-US" altLang="zh-TW" dirty="0" smtClean="0"/>
+          </a:p>
+          <a:p>
+            <a:r>
+              <a:rPr lang="en-US" altLang="zh-TW" dirty="0" smtClean="0"/>
+              <a:t>2.</a:t>
+            </a:r>
+            <a:r>
+              <a:rPr lang="zh-TW" altLang="en-US" dirty="0" smtClean="0"/>
+              <a:t>判斷</a:t>
+            </a:r>
+            <a:r>
+              <a:rPr lang="zh-TW" altLang="en-US" dirty="0"/>
+              <a:t>是否為</a:t>
+            </a:r>
+            <a:r>
+              <a:rPr lang="en-US" altLang="zh-TW" dirty="0"/>
+              <a:t>3</a:t>
+            </a:r>
+            <a:r>
+              <a:rPr lang="zh-TW" altLang="en-US" dirty="0"/>
+              <a:t>的倍數？是否為</a:t>
+            </a:r>
+            <a:r>
+              <a:rPr lang="en-US" altLang="zh-TW" dirty="0"/>
+              <a:t>7</a:t>
+            </a:r>
+            <a:r>
+              <a:rPr lang="zh-TW" altLang="en-US" dirty="0"/>
+              <a:t>的倍數</a:t>
+            </a:r>
+            <a:r>
+              <a:rPr lang="zh-TW" altLang="en-US" dirty="0" smtClean="0"/>
+              <a:t>？</a:t>
+            </a:r>
+            <a:endParaRPr lang="en-US" altLang="zh-TW" dirty="0" smtClean="0"/>
+          </a:p>
+          <a:p>
+            <a:endParaRPr lang="zh-TW" altLang="en-US" dirty="0"/>
+          </a:p>
+          <a:p>
+            <a:endParaRPr lang="zh-TW" altLang="en-US" dirty="0"/>
+          </a:p>
+        </p:txBody>
+      </p:sp>
+    </p:spTree>
+    <p:extLst>
+      <p:ext uri="{BB962C8B-B14F-4D97-AF65-F5344CB8AC3E}">
+        <p14:creationId xmlns:p14="http://schemas.microsoft.com/office/powerpoint/2010/main" val="189764562"/>
+      </p:ext>
+    </p:extLst>
+  </p:cSld>
+  <p:clrMapOvr>
+    <a:masterClrMapping/>
+  </p:clrMapOvr>
+</p:sld>
+</file>
+
+<file path=ppt/slides/slide13.xml><?xml version="1.0" encoding="utf-8"?>
+<p:sld xmlns:a="http://schemas.openxmlformats.org/drawingml/2006/main" xmlns:r="http://schemas.openxmlformats.org/officeDocument/2006/relationships" xmlns:p="http://schemas.openxmlformats.org/presentationml/2006/main">
+  <p:cSld>
+    <p:spTree>
+      <p:nvGrpSpPr>
+        <p:cNvPr id="1" name=""/>
+        <p:cNvGrpSpPr/>
+        <p:nvPr/>
+      </p:nvGrpSpPr>
+      <p:grpSpPr>
+        <a:xfrm>
+          <a:off x="0" y="0"/>
+          <a:ext cx="0" cy="0"/>
+          <a:chOff x="0" y="0"/>
+          <a:chExt cx="0" cy="0"/>
+        </a:xfrm>
+      </p:grpSpPr>
+      <p:sp>
+        <p:nvSpPr>
+          <p:cNvPr id="2" name="標題 1"/>
+          <p:cNvSpPr>
+            <a:spLocks noGrp="1"/>
+          </p:cNvSpPr>
+          <p:nvPr>
+            <p:ph type="title"/>
+          </p:nvPr>
+        </p:nvSpPr>
+        <p:spPr/>
+        <p:txBody>
+          <a:bodyPr/>
+          <a:lstStyle/>
+          <a:p>
+            <a:r>
+              <a:rPr lang="zh-TW" altLang="en-US" dirty="0" smtClean="0"/>
+              <a:t>不要用使用波動拳</a:t>
+            </a:r>
+            <a:r>
+              <a:rPr lang="en-US" altLang="zh-TW" dirty="0" smtClean="0"/>
+              <a:t>!!!</a:t>
+            </a:r>
+            <a:endParaRPr lang="zh-TW" altLang="en-US" dirty="0"/>
+          </a:p>
+        </p:txBody>
+      </p:sp>
+      <p:pic>
+        <p:nvPicPr>
+          <p:cNvPr id="4" name="圖片 3"/>
+          <p:cNvPicPr>
+            <a:picLocks noChangeAspect="1"/>
+          </p:cNvPicPr>
+          <p:nvPr/>
+        </p:nvPicPr>
+        <p:blipFill>
+          <a:blip r:embed="rId2">
+            <a:extLst>
+              <a:ext uri="{28A0092B-C50C-407E-A947-70E740481C1C}">
+                <a14:useLocalDpi xmlns:a14="http://schemas.microsoft.com/office/drawing/2010/main" val="0"/>
+              </a:ext>
+            </a:extLst>
+          </a:blip>
+          <a:stretch>
+            <a:fillRect/>
+          </a:stretch>
+        </p:blipFill>
+        <p:spPr>
+          <a:xfrm>
+            <a:off x="3098292" y="1991605"/>
+            <a:ext cx="5995416" cy="4255080"/>
+          </a:xfrm>
+          <a:prstGeom prst="rect">
+            <a:avLst/>
+          </a:prstGeom>
+        </p:spPr>
+      </p:pic>
+    </p:spTree>
+    <p:extLst>
+      <p:ext uri="{BB962C8B-B14F-4D97-AF65-F5344CB8AC3E}">
+        <p14:creationId xmlns:p14="http://schemas.microsoft.com/office/powerpoint/2010/main" val="3446577498"/>
+      </p:ext>
+    </p:extLst>
+  </p:cSld>
+  <p:clrMapOvr>
+    <a:masterClrMapping/>
+  </p:clrMapOvr>
+</p:sld>
+</file>
+
+<file path=ppt/slides/slide14.xml><?xml version="1.0" encoding="utf-8"?>
+<p:sld xmlns:a="http://schemas.openxmlformats.org/drawingml/2006/main" xmlns:r="http://schemas.openxmlformats.org/officeDocument/2006/relationships" xmlns:p="http://schemas.openxmlformats.org/presentationml/2006/main">
+  <p:cSld>
+    <p:spTree>
+      <p:nvGrpSpPr>
+        <p:cNvPr id="1" name=""/>
+        <p:cNvGrpSpPr/>
+        <p:nvPr/>
+      </p:nvGrpSpPr>
+      <p:grpSpPr>
+        <a:xfrm>
+          <a:off x="0" y="0"/>
+          <a:ext cx="0" cy="0"/>
+          <a:chOff x="0" y="0"/>
+          <a:chExt cx="0" cy="0"/>
+        </a:xfrm>
+      </p:grpSpPr>
+      <p:sp>
+        <p:nvSpPr>
+          <p:cNvPr id="2" name="標題 1"/>
+          <p:cNvSpPr>
+            <a:spLocks noGrp="1"/>
+          </p:cNvSpPr>
+          <p:nvPr>
+            <p:ph type="title"/>
+          </p:nvPr>
+        </p:nvSpPr>
+        <p:spPr/>
+        <p:txBody>
+          <a:bodyPr/>
+          <a:lstStyle/>
+          <a:p>
+            <a:r>
+              <a:rPr lang="zh-TW" altLang="en-US" dirty="0" smtClean="0"/>
+              <a:t>邏輯運算子</a:t>
+            </a:r>
+            <a:endParaRPr lang="zh-TW" altLang="en-US" dirty="0"/>
+          </a:p>
+        </p:txBody>
+      </p:sp>
+      <p:sp>
+        <p:nvSpPr>
+          <p:cNvPr id="3" name="內容版面配置區 2"/>
+          <p:cNvSpPr>
+            <a:spLocks noGrp="1"/>
+          </p:cNvSpPr>
+          <p:nvPr>
+            <p:ph idx="1"/>
+          </p:nvPr>
+        </p:nvSpPr>
+        <p:spPr/>
+        <p:txBody>
+          <a:bodyPr/>
+          <a:lstStyle/>
+          <a:p>
+            <a:r>
+              <a:rPr lang="zh-TW" altLang="en-US" dirty="0" smtClean="0"/>
+              <a:t>而且 </a:t>
+            </a:r>
+            <a:r>
+              <a:rPr lang="en-US" altLang="zh-TW" dirty="0"/>
+              <a:t>(</a:t>
+            </a:r>
+            <a:r>
+              <a:rPr lang="en-US" altLang="zh-TW" dirty="0" smtClean="0"/>
+              <a:t>&amp;&amp;</a:t>
+            </a:r>
+            <a:r>
+              <a:rPr lang="zh-TW" altLang="en-US" dirty="0" smtClean="0"/>
+              <a:t>、</a:t>
+            </a:r>
+            <a:r>
+              <a:rPr lang="en-US" altLang="zh-TW" dirty="0" smtClean="0"/>
+              <a:t>and)</a:t>
+            </a:r>
+          </a:p>
+          <a:p>
+            <a:r>
+              <a:rPr lang="zh-TW" altLang="en-US" dirty="0" smtClean="0"/>
+              <a:t>或</a:t>
+            </a:r>
+            <a:r>
+              <a:rPr lang="en-US" altLang="zh-TW" dirty="0" smtClean="0"/>
+              <a:t>(</a:t>
+            </a:r>
+            <a:r>
+              <a:rPr lang="zh-TW" altLang="en-US" dirty="0" smtClean="0"/>
+              <a:t> </a:t>
+            </a:r>
+            <a:r>
+              <a:rPr lang="en-US" altLang="zh-TW" dirty="0" smtClean="0"/>
+              <a:t>||</a:t>
+            </a:r>
+            <a:r>
+              <a:rPr lang="zh-TW" altLang="en-US" dirty="0" smtClean="0"/>
+              <a:t> 、</a:t>
+            </a:r>
+            <a:r>
+              <a:rPr lang="en-US" altLang="zh-TW" dirty="0" smtClean="0"/>
+              <a:t>or)</a:t>
+            </a:r>
+          </a:p>
+          <a:p>
+            <a:r>
+              <a:rPr lang="zh-TW" altLang="en-US" dirty="0" smtClean="0"/>
+              <a:t>空集合</a:t>
+            </a:r>
+            <a:r>
+              <a:rPr lang="en-US" altLang="zh-TW" dirty="0" smtClean="0"/>
+              <a:t>(null)</a:t>
+            </a:r>
+            <a:endParaRPr lang="zh-TW" altLang="en-US" dirty="0"/>
+          </a:p>
+        </p:txBody>
+      </p:sp>
+    </p:spTree>
+    <p:extLst>
+      <p:ext uri="{BB962C8B-B14F-4D97-AF65-F5344CB8AC3E}">
+        <p14:creationId xmlns:p14="http://schemas.microsoft.com/office/powerpoint/2010/main" val="2509132976"/>
+      </p:ext>
+    </p:extLst>
+  </p:cSld>
+  <p:clrMapOvr>
+    <a:masterClrMapping/>
+  </p:clrMapOvr>
+</p:sld>
+</file>
+
+<file path=ppt/slides/slide15.xml><?xml version="1.0" encoding="utf-8"?>
+<p:sld xmlns:a="http://schemas.openxmlformats.org/drawingml/2006/main" xmlns:r="http://schemas.openxmlformats.org/officeDocument/2006/relationships" xmlns:p="http://schemas.openxmlformats.org/presentationml/2006/main">
+  <p:cSld>
+    <p:spTree>
+      <p:nvGrpSpPr>
+        <p:cNvPr id="1" name=""/>
+        <p:cNvGrpSpPr/>
+        <p:nvPr/>
+      </p:nvGrpSpPr>
+      <p:grpSpPr>
+        <a:xfrm>
+          <a:off x="0" y="0"/>
+          <a:ext cx="0" cy="0"/>
+          <a:chOff x="0" y="0"/>
+          <a:chExt cx="0" cy="0"/>
+        </a:xfrm>
+      </p:grpSpPr>
+      <p:sp>
+        <p:nvSpPr>
+          <p:cNvPr id="2" name="標題 1"/>
+          <p:cNvSpPr>
+            <a:spLocks noGrp="1"/>
+          </p:cNvSpPr>
+          <p:nvPr>
+            <p:ph type="title"/>
+          </p:nvPr>
+        </p:nvSpPr>
+        <p:spPr/>
+        <p:txBody>
+          <a:bodyPr/>
+          <a:lstStyle/>
+          <a:p>
+            <a:r>
+              <a:rPr lang="zh-TW" altLang="en-US" dirty="0" smtClean="0"/>
+              <a:t>迴圈</a:t>
+            </a:r>
+            <a:endParaRPr lang="zh-TW" altLang="en-US" dirty="0"/>
+          </a:p>
+        </p:txBody>
+      </p:sp>
+      <p:sp>
+        <p:nvSpPr>
+          <p:cNvPr id="3" name="內容版面配置區 2"/>
+          <p:cNvSpPr>
+            <a:spLocks noGrp="1"/>
+          </p:cNvSpPr>
+          <p:nvPr>
+            <p:ph idx="1"/>
+          </p:nvPr>
+        </p:nvSpPr>
+        <p:spPr/>
+        <p:txBody>
+          <a:bodyPr/>
+          <a:lstStyle/>
+          <a:p>
+            <a:r>
+              <a:rPr lang="zh-TW" altLang="en-US" dirty="0" smtClean="0"/>
+              <a:t>需要重複執行的程式，但我們不可能寫一句程式碼十行，所以寫一行請程式幫我們寫</a:t>
+            </a:r>
+            <a:r>
+              <a:rPr lang="en-US" altLang="zh-TW" dirty="0" smtClean="0"/>
+              <a:t>10</a:t>
+            </a:r>
+            <a:r>
+              <a:rPr lang="zh-TW" altLang="en-US" dirty="0" smtClean="0"/>
+              <a:t>行</a:t>
+            </a:r>
+            <a:endParaRPr lang="en-US" altLang="zh-TW" dirty="0" smtClean="0"/>
+          </a:p>
+          <a:p>
+            <a:r>
+              <a:rPr lang="zh-TW" altLang="en-US" dirty="0"/>
+              <a:t>迴圈三</a:t>
+            </a:r>
+            <a:r>
+              <a:rPr lang="zh-TW" altLang="en-US" dirty="0" smtClean="0"/>
+              <a:t>要素</a:t>
+            </a:r>
+            <a:endParaRPr lang="en-US" altLang="zh-TW" dirty="0" smtClean="0"/>
+          </a:p>
+          <a:p>
+            <a:pPr marL="0" indent="0">
+              <a:buNone/>
+            </a:pPr>
+            <a:r>
+              <a:rPr lang="en-US" altLang="zh-TW" dirty="0" smtClean="0"/>
+              <a:t>	1.</a:t>
+            </a:r>
+            <a:r>
+              <a:rPr lang="zh-TW" altLang="en-US" dirty="0" smtClean="0"/>
+              <a:t>初始條件</a:t>
+            </a:r>
+            <a:endParaRPr lang="en-US" altLang="zh-TW" dirty="0" smtClean="0"/>
+          </a:p>
+          <a:p>
+            <a:pPr marL="0" indent="0">
+              <a:buNone/>
+            </a:pPr>
+            <a:r>
+              <a:rPr lang="en-US" altLang="zh-TW" dirty="0"/>
+              <a:t>	</a:t>
+            </a:r>
+            <a:r>
+              <a:rPr lang="en-US" altLang="zh-TW" dirty="0" smtClean="0"/>
+              <a:t>2.</a:t>
+            </a:r>
+            <a:r>
+              <a:rPr lang="zh-TW" altLang="en-US" dirty="0" smtClean="0"/>
+              <a:t>判斷</a:t>
+            </a:r>
+            <a:r>
+              <a:rPr lang="en-US" altLang="zh-TW" dirty="0" smtClean="0"/>
+              <a:t>(</a:t>
+            </a:r>
+            <a:r>
+              <a:rPr lang="zh-TW" altLang="en-US" dirty="0" smtClean="0"/>
+              <a:t>停止</a:t>
+            </a:r>
+            <a:r>
+              <a:rPr lang="en-US" altLang="zh-TW" dirty="0" smtClean="0"/>
+              <a:t>)</a:t>
+            </a:r>
+            <a:r>
+              <a:rPr lang="zh-TW" altLang="en-US" dirty="0" smtClean="0"/>
+              <a:t>條件</a:t>
+            </a:r>
+            <a:endParaRPr lang="en-US" altLang="zh-TW" dirty="0" smtClean="0"/>
+          </a:p>
+          <a:p>
+            <a:pPr marL="0" indent="0">
+              <a:buNone/>
+            </a:pPr>
+            <a:r>
+              <a:rPr lang="en-US" altLang="zh-TW" dirty="0"/>
+              <a:t>	</a:t>
+            </a:r>
+            <a:r>
+              <a:rPr lang="en-US" altLang="zh-TW" dirty="0" smtClean="0"/>
+              <a:t>3.</a:t>
+            </a:r>
+            <a:r>
+              <a:rPr lang="zh-TW" altLang="en-US" dirty="0" smtClean="0"/>
+              <a:t>步進</a:t>
+            </a:r>
+            <a:endParaRPr lang="en-US" altLang="zh-TW" dirty="0" smtClean="0"/>
+          </a:p>
+        </p:txBody>
+      </p:sp>
+    </p:spTree>
+    <p:extLst>
+      <p:ext uri="{BB962C8B-B14F-4D97-AF65-F5344CB8AC3E}">
+        <p14:creationId xmlns:p14="http://schemas.microsoft.com/office/powerpoint/2010/main" val="1613854384"/>
+      </p:ext>
+    </p:extLst>
+  </p:cSld>
+  <p:clrMapOvr>
+    <a:masterClrMapping/>
+  </p:clrMapOvr>
+</p:sld>
+</file>
+
+<file path=ppt/slides/slide16.xml><?xml version="1.0" encoding="utf-8"?>
+<p:sld xmlns:a="http://schemas.openxmlformats.org/drawingml/2006/main" xmlns:r="http://schemas.openxmlformats.org/officeDocument/2006/relationships" xmlns:p="http://schemas.openxmlformats.org/presentationml/2006/main">
+  <p:cSld>
+    <p:spTree>
+      <p:nvGrpSpPr>
+        <p:cNvPr id="1" name=""/>
+        <p:cNvGrpSpPr/>
+        <p:nvPr/>
+      </p:nvGrpSpPr>
+      <p:grpSpPr>
+        <a:xfrm>
+          <a:off x="0" y="0"/>
+          <a:ext cx="0" cy="0"/>
+          <a:chOff x="0" y="0"/>
+          <a:chExt cx="0" cy="0"/>
+        </a:xfrm>
+      </p:grpSpPr>
+      <p:sp>
+        <p:nvSpPr>
+          <p:cNvPr id="2" name="標題 1"/>
+          <p:cNvSpPr>
+            <a:spLocks noGrp="1"/>
+          </p:cNvSpPr>
+          <p:nvPr>
+            <p:ph type="title"/>
+          </p:nvPr>
+        </p:nvSpPr>
+        <p:spPr/>
+        <p:txBody>
+          <a:bodyPr/>
+          <a:lstStyle/>
+          <a:p>
+            <a:r>
+              <a:rPr lang="zh-TW" altLang="en-US" dirty="0" smtClean="0"/>
+              <a:t>迴圈</a:t>
+            </a:r>
+            <a:endParaRPr lang="zh-TW" altLang="en-US" dirty="0"/>
+          </a:p>
+        </p:txBody>
+      </p:sp>
+      <p:pic>
+        <p:nvPicPr>
+          <p:cNvPr id="4" name="內容版面配置區 3"/>
+          <p:cNvPicPr>
+            <a:picLocks noGrp="1" noChangeAspect="1"/>
+          </p:cNvPicPr>
+          <p:nvPr>
+            <p:ph idx="1"/>
+          </p:nvPr>
+        </p:nvPicPr>
+        <p:blipFill>
+          <a:blip r:embed="rId2">
+            <a:extLst>
+              <a:ext uri="{28A0092B-C50C-407E-A947-70E740481C1C}">
+                <a14:useLocalDpi xmlns:a14="http://schemas.microsoft.com/office/drawing/2010/main" val="0"/>
+              </a:ext>
+            </a:extLst>
+          </a:blip>
+          <a:stretch>
+            <a:fillRect/>
+          </a:stretch>
+        </p:blipFill>
+        <p:spPr>
+          <a:xfrm>
+            <a:off x="2703062" y="1337074"/>
+            <a:ext cx="7446778" cy="5095163"/>
+          </a:xfrm>
+        </p:spPr>
+      </p:pic>
+    </p:spTree>
+    <p:extLst>
+      <p:ext uri="{BB962C8B-B14F-4D97-AF65-F5344CB8AC3E}">
+        <p14:creationId xmlns:p14="http://schemas.microsoft.com/office/powerpoint/2010/main" val="2925884527"/>
+      </p:ext>
+    </p:extLst>
+  </p:cSld>
+  <p:clrMapOvr>
+    <a:masterClrMapping/>
+  </p:clrMapOvr>
+</p:sld>
+</file>
+
+<file path=ppt/slides/slide17.xml><?xml version="1.0" encoding="utf-8"?>
+<p:sld xmlns:a="http://schemas.openxmlformats.org/drawingml/2006/main" xmlns:r="http://schemas.openxmlformats.org/officeDocument/2006/relationships" xmlns:p="http://schemas.openxmlformats.org/presentationml/2006/main">
+  <p:cSld>
+    <p:spTree>
+      <p:nvGrpSpPr>
+        <p:cNvPr id="1" name=""/>
+        <p:cNvGrpSpPr/>
+        <p:nvPr/>
+      </p:nvGrpSpPr>
+      <p:grpSpPr>
+        <a:xfrm>
+          <a:off x="0" y="0"/>
+          <a:ext cx="0" cy="0"/>
+          <a:chOff x="0" y="0"/>
+          <a:chExt cx="0" cy="0"/>
+        </a:xfrm>
+      </p:grpSpPr>
+      <p:sp>
+        <p:nvSpPr>
+          <p:cNvPr id="2" name="標題 1"/>
+          <p:cNvSpPr>
+            <a:spLocks noGrp="1"/>
+          </p:cNvSpPr>
+          <p:nvPr>
+            <p:ph type="title"/>
+          </p:nvPr>
+        </p:nvSpPr>
+        <p:spPr/>
+        <p:txBody>
+          <a:bodyPr/>
+          <a:lstStyle/>
+          <a:p>
+            <a:r>
+              <a:rPr lang="zh-TW" altLang="en-US" dirty="0" smtClean="0"/>
+              <a:t>迴圈進階應用</a:t>
+            </a:r>
+            <a:endParaRPr lang="zh-TW" altLang="en-US" dirty="0"/>
+          </a:p>
+        </p:txBody>
+      </p:sp>
+      <p:sp>
+        <p:nvSpPr>
+          <p:cNvPr id="3" name="內容版面配置區 2"/>
+          <p:cNvSpPr>
+            <a:spLocks noGrp="1"/>
+          </p:cNvSpPr>
+          <p:nvPr>
+            <p:ph idx="1"/>
+          </p:nvPr>
+        </p:nvSpPr>
+        <p:spPr/>
+        <p:txBody>
+          <a:bodyPr/>
+          <a:lstStyle/>
+          <a:p>
+            <a:r>
+              <a:rPr lang="en-US" altLang="zh-TW" dirty="0" smtClean="0"/>
+              <a:t>break(</a:t>
+            </a:r>
+            <a:r>
+              <a:rPr lang="zh-TW" altLang="en-US" dirty="0" smtClean="0"/>
+              <a:t>跳出迴圈</a:t>
+            </a:r>
+            <a:r>
+              <a:rPr lang="en-US" altLang="zh-TW" dirty="0" smtClean="0"/>
+              <a:t>)</a:t>
+            </a:r>
+          </a:p>
+          <a:p>
+            <a:r>
+              <a:rPr lang="en-US" altLang="zh-TW" dirty="0"/>
+              <a:t>c</a:t>
+            </a:r>
+            <a:r>
+              <a:rPr lang="en-US" altLang="zh-TW" dirty="0" smtClean="0"/>
+              <a:t>ontinue(</a:t>
+            </a:r>
+            <a:r>
+              <a:rPr lang="zh-TW" altLang="en-US" dirty="0" smtClean="0"/>
+              <a:t>放棄本次迴圈</a:t>
+            </a:r>
+            <a:r>
+              <a:rPr lang="en-US" altLang="zh-TW" dirty="0" smtClean="0"/>
+              <a:t>)</a:t>
+            </a:r>
+            <a:endParaRPr lang="en-US" altLang="zh-TW" dirty="0"/>
+          </a:p>
+          <a:p>
+            <a:endParaRPr lang="zh-TW" altLang="en-US" dirty="0"/>
+          </a:p>
+        </p:txBody>
+      </p:sp>
+    </p:spTree>
+    <p:extLst>
+      <p:ext uri="{BB962C8B-B14F-4D97-AF65-F5344CB8AC3E}">
+        <p14:creationId xmlns:p14="http://schemas.microsoft.com/office/powerpoint/2010/main" val="2647372135"/>
+      </p:ext>
+    </p:extLst>
+  </p:cSld>
+  <p:clrMapOvr>
+    <a:masterClrMapping/>
+  </p:clrMapOvr>
+</p:sld>
+</file>
+
+<file path=ppt/slides/slide18.xml><?xml version="1.0" encoding="utf-8"?>
+<p:sld xmlns:a="http://schemas.openxmlformats.org/drawingml/2006/main" xmlns:r="http://schemas.openxmlformats.org/officeDocument/2006/relationships" xmlns:p="http://schemas.openxmlformats.org/presentationml/2006/main">
+  <p:cSld>
+    <p:spTree>
+      <p:nvGrpSpPr>
+        <p:cNvPr id="1" name=""/>
+        <p:cNvGrpSpPr/>
+        <p:nvPr/>
+      </p:nvGrpSpPr>
+      <p:grpSpPr>
+        <a:xfrm>
+          <a:off x="0" y="0"/>
+          <a:ext cx="0" cy="0"/>
+          <a:chOff x="0" y="0"/>
+          <a:chExt cx="0" cy="0"/>
+        </a:xfrm>
+      </p:grpSpPr>
+      <p:sp>
+        <p:nvSpPr>
+          <p:cNvPr id="2" name="標題 1"/>
+          <p:cNvSpPr>
+            <a:spLocks noGrp="1"/>
+          </p:cNvSpPr>
+          <p:nvPr>
+            <p:ph type="title"/>
+          </p:nvPr>
+        </p:nvSpPr>
+        <p:spPr/>
+        <p:txBody>
+          <a:bodyPr/>
+          <a:lstStyle/>
+          <a:p>
+            <a:r>
+              <a:rPr lang="zh-TW" altLang="en-US" dirty="0" smtClean="0"/>
+              <a:t>陣列</a:t>
+            </a:r>
+            <a:endParaRPr lang="zh-TW" altLang="en-US" dirty="0"/>
+          </a:p>
+        </p:txBody>
+      </p:sp>
+      <p:sp>
+        <p:nvSpPr>
+          <p:cNvPr id="3" name="內容版面配置區 2"/>
+          <p:cNvSpPr>
+            <a:spLocks noGrp="1"/>
+          </p:cNvSpPr>
+          <p:nvPr>
+            <p:ph idx="1"/>
+          </p:nvPr>
+        </p:nvSpPr>
+        <p:spPr/>
+        <p:txBody>
+          <a:bodyPr/>
+          <a:lstStyle/>
+          <a:p>
+            <a:r>
+              <a:rPr lang="zh-TW" altLang="en-US" dirty="0" smtClean="0"/>
+              <a:t>一個變數</a:t>
+            </a:r>
+            <a:r>
+              <a:rPr lang="zh-TW" altLang="en-US" dirty="0"/>
+              <a:t>可</a:t>
+            </a:r>
+            <a:r>
+              <a:rPr lang="zh-TW" altLang="en-US" dirty="0" smtClean="0"/>
+              <a:t>裝多個資料</a:t>
+            </a:r>
+            <a:endParaRPr lang="en-US" altLang="zh-TW" dirty="0" smtClean="0"/>
+          </a:p>
+          <a:p>
+            <a:r>
+              <a:rPr lang="en-US" altLang="zh-TW" dirty="0" smtClean="0"/>
+              <a:t>$</a:t>
+            </a:r>
+            <a:r>
+              <a:rPr lang="en-US" altLang="zh-TW" dirty="0" err="1"/>
+              <a:t>arr</a:t>
+            </a:r>
+            <a:r>
+              <a:rPr lang="en-US" altLang="zh-TW" dirty="0"/>
+              <a:t> = array</a:t>
+            </a:r>
+            <a:r>
+              <a:rPr lang="en-US" altLang="zh-TW" dirty="0" smtClean="0"/>
+              <a:t>(</a:t>
+            </a:r>
+            <a:r>
+              <a:rPr lang="zh-TW" altLang="en-US" dirty="0" smtClean="0"/>
+              <a:t>資料</a:t>
+            </a:r>
+            <a:r>
+              <a:rPr lang="en-US" altLang="zh-TW" dirty="0" smtClean="0"/>
+              <a:t>,</a:t>
+            </a:r>
+            <a:r>
+              <a:rPr lang="zh-TW" altLang="en-US" dirty="0" smtClean="0"/>
+              <a:t>資料</a:t>
+            </a:r>
+            <a:r>
+              <a:rPr lang="en-US" altLang="zh-TW" dirty="0" smtClean="0"/>
+              <a:t>,</a:t>
+            </a:r>
+            <a:r>
+              <a:rPr lang="zh-TW" altLang="en-US" dirty="0"/>
+              <a:t>資料</a:t>
+            </a:r>
+            <a:r>
+              <a:rPr lang="en-US" altLang="zh-TW" dirty="0" smtClean="0"/>
+              <a:t>);</a:t>
+            </a:r>
+            <a:r>
+              <a:rPr lang="en-US" altLang="zh-TW" dirty="0"/>
+              <a:t> </a:t>
+            </a:r>
+            <a:endParaRPr lang="en-US" altLang="zh-TW" dirty="0" smtClean="0"/>
+          </a:p>
+          <a:p>
+            <a:r>
+              <a:rPr lang="en-US" altLang="zh-TW" dirty="0" err="1"/>
+              <a:t>p</a:t>
+            </a:r>
+            <a:r>
+              <a:rPr lang="en-US" altLang="zh-TW" dirty="0" err="1" smtClean="0"/>
+              <a:t>rint_r</a:t>
+            </a:r>
+            <a:r>
+              <a:rPr lang="en-US" altLang="zh-TW" dirty="0" smtClean="0"/>
+              <a:t>  =&gt;</a:t>
+            </a:r>
+            <a:r>
+              <a:rPr lang="zh-TW" altLang="en-US" dirty="0" smtClean="0"/>
+              <a:t>查看陣列結構</a:t>
+            </a:r>
+            <a:endParaRPr lang="en-US" altLang="zh-TW" dirty="0" smtClean="0"/>
+          </a:p>
+          <a:p>
+            <a:r>
+              <a:rPr lang="en-US" altLang="zh-TW" dirty="0" err="1" smtClean="0"/>
+              <a:t>array_push</a:t>
+            </a:r>
+            <a:r>
+              <a:rPr lang="en-US" altLang="zh-TW" dirty="0" smtClean="0"/>
+              <a:t>(</a:t>
+            </a:r>
+            <a:r>
+              <a:rPr lang="zh-TW" altLang="en-US" dirty="0"/>
+              <a:t>陣列變數</a:t>
+            </a:r>
+            <a:r>
+              <a:rPr lang="en-US" altLang="zh-TW" dirty="0"/>
+              <a:t>, </a:t>
+            </a:r>
+            <a:r>
+              <a:rPr lang="zh-TW" altLang="en-US" dirty="0"/>
+              <a:t>一個內容值</a:t>
+            </a:r>
+            <a:r>
+              <a:rPr lang="en-US" altLang="zh-TW" dirty="0" smtClean="0"/>
+              <a:t>) </a:t>
+            </a:r>
+            <a:r>
+              <a:rPr lang="zh-TW" altLang="en-US" dirty="0" smtClean="0"/>
+              <a:t>新增資料進陣列，會排在最後</a:t>
+            </a:r>
+            <a:endParaRPr lang="en-US" altLang="zh-TW" dirty="0" smtClean="0"/>
+          </a:p>
+          <a:p>
+            <a:r>
+              <a:rPr lang="en-US" altLang="zh-TW" dirty="0" smtClean="0"/>
+              <a:t>count(</a:t>
+            </a:r>
+            <a:r>
+              <a:rPr lang="zh-TW" altLang="en-US" dirty="0"/>
+              <a:t>陣列</a:t>
+            </a:r>
+            <a:r>
+              <a:rPr lang="zh-TW" altLang="en-US" dirty="0" smtClean="0"/>
+              <a:t>變數</a:t>
+            </a:r>
+            <a:r>
+              <a:rPr lang="en-US" altLang="zh-TW" dirty="0" smtClean="0"/>
+              <a:t>) =&gt;</a:t>
+            </a:r>
+            <a:r>
+              <a:rPr lang="zh-TW" altLang="en-US" dirty="0" smtClean="0"/>
+              <a:t>查看陣列長度</a:t>
+            </a:r>
+            <a:endParaRPr lang="en-US" altLang="zh-TW" dirty="0" smtClean="0"/>
+          </a:p>
+          <a:p>
+            <a:r>
+              <a:rPr lang="en-US" altLang="zh-TW" dirty="0" err="1"/>
+              <a:t>in_array</a:t>
+            </a:r>
+            <a:r>
+              <a:rPr lang="en-US" altLang="zh-TW" dirty="0"/>
+              <a:t>( </a:t>
+            </a:r>
+            <a:r>
+              <a:rPr lang="zh-TW" altLang="en-US" dirty="0"/>
+              <a:t>查詢的內容值</a:t>
+            </a:r>
+            <a:r>
+              <a:rPr lang="en-US" altLang="zh-TW" dirty="0"/>
+              <a:t>, </a:t>
+            </a:r>
+            <a:r>
+              <a:rPr lang="zh-TW" altLang="en-US" dirty="0"/>
+              <a:t>陣列變數 </a:t>
+            </a:r>
+            <a:r>
+              <a:rPr lang="en-US" altLang="zh-TW" dirty="0"/>
+              <a:t>) </a:t>
+            </a:r>
+            <a:r>
+              <a:rPr lang="zh-TW" altLang="en-US" dirty="0"/>
+              <a:t>判斷指定的內容值是不是已經在陣列中</a:t>
+            </a:r>
+            <a:endParaRPr lang="en-US" altLang="zh-TW" dirty="0" smtClean="0"/>
+          </a:p>
+          <a:p>
+            <a:pPr marL="0" indent="0">
+              <a:buNone/>
+            </a:pPr>
+            <a:endParaRPr lang="en-US" altLang="zh-TW" dirty="0"/>
+          </a:p>
+          <a:p>
+            <a:endParaRPr lang="zh-TW" altLang="en-US" dirty="0"/>
+          </a:p>
+        </p:txBody>
+      </p:sp>
+    </p:spTree>
+    <p:extLst>
+      <p:ext uri="{BB962C8B-B14F-4D97-AF65-F5344CB8AC3E}">
+        <p14:creationId xmlns:p14="http://schemas.microsoft.com/office/powerpoint/2010/main" val="4052969005"/>
+      </p:ext>
+    </p:extLst>
+  </p:cSld>
+  <p:clrMapOvr>
+    <a:masterClrMapping/>
+  </p:clrMapOvr>
+</p:sld>
+</file>
+
+<file path=ppt/slides/slide19.xml><?xml version="1.0" encoding="utf-8"?>
+<p:sld xmlns:a="http://schemas.openxmlformats.org/drawingml/2006/main" xmlns:r="http://schemas.openxmlformats.org/officeDocument/2006/relationships" xmlns:p="http://schemas.openxmlformats.org/presentationml/2006/main">
+  <p:cSld>
+    <p:spTree>
+      <p:nvGrpSpPr>
+        <p:cNvPr id="1" name=""/>
+        <p:cNvGrpSpPr/>
+        <p:nvPr/>
+      </p:nvGrpSpPr>
+      <p:grpSpPr>
+        <a:xfrm>
+          <a:off x="0" y="0"/>
+          <a:ext cx="0" cy="0"/>
+          <a:chOff x="0" y="0"/>
+          <a:chExt cx="0" cy="0"/>
+        </a:xfrm>
+      </p:grpSpPr>
+      <p:sp>
+        <p:nvSpPr>
+          <p:cNvPr id="2" name="標題 1"/>
+          <p:cNvSpPr>
+            <a:spLocks noGrp="1"/>
+          </p:cNvSpPr>
+          <p:nvPr>
+            <p:ph type="title"/>
+          </p:nvPr>
+        </p:nvSpPr>
+        <p:spPr/>
+        <p:txBody>
+          <a:bodyPr/>
+          <a:lstStyle/>
+          <a:p>
+            <a:r>
+              <a:rPr lang="zh-TW" altLang="en-US" dirty="0" smtClean="0"/>
+              <a:t>如何將陣列資料一筆一筆列出來</a:t>
+            </a:r>
+            <a:r>
+              <a:rPr lang="en-US" altLang="zh-TW" dirty="0" smtClean="0"/>
+              <a:t>?</a:t>
+            </a:r>
+            <a:endParaRPr lang="zh-TW" altLang="en-US" dirty="0"/>
+          </a:p>
+        </p:txBody>
+      </p:sp>
+      <p:sp>
+        <p:nvSpPr>
+          <p:cNvPr id="3" name="內容版面配置區 2"/>
+          <p:cNvSpPr>
+            <a:spLocks noGrp="1"/>
+          </p:cNvSpPr>
+          <p:nvPr>
+            <p:ph idx="1"/>
+          </p:nvPr>
+        </p:nvSpPr>
+        <p:spPr/>
+        <p:txBody>
+          <a:bodyPr/>
+          <a:lstStyle/>
+          <a:p>
+            <a:r>
+              <a:rPr lang="en-US" altLang="zh-TW" dirty="0" smtClean="0"/>
+              <a:t>for</a:t>
+            </a:r>
+            <a:r>
+              <a:rPr lang="zh-TW" altLang="en-US" dirty="0" smtClean="0"/>
+              <a:t>迴圈</a:t>
+            </a:r>
+            <a:endParaRPr lang="en-US" altLang="zh-TW" dirty="0" smtClean="0"/>
+          </a:p>
+          <a:p>
+            <a:r>
+              <a:rPr lang="en-US" altLang="zh-TW" dirty="0" err="1" smtClean="0"/>
+              <a:t>Foreach</a:t>
+            </a:r>
+            <a:r>
+              <a:rPr lang="zh-TW" altLang="en-US" dirty="0" smtClean="0"/>
+              <a:t>迴圈</a:t>
+            </a:r>
+            <a:r>
+              <a:rPr lang="en-US" altLang="zh-TW" dirty="0" smtClean="0"/>
+              <a:t>(</a:t>
+            </a:r>
+            <a:r>
+              <a:rPr lang="zh-TW" altLang="en-US" dirty="0" smtClean="0"/>
+              <a:t>專門給陣列資料使用</a:t>
+            </a:r>
+            <a:r>
+              <a:rPr lang="en-US" altLang="zh-TW" dirty="0" smtClean="0"/>
+              <a:t>)</a:t>
+            </a:r>
+          </a:p>
+          <a:p>
+            <a:r>
+              <a:rPr lang="en-US" altLang="zh-TW" dirty="0" err="1"/>
+              <a:t>foreach</a:t>
+            </a:r>
+            <a:r>
+              <a:rPr lang="en-US" altLang="zh-TW" dirty="0"/>
+              <a:t> ( </a:t>
+            </a:r>
+            <a:r>
+              <a:rPr lang="zh-TW" altLang="en-US" dirty="0"/>
+              <a:t>陣列名稱  </a:t>
+            </a:r>
+            <a:r>
+              <a:rPr lang="en-US" altLang="zh-TW" dirty="0" smtClean="0"/>
+              <a:t>as</a:t>
+            </a:r>
+            <a:r>
+              <a:rPr lang="zh-TW" altLang="en-US" dirty="0" smtClean="0"/>
+              <a:t>  索引</a:t>
+            </a:r>
+            <a:r>
+              <a:rPr lang="zh-TW" altLang="en-US" dirty="0"/>
+              <a:t>值 </a:t>
+            </a:r>
+            <a:r>
+              <a:rPr lang="en-US" altLang="zh-TW" dirty="0"/>
+              <a:t>=&gt; </a:t>
+            </a:r>
+            <a:r>
+              <a:rPr lang="zh-TW" altLang="en-US" dirty="0" smtClean="0"/>
+              <a:t>內容</a:t>
+            </a:r>
+            <a:r>
+              <a:rPr lang="zh-TW" altLang="en-US" dirty="0"/>
+              <a:t>值 </a:t>
+            </a:r>
+            <a:r>
+              <a:rPr lang="en-US" altLang="zh-TW" dirty="0"/>
+              <a:t>)</a:t>
+            </a:r>
+            <a:endParaRPr lang="zh-TW" altLang="en-US" dirty="0"/>
+          </a:p>
+        </p:txBody>
+      </p:sp>
+    </p:spTree>
+    <p:extLst>
+      <p:ext uri="{BB962C8B-B14F-4D97-AF65-F5344CB8AC3E}">
+        <p14:creationId xmlns:p14="http://schemas.microsoft.com/office/powerpoint/2010/main" val="4131567997"/>
+      </p:ext>
+    </p:extLst>
+  </p:cSld>
+  <p:clrMapOvr>
+    <a:masterClrMapping/>
+  </p:clrMapOvr>
+</p:sld>
+</file>
+
+<file path=ppt/slides/slide2.xml><?xml version="1.0" encoding="utf-8"?>
+<p:sld xmlns:a="http://schemas.openxmlformats.org/drawingml/2006/main" xmlns:r="http://schemas.openxmlformats.org/officeDocument/2006/relationships" xmlns:p="http://schemas.openxmlformats.org/presentationml/2006/main">
+  <p:cSld>
+    <p:spTree>
+      <p:nvGrpSpPr>
+        <p:cNvPr id="1" name=""/>
+        <p:cNvGrpSpPr/>
+        <p:nvPr/>
+      </p:nvGrpSpPr>
+      <p:grpSpPr>
+        <a:xfrm>
+          <a:off x="0" y="0"/>
+          <a:ext cx="0" cy="0"/>
+          <a:chOff x="0" y="0"/>
+          <a:chExt cx="0" cy="0"/>
+        </a:xfrm>
+      </p:grpSpPr>
+      <p:sp>
+        <p:nvSpPr>
+          <p:cNvPr id="2" name="標題 1"/>
+          <p:cNvSpPr>
+            <a:spLocks noGrp="1"/>
+          </p:cNvSpPr>
+          <p:nvPr>
+            <p:ph type="title"/>
+          </p:nvPr>
+        </p:nvSpPr>
+        <p:spPr/>
+        <p:txBody>
+          <a:bodyPr/>
+          <a:lstStyle/>
+          <a:p>
+            <a:r>
+              <a:rPr lang="en-US" altLang="zh-TW" dirty="0" smtClean="0"/>
+              <a:t>PHP</a:t>
+            </a:r>
+            <a:r>
+              <a:rPr lang="zh-TW" altLang="en-US" dirty="0" smtClean="0"/>
+              <a:t>是什麼</a:t>
+            </a:r>
+            <a:r>
+              <a:rPr lang="en-US" altLang="zh-TW" dirty="0" smtClean="0"/>
+              <a:t>?</a:t>
+            </a:r>
+            <a:endParaRPr lang="zh-TW" altLang="en-US" dirty="0"/>
+          </a:p>
+        </p:txBody>
+      </p:sp>
+      <p:sp>
+        <p:nvSpPr>
+          <p:cNvPr id="3" name="內容版面配置區 2"/>
+          <p:cNvSpPr>
+            <a:spLocks noGrp="1"/>
+          </p:cNvSpPr>
+          <p:nvPr>
+            <p:ph idx="1"/>
+          </p:nvPr>
+        </p:nvSpPr>
+        <p:spPr>
+          <a:xfrm>
+            <a:off x="911352" y="1414145"/>
+            <a:ext cx="10515600" cy="4035679"/>
+          </a:xfrm>
+        </p:spPr>
+        <p:txBody>
+          <a:bodyPr>
+            <a:normAutofit/>
+          </a:bodyPr>
+          <a:lstStyle/>
+          <a:p>
+            <a:pPr marL="0" indent="0">
+              <a:buNone/>
+            </a:pPr>
+            <a:r>
+              <a:rPr lang="en-US" altLang="zh-TW" dirty="0">
+                <a:solidFill>
+                  <a:srgbClr val="FF0000"/>
+                </a:solidFill>
+              </a:rPr>
+              <a:t>P</a:t>
+            </a:r>
+            <a:r>
+              <a:rPr lang="en-US" altLang="zh-TW" dirty="0"/>
+              <a:t>HP</a:t>
+            </a:r>
+            <a:r>
+              <a:rPr lang="zh-TW" altLang="en-US" dirty="0"/>
+              <a:t>：</a:t>
+            </a:r>
+            <a:r>
+              <a:rPr lang="en-US" altLang="zh-TW" dirty="0" smtClean="0">
+                <a:solidFill>
+                  <a:srgbClr val="FF0000"/>
+                </a:solidFill>
+              </a:rPr>
+              <a:t>H</a:t>
+            </a:r>
+            <a:r>
+              <a:rPr lang="en-US" altLang="zh-TW" dirty="0" smtClean="0"/>
+              <a:t>ypertext  </a:t>
+            </a:r>
+            <a:r>
+              <a:rPr lang="en-US" altLang="zh-TW" dirty="0" smtClean="0">
+                <a:solidFill>
+                  <a:srgbClr val="FF0000"/>
+                </a:solidFill>
+              </a:rPr>
+              <a:t>P</a:t>
+            </a:r>
+            <a:r>
+              <a:rPr lang="en-US" altLang="zh-TW" dirty="0" smtClean="0"/>
+              <a:t>reprocessor</a:t>
+            </a:r>
+            <a:r>
+              <a:rPr lang="zh-TW" altLang="en-US" dirty="0" smtClean="0"/>
+              <a:t> </a:t>
+            </a:r>
+            <a:endParaRPr lang="en-US" altLang="zh-TW" dirty="0" smtClean="0"/>
+          </a:p>
+          <a:p>
+            <a:pPr marL="0" indent="0">
+              <a:buNone/>
+            </a:pPr>
+            <a:r>
+              <a:rPr lang="en-US" altLang="zh-TW" dirty="0" smtClean="0"/>
+              <a:t>Hypertext:</a:t>
+            </a:r>
+            <a:r>
+              <a:rPr lang="zh-TW" altLang="en-US" dirty="0"/>
+              <a:t>超</a:t>
+            </a:r>
+            <a:r>
+              <a:rPr lang="zh-TW" altLang="en-US" dirty="0" smtClean="0"/>
+              <a:t>本文</a:t>
+            </a:r>
+            <a:endParaRPr lang="en-US" altLang="zh-TW" dirty="0"/>
+          </a:p>
+          <a:p>
+            <a:pPr marL="0" indent="0">
+              <a:buNone/>
+            </a:pPr>
+            <a:r>
+              <a:rPr lang="en-US" altLang="zh-TW" dirty="0" smtClean="0"/>
+              <a:t>Preprocessor:</a:t>
+            </a:r>
+            <a:r>
+              <a:rPr lang="zh-TW" altLang="en-US" dirty="0" smtClean="0"/>
+              <a:t>預處理器</a:t>
+            </a:r>
+            <a:endParaRPr lang="en-US" altLang="zh-TW" dirty="0" smtClean="0"/>
+          </a:p>
+          <a:p>
+            <a:pPr>
+              <a:buFont typeface="Wingdings" panose="05000000000000000000" pitchFamily="2" charset="2"/>
+              <a:buChar char="ü"/>
+            </a:pPr>
+            <a:r>
+              <a:rPr lang="zh-TW" altLang="en-US" dirty="0" smtClean="0"/>
+              <a:t>編寫動態網頁</a:t>
+            </a:r>
+            <a:endParaRPr lang="en-US" altLang="zh-TW" dirty="0" smtClean="0"/>
+          </a:p>
+          <a:p>
+            <a:pPr>
+              <a:buFont typeface="Wingdings" panose="05000000000000000000" pitchFamily="2" charset="2"/>
+              <a:buChar char="ü"/>
+            </a:pPr>
+            <a:r>
+              <a:rPr lang="zh-TW" altLang="en-US" dirty="0"/>
+              <a:t>可嵌入</a:t>
+            </a:r>
+            <a:r>
+              <a:rPr lang="en-US" altLang="zh-TW" dirty="0" smtClean="0"/>
+              <a:t>HTML</a:t>
+            </a:r>
+          </a:p>
+          <a:p>
+            <a:pPr>
+              <a:buFont typeface="Wingdings" panose="05000000000000000000" pitchFamily="2" charset="2"/>
+              <a:buChar char="ü"/>
+            </a:pPr>
+            <a:r>
+              <a:rPr lang="zh-TW" altLang="en-US" dirty="0"/>
+              <a:t>可串接</a:t>
+            </a:r>
+            <a:r>
+              <a:rPr lang="zh-TW" altLang="en-US" dirty="0" smtClean="0"/>
+              <a:t>資料庫</a:t>
+            </a:r>
+            <a:endParaRPr lang="en-US" altLang="zh-TW" dirty="0" smtClean="0"/>
+          </a:p>
+          <a:p>
+            <a:pPr>
+              <a:buFont typeface="Wingdings" panose="05000000000000000000" pitchFamily="2" charset="2"/>
+              <a:buChar char="ü"/>
+            </a:pPr>
+            <a:endParaRPr lang="en-US" altLang="zh-TW" dirty="0">
+              <a:solidFill>
+                <a:srgbClr val="FF0000"/>
+              </a:solidFill>
+            </a:endParaRPr>
+          </a:p>
+          <a:p>
+            <a:pPr marL="0" indent="0">
+              <a:buNone/>
+            </a:pPr>
+            <a:r>
+              <a:rPr lang="zh-TW" altLang="en-US" sz="2000" dirty="0">
+                <a:solidFill>
+                  <a:schemeClr val="accent1"/>
+                </a:solidFill>
+              </a:rPr>
+              <a:t>根據</a:t>
+            </a:r>
+            <a:r>
+              <a:rPr lang="en-US" altLang="zh-TW" sz="2000" dirty="0">
+                <a:solidFill>
+                  <a:schemeClr val="accent1"/>
+                </a:solidFill>
+              </a:rPr>
+              <a:t>W3Techs</a:t>
+            </a:r>
+            <a:r>
+              <a:rPr lang="zh-TW" altLang="en-US" sz="2000" dirty="0">
+                <a:solidFill>
+                  <a:schemeClr val="accent1"/>
+                </a:solidFill>
+              </a:rPr>
+              <a:t>的報告，截至</a:t>
+            </a:r>
+            <a:r>
+              <a:rPr lang="en-US" altLang="zh-TW" sz="2000" dirty="0">
+                <a:solidFill>
+                  <a:schemeClr val="accent1"/>
+                </a:solidFill>
+              </a:rPr>
+              <a:t>2021</a:t>
+            </a:r>
+            <a:r>
+              <a:rPr lang="zh-TW" altLang="en-US" sz="2000" dirty="0">
+                <a:solidFill>
+                  <a:schemeClr val="accent1"/>
+                </a:solidFill>
+              </a:rPr>
+              <a:t>年</a:t>
+            </a:r>
+            <a:r>
+              <a:rPr lang="en-US" altLang="zh-TW" sz="2000" dirty="0">
+                <a:solidFill>
+                  <a:schemeClr val="accent1"/>
+                </a:solidFill>
+              </a:rPr>
+              <a:t>9</a:t>
+            </a:r>
+            <a:r>
+              <a:rPr lang="zh-TW" altLang="en-US" sz="2000" dirty="0">
+                <a:solidFill>
+                  <a:schemeClr val="accent1"/>
+                </a:solidFill>
+              </a:rPr>
+              <a:t>月：「有</a:t>
+            </a:r>
+            <a:r>
+              <a:rPr lang="en-US" altLang="zh-TW" sz="2000" dirty="0">
+                <a:solidFill>
+                  <a:schemeClr val="accent1"/>
+                </a:solidFill>
+              </a:rPr>
+              <a:t>78.9%</a:t>
+            </a:r>
+            <a:r>
+              <a:rPr lang="zh-TW" altLang="en-US" sz="2000" dirty="0">
+                <a:solidFill>
+                  <a:schemeClr val="accent1"/>
+                </a:solidFill>
+              </a:rPr>
+              <a:t>的網站使用</a:t>
+            </a:r>
+            <a:r>
+              <a:rPr lang="en-US" altLang="zh-TW" sz="2000" dirty="0">
+                <a:solidFill>
+                  <a:schemeClr val="accent1"/>
+                </a:solidFill>
+              </a:rPr>
+              <a:t>PHP</a:t>
+            </a:r>
+            <a:r>
+              <a:rPr lang="zh-TW" altLang="en-US" sz="2000" dirty="0">
+                <a:solidFill>
+                  <a:schemeClr val="accent1"/>
+                </a:solidFill>
+              </a:rPr>
+              <a:t>。」</a:t>
+            </a:r>
+            <a:endParaRPr lang="zh-TW" altLang="en-US" sz="2000" dirty="0">
+              <a:solidFill>
+                <a:schemeClr val="accent1"/>
+              </a:solidFill>
+            </a:endParaRPr>
+          </a:p>
+        </p:txBody>
+      </p:sp>
+    </p:spTree>
+    <p:extLst>
+      <p:ext uri="{BB962C8B-B14F-4D97-AF65-F5344CB8AC3E}">
+        <p14:creationId xmlns:p14="http://schemas.microsoft.com/office/powerpoint/2010/main" val="2759090205"/>
+      </p:ext>
+    </p:extLst>
+  </p:cSld>
+  <p:clrMapOvr>
+    <a:masterClrMapping/>
+  </p:clrMapOvr>
+</p:sld>
+</file>
+
+<file path=ppt/slides/slide20.xml><?xml version="1.0" encoding="utf-8"?>
+<p:sld xmlns:a="http://schemas.openxmlformats.org/drawingml/2006/main" xmlns:r="http://schemas.openxmlformats.org/officeDocument/2006/relationships" xmlns:p="http://schemas.openxmlformats.org/presentationml/2006/main">
+  <p:cSld>
+    <p:spTree>
+      <p:nvGrpSpPr>
+        <p:cNvPr id="1" name=""/>
+        <p:cNvGrpSpPr/>
+        <p:nvPr/>
+      </p:nvGrpSpPr>
+      <p:grpSpPr>
+        <a:xfrm>
+          <a:off x="0" y="0"/>
+          <a:ext cx="0" cy="0"/>
+          <a:chOff x="0" y="0"/>
+          <a:chExt cx="0" cy="0"/>
+        </a:xfrm>
+      </p:grpSpPr>
+      <p:sp>
+        <p:nvSpPr>
+          <p:cNvPr id="2" name="標題 1"/>
+          <p:cNvSpPr>
+            <a:spLocks noGrp="1"/>
+          </p:cNvSpPr>
+          <p:nvPr>
+            <p:ph type="title"/>
+          </p:nvPr>
+        </p:nvSpPr>
+        <p:spPr/>
+        <p:txBody>
+          <a:bodyPr/>
+          <a:lstStyle/>
+          <a:p>
+            <a:r>
+              <a:rPr lang="zh-TW" altLang="en-US" dirty="0" smtClean="0"/>
+              <a:t>練習</a:t>
+            </a:r>
+            <a:endParaRPr lang="zh-TW" altLang="en-US" dirty="0"/>
+          </a:p>
+        </p:txBody>
+      </p:sp>
+      <p:sp>
+        <p:nvSpPr>
+          <p:cNvPr id="3" name="內容版面配置區 2"/>
+          <p:cNvSpPr>
+            <a:spLocks noGrp="1"/>
+          </p:cNvSpPr>
+          <p:nvPr>
+            <p:ph idx="1"/>
+          </p:nvPr>
+        </p:nvSpPr>
+        <p:spPr/>
+        <p:txBody>
+          <a:bodyPr/>
+          <a:lstStyle/>
+          <a:p>
+            <a:r>
+              <a:rPr lang="zh-TW" altLang="en-US" dirty="0" smtClean="0"/>
+              <a:t>完成一個樂透遊戲</a:t>
+            </a:r>
+            <a:endParaRPr lang="zh-TW" altLang="en-US" dirty="0"/>
+          </a:p>
+        </p:txBody>
+      </p:sp>
+    </p:spTree>
+    <p:extLst>
+      <p:ext uri="{BB962C8B-B14F-4D97-AF65-F5344CB8AC3E}">
+        <p14:creationId xmlns:p14="http://schemas.microsoft.com/office/powerpoint/2010/main" val="873800810"/>
+      </p:ext>
+    </p:extLst>
+  </p:cSld>
+  <p:clrMapOvr>
+    <a:masterClrMapping/>
+  </p:clrMapOvr>
+</p:sld>
+</file>
+
+<file path=ppt/slides/slide3.xml><?xml version="1.0" encoding="utf-8"?>
+<p:sld xmlns:a="http://schemas.openxmlformats.org/drawingml/2006/main" xmlns:r="http://schemas.openxmlformats.org/officeDocument/2006/relationships" xmlns:p="http://schemas.openxmlformats.org/presentationml/2006/main">
+  <p:cSld>
+    <p:spTree>
+      <p:nvGrpSpPr>
+        <p:cNvPr id="1" name=""/>
+        <p:cNvGrpSpPr/>
+        <p:nvPr/>
+      </p:nvGrpSpPr>
+      <p:grpSpPr>
+        <a:xfrm>
+          <a:off x="0" y="0"/>
+          <a:ext cx="0" cy="0"/>
+          <a:chOff x="0" y="0"/>
+          <a:chExt cx="0" cy="0"/>
+        </a:xfrm>
+      </p:grpSpPr>
+      <p:sp>
+        <p:nvSpPr>
+          <p:cNvPr id="2" name="標題 1"/>
+          <p:cNvSpPr>
+            <a:spLocks noGrp="1"/>
+          </p:cNvSpPr>
+          <p:nvPr>
+            <p:ph type="title"/>
+          </p:nvPr>
+        </p:nvSpPr>
+        <p:spPr/>
+        <p:txBody>
+          <a:bodyPr/>
+          <a:lstStyle/>
+          <a:p>
+            <a:r>
+              <a:rPr lang="en-US" altLang="zh-TW" dirty="0" smtClean="0"/>
+              <a:t>PHP</a:t>
+            </a:r>
+            <a:r>
+              <a:rPr lang="zh-TW" altLang="en-US" dirty="0" smtClean="0"/>
+              <a:t>是什麼</a:t>
+            </a:r>
+            <a:r>
+              <a:rPr lang="en-US" altLang="zh-TW" dirty="0" smtClean="0"/>
+              <a:t>?</a:t>
+            </a:r>
+            <a:endParaRPr lang="zh-TW" altLang="en-US" dirty="0"/>
+          </a:p>
+        </p:txBody>
+      </p:sp>
+      <p:pic>
+        <p:nvPicPr>
+          <p:cNvPr id="5" name="內容版面配置區 4"/>
+          <p:cNvPicPr>
+            <a:picLocks noGrp="1" noChangeAspect="1"/>
+          </p:cNvPicPr>
+          <p:nvPr>
+            <p:ph idx="1"/>
+          </p:nvPr>
+        </p:nvPicPr>
+        <p:blipFill>
+          <a:blip r:embed="rId2">
+            <a:extLst>
+              <a:ext uri="{28A0092B-C50C-407E-A947-70E740481C1C}">
+                <a14:useLocalDpi xmlns:a14="http://schemas.microsoft.com/office/drawing/2010/main" val="0"/>
+              </a:ext>
+            </a:extLst>
+          </a:blip>
+          <a:stretch>
+            <a:fillRect/>
+          </a:stretch>
+        </p:blipFill>
+        <p:spPr>
+          <a:xfrm>
+            <a:off x="2051034" y="1901952"/>
+            <a:ext cx="7554280" cy="3920680"/>
+          </a:xfrm>
+        </p:spPr>
+      </p:pic>
+    </p:spTree>
+    <p:extLst>
+      <p:ext uri="{BB962C8B-B14F-4D97-AF65-F5344CB8AC3E}">
+        <p14:creationId xmlns:p14="http://schemas.microsoft.com/office/powerpoint/2010/main" val="1703935586"/>
+      </p:ext>
+    </p:extLst>
+  </p:cSld>
+  <p:clrMapOvr>
+    <a:masterClrMapping/>
+  </p:clrMapOvr>
+</p:sld>
+</file>
+
+<file path=ppt/slides/slide4.xml><?xml version="1.0" encoding="utf-8"?>
+<p:sld xmlns:a="http://schemas.openxmlformats.org/drawingml/2006/main" xmlns:r="http://schemas.openxmlformats.org/officeDocument/2006/relationships" xmlns:p="http://schemas.openxmlformats.org/presentationml/2006/main">
+  <p:cSld>
+    <p:spTree>
+      <p:nvGrpSpPr>
+        <p:cNvPr id="1" name=""/>
+        <p:cNvGrpSpPr/>
+        <p:nvPr/>
+      </p:nvGrpSpPr>
+      <p:grpSpPr>
+        <a:xfrm>
+          <a:off x="0" y="0"/>
+          <a:ext cx="0" cy="0"/>
+          <a:chOff x="0" y="0"/>
+          <a:chExt cx="0" cy="0"/>
+        </a:xfrm>
+      </p:grpSpPr>
+      <p:sp>
+        <p:nvSpPr>
+          <p:cNvPr id="2" name="標題 1"/>
+          <p:cNvSpPr>
+            <a:spLocks noGrp="1"/>
+          </p:cNvSpPr>
+          <p:nvPr>
+            <p:ph type="title"/>
+          </p:nvPr>
+        </p:nvSpPr>
+        <p:spPr/>
+        <p:txBody>
+          <a:bodyPr/>
+          <a:lstStyle/>
+          <a:p>
+            <a:r>
+              <a:rPr lang="zh-TW" altLang="en-US" dirty="0" smtClean="0"/>
+              <a:t>課程目標</a:t>
+            </a:r>
+            <a:endParaRPr lang="zh-TW" altLang="en-US" dirty="0"/>
+          </a:p>
+        </p:txBody>
+      </p:sp>
+      <p:sp>
+        <p:nvSpPr>
+          <p:cNvPr id="3" name="內容版面配置區 2"/>
+          <p:cNvSpPr>
+            <a:spLocks noGrp="1"/>
+          </p:cNvSpPr>
+          <p:nvPr>
+            <p:ph idx="1"/>
+          </p:nvPr>
+        </p:nvSpPr>
+        <p:spPr/>
+        <p:txBody>
+          <a:bodyPr/>
+          <a:lstStyle/>
+          <a:p>
+            <a:pPr>
+              <a:buFont typeface="Wingdings" panose="05000000000000000000" pitchFamily="2" charset="2"/>
+              <a:buChar char="ü"/>
+            </a:pPr>
+            <a:r>
+              <a:rPr lang="zh-TW" altLang="en-US" dirty="0" smtClean="0"/>
+              <a:t>入門</a:t>
+            </a:r>
+            <a:r>
+              <a:rPr lang="en-US" altLang="zh-TW" dirty="0" smtClean="0"/>
+              <a:t>PHP</a:t>
+            </a:r>
+            <a:r>
+              <a:rPr lang="zh-TW" altLang="en-US" dirty="0" smtClean="0"/>
+              <a:t>程式語法</a:t>
+            </a:r>
+            <a:endParaRPr lang="en-US" altLang="zh-TW" dirty="0" smtClean="0"/>
+          </a:p>
+          <a:p>
+            <a:pPr>
+              <a:buFont typeface="Wingdings" panose="05000000000000000000" pitchFamily="2" charset="2"/>
+              <a:buChar char="ü"/>
+            </a:pPr>
+            <a:r>
+              <a:rPr lang="zh-TW" altLang="en-US" dirty="0"/>
+              <a:t>搞懂</a:t>
+            </a:r>
+            <a:r>
+              <a:rPr lang="en-US" altLang="zh-TW" dirty="0"/>
+              <a:t>PHP</a:t>
+            </a:r>
+            <a:endParaRPr lang="en-US" altLang="zh-TW" dirty="0" smtClean="0"/>
+          </a:p>
+          <a:p>
+            <a:pPr>
+              <a:buFont typeface="Wingdings" panose="05000000000000000000" pitchFamily="2" charset="2"/>
+              <a:buChar char="ü"/>
+            </a:pPr>
+            <a:r>
+              <a:rPr lang="zh-TW" altLang="en-US" dirty="0"/>
+              <a:t>搞懂程式邏輯</a:t>
+            </a:r>
+          </a:p>
+        </p:txBody>
+      </p:sp>
+    </p:spTree>
+    <p:extLst>
+      <p:ext uri="{BB962C8B-B14F-4D97-AF65-F5344CB8AC3E}">
+        <p14:creationId xmlns:p14="http://schemas.microsoft.com/office/powerpoint/2010/main" val="3227069376"/>
+      </p:ext>
+    </p:extLst>
+  </p:cSld>
+  <p:clrMapOvr>
+    <a:masterClrMapping/>
+  </p:clrMapOvr>
+</p:sld>
+</file>
+
+<file path=ppt/slides/slide5.xml><?xml version="1.0" encoding="utf-8"?>
+<p:sld xmlns:a="http://schemas.openxmlformats.org/drawingml/2006/main" xmlns:r="http://schemas.openxmlformats.org/officeDocument/2006/relationships" xmlns:p="http://schemas.openxmlformats.org/presentationml/2006/main">
+  <p:cSld>
+    <p:spTree>
+      <p:nvGrpSpPr>
+        <p:cNvPr id="1" name=""/>
+        <p:cNvGrpSpPr/>
+        <p:nvPr/>
+      </p:nvGrpSpPr>
+      <p:grpSpPr>
+        <a:xfrm>
+          <a:off x="0" y="0"/>
+          <a:ext cx="0" cy="0"/>
+          <a:chOff x="0" y="0"/>
+          <a:chExt cx="0" cy="0"/>
+        </a:xfrm>
+      </p:grpSpPr>
+      <p:sp>
+        <p:nvSpPr>
+          <p:cNvPr id="2" name="標題 1"/>
+          <p:cNvSpPr>
+            <a:spLocks noGrp="1"/>
+          </p:cNvSpPr>
+          <p:nvPr>
+            <p:ph type="title"/>
+          </p:nvPr>
+        </p:nvSpPr>
+        <p:spPr/>
+        <p:txBody>
+          <a:bodyPr/>
+          <a:lstStyle/>
+          <a:p>
+            <a:r>
+              <a:rPr lang="en-US" altLang="zh-TW" dirty="0" smtClean="0"/>
+              <a:t>PHP</a:t>
+            </a:r>
+            <a:r>
+              <a:rPr lang="zh-TW" altLang="en-US" dirty="0" smtClean="0"/>
+              <a:t>安裝</a:t>
+            </a:r>
+            <a:endParaRPr lang="zh-TW" altLang="en-US" dirty="0"/>
+          </a:p>
+        </p:txBody>
+      </p:sp>
+      <p:sp>
+        <p:nvSpPr>
+          <p:cNvPr id="3" name="內容版面配置區 2"/>
+          <p:cNvSpPr>
+            <a:spLocks noGrp="1"/>
+          </p:cNvSpPr>
+          <p:nvPr>
+            <p:ph idx="1"/>
+          </p:nvPr>
+        </p:nvSpPr>
+        <p:spPr>
+          <a:xfrm>
+            <a:off x="911352" y="1414145"/>
+            <a:ext cx="10515600" cy="597535"/>
+          </a:xfrm>
+        </p:spPr>
+        <p:txBody>
+          <a:bodyPr/>
+          <a:lstStyle/>
+          <a:p>
+            <a:r>
+              <a:rPr lang="en-US" altLang="zh-TW" dirty="0" err="1" smtClean="0"/>
+              <a:t>php</a:t>
+            </a:r>
+            <a:r>
+              <a:rPr lang="zh-TW" altLang="en-US" dirty="0" smtClean="0"/>
+              <a:t>神器 </a:t>
+            </a:r>
+            <a:r>
+              <a:rPr lang="en-US" altLang="zh-TW" dirty="0" smtClean="0"/>
+              <a:t>XAMPP!!!!!</a:t>
+            </a:r>
+          </a:p>
+          <a:p>
+            <a:endParaRPr lang="zh-TW" altLang="en-US" dirty="0"/>
+          </a:p>
+        </p:txBody>
+      </p:sp>
+      <p:pic>
+        <p:nvPicPr>
+          <p:cNvPr id="4" name="圖片 3"/>
+          <p:cNvPicPr>
+            <a:picLocks noChangeAspect="1"/>
+          </p:cNvPicPr>
+          <p:nvPr/>
+        </p:nvPicPr>
+        <p:blipFill>
+          <a:blip r:embed="rId2">
+            <a:extLst>
+              <a:ext uri="{28A0092B-C50C-407E-A947-70E740481C1C}">
+                <a14:useLocalDpi xmlns:a14="http://schemas.microsoft.com/office/drawing/2010/main" val="0"/>
+              </a:ext>
+            </a:extLst>
+          </a:blip>
+          <a:stretch>
+            <a:fillRect/>
+          </a:stretch>
+        </p:blipFill>
+        <p:spPr>
+          <a:xfrm>
+            <a:off x="2127504" y="2011680"/>
+            <a:ext cx="7729728" cy="4259891"/>
+          </a:xfrm>
+          <a:prstGeom prst="rect">
+            <a:avLst/>
+          </a:prstGeom>
+        </p:spPr>
+      </p:pic>
+    </p:spTree>
+    <p:extLst>
+      <p:ext uri="{BB962C8B-B14F-4D97-AF65-F5344CB8AC3E}">
+        <p14:creationId xmlns:p14="http://schemas.microsoft.com/office/powerpoint/2010/main" val="3330646124"/>
+      </p:ext>
+    </p:extLst>
+  </p:cSld>
+  <p:clrMapOvr>
+    <a:masterClrMapping/>
+  </p:clrMapOvr>
+</p:sld>
+</file>
+
+<file path=ppt/slides/slide6.xml><?xml version="1.0" encoding="utf-8"?>
+<p:sld xmlns:a="http://schemas.openxmlformats.org/drawingml/2006/main" xmlns:r="http://schemas.openxmlformats.org/officeDocument/2006/relationships" xmlns:p="http://schemas.openxmlformats.org/presentationml/2006/main">
+  <p:cSld>
+    <p:spTree>
+      <p:nvGrpSpPr>
+        <p:cNvPr id="1" name=""/>
+        <p:cNvGrpSpPr/>
+        <p:nvPr/>
+      </p:nvGrpSpPr>
+      <p:grpSpPr>
+        <a:xfrm>
+          <a:off x="0" y="0"/>
+          <a:ext cx="0" cy="0"/>
+          <a:chOff x="0" y="0"/>
+          <a:chExt cx="0" cy="0"/>
+        </a:xfrm>
+      </p:grpSpPr>
+      <p:sp>
+        <p:nvSpPr>
+          <p:cNvPr id="2" name="標題 1"/>
+          <p:cNvSpPr>
+            <a:spLocks noGrp="1"/>
+          </p:cNvSpPr>
+          <p:nvPr>
+            <p:ph type="title"/>
+          </p:nvPr>
+        </p:nvSpPr>
+        <p:spPr/>
+        <p:txBody>
+          <a:bodyPr/>
+          <a:lstStyle/>
+          <a:p>
+            <a:r>
+              <a:rPr lang="zh-TW" altLang="en-US" dirty="0" smtClean="0"/>
+              <a:t>初識</a:t>
+            </a:r>
+            <a:r>
+              <a:rPr lang="en-US" altLang="zh-TW" dirty="0" smtClean="0"/>
+              <a:t>PHP</a:t>
+            </a:r>
+            <a:endParaRPr lang="zh-TW" altLang="en-US" dirty="0"/>
+          </a:p>
+        </p:txBody>
+      </p:sp>
+      <p:sp>
+        <p:nvSpPr>
+          <p:cNvPr id="3" name="內容版面配置區 2"/>
+          <p:cNvSpPr>
+            <a:spLocks noGrp="1"/>
+          </p:cNvSpPr>
+          <p:nvPr>
+            <p:ph idx="1"/>
+          </p:nvPr>
+        </p:nvSpPr>
+        <p:spPr/>
+        <p:txBody>
+          <a:bodyPr>
+            <a:normAutofit fontScale="92500" lnSpcReduction="20000"/>
+          </a:bodyPr>
+          <a:lstStyle/>
+          <a:p>
+            <a:r>
+              <a:rPr lang="en-US" altLang="zh-TW" dirty="0" smtClean="0"/>
+              <a:t>echo </a:t>
+            </a:r>
+          </a:p>
+          <a:p>
+            <a:r>
+              <a:rPr lang="zh-TW" altLang="en-US" dirty="0" smtClean="0"/>
+              <a:t>註解</a:t>
+            </a:r>
+            <a:r>
+              <a:rPr lang="en-US" altLang="zh-TW" dirty="0" smtClean="0"/>
+              <a:t>:#</a:t>
+            </a:r>
+            <a:r>
+              <a:rPr lang="zh-TW" altLang="en-US" dirty="0" smtClean="0"/>
+              <a:t>、</a:t>
+            </a:r>
+            <a:r>
+              <a:rPr lang="en-US" altLang="zh-TW" dirty="0" smtClean="0"/>
+              <a:t>//</a:t>
+            </a:r>
+            <a:r>
+              <a:rPr lang="zh-TW" altLang="en-US" dirty="0" smtClean="0"/>
+              <a:t>、</a:t>
+            </a:r>
+            <a:r>
+              <a:rPr lang="en-US" altLang="zh-TW" dirty="0" smtClean="0"/>
+              <a:t>/* */</a:t>
+            </a:r>
+          </a:p>
+          <a:p>
+            <a:r>
+              <a:rPr lang="zh-TW" altLang="en-US" dirty="0" smtClean="0"/>
+              <a:t>連接符號   </a:t>
+            </a:r>
+            <a:r>
+              <a:rPr lang="en-US" altLang="zh-TW" dirty="0" smtClean="0"/>
+              <a:t>.</a:t>
+            </a:r>
+          </a:p>
+          <a:p>
+            <a:r>
+              <a:rPr lang="zh-TW" altLang="en-US" dirty="0" smtClean="0"/>
+              <a:t>有型別區分</a:t>
+            </a:r>
+            <a:endParaRPr lang="en-US" altLang="zh-TW" dirty="0" smtClean="0"/>
+          </a:p>
+          <a:p>
+            <a:r>
+              <a:rPr lang="zh-TW" altLang="en-US" dirty="0" smtClean="0"/>
+              <a:t>字串、整數、小數、布林</a:t>
+            </a:r>
+            <a:endParaRPr lang="en-US" altLang="zh-TW" dirty="0" smtClean="0"/>
+          </a:p>
+          <a:p>
+            <a:r>
+              <a:rPr lang="zh-TW" altLang="en-US" dirty="0"/>
+              <a:t>判別型別 </a:t>
+            </a:r>
+            <a:r>
+              <a:rPr lang="en-US" altLang="zh-TW" dirty="0" err="1" smtClean="0"/>
+              <a:t>var_dump</a:t>
+            </a:r>
+            <a:endParaRPr lang="en-US" altLang="zh-TW" dirty="0" smtClean="0"/>
+          </a:p>
+          <a:p>
+            <a:r>
+              <a:rPr lang="zh-TW" altLang="en-US" dirty="0"/>
+              <a:t>計算符號</a:t>
+            </a:r>
+            <a:r>
+              <a:rPr lang="en-US" altLang="zh-TW" dirty="0"/>
+              <a:t>+</a:t>
+            </a:r>
+            <a:r>
+              <a:rPr lang="zh-TW" altLang="en-US" dirty="0"/>
+              <a:t>、</a:t>
+            </a:r>
+            <a:r>
+              <a:rPr lang="en-US" altLang="zh-TW" dirty="0"/>
+              <a:t>-</a:t>
+            </a:r>
+            <a:r>
+              <a:rPr lang="zh-TW" altLang="en-US" dirty="0"/>
+              <a:t>、*、</a:t>
+            </a:r>
+            <a:r>
+              <a:rPr lang="en-US" altLang="zh-TW" dirty="0"/>
+              <a:t>/</a:t>
+            </a:r>
+            <a:r>
+              <a:rPr lang="zh-TW" altLang="en-US" dirty="0"/>
+              <a:t>、</a:t>
+            </a:r>
+            <a:r>
+              <a:rPr lang="en-US" altLang="zh-TW" dirty="0" smtClean="0"/>
+              <a:t>%</a:t>
+            </a:r>
+          </a:p>
+          <a:p>
+            <a:r>
+              <a:rPr lang="en-US" altLang="zh-TW" dirty="0"/>
+              <a:t>f</a:t>
+            </a:r>
+            <a:r>
+              <a:rPr lang="en-US" altLang="zh-TW" dirty="0" smtClean="0"/>
+              <a:t>loor</a:t>
+            </a:r>
+            <a:r>
+              <a:rPr lang="en-US" altLang="zh-TW" dirty="0" smtClean="0"/>
+              <a:t>():</a:t>
+            </a:r>
+            <a:r>
+              <a:rPr lang="zh-TW" altLang="en-US" dirty="0" smtClean="0"/>
+              <a:t>無條件捨去</a:t>
+            </a:r>
+            <a:endParaRPr lang="en-US" altLang="zh-TW" dirty="0" smtClean="0"/>
+          </a:p>
+          <a:p>
+            <a:r>
+              <a:rPr lang="en-US" altLang="zh-TW" dirty="0" smtClean="0"/>
+              <a:t>ceil():</a:t>
+            </a:r>
+            <a:r>
+              <a:rPr lang="zh-TW" altLang="en-US" dirty="0" smtClean="0"/>
+              <a:t>無條件進位</a:t>
+            </a:r>
+            <a:endParaRPr lang="en-US" altLang="zh-TW" dirty="0" smtClean="0"/>
+          </a:p>
+          <a:p>
+            <a:r>
+              <a:rPr lang="en-US" altLang="zh-TW" dirty="0" smtClean="0"/>
+              <a:t>round():</a:t>
+            </a:r>
+            <a:r>
+              <a:rPr lang="zh-TW" altLang="en-US" dirty="0" smtClean="0"/>
+              <a:t>四捨五入</a:t>
+            </a:r>
+            <a:endParaRPr lang="zh-TW" altLang="en-US" dirty="0"/>
+          </a:p>
+          <a:p>
+            <a:endParaRPr lang="zh-TW" altLang="en-US" dirty="0" smtClean="0"/>
+          </a:p>
+          <a:p>
+            <a:endParaRPr lang="zh-TW" altLang="en-US" dirty="0"/>
+          </a:p>
+        </p:txBody>
+      </p:sp>
+      <p:pic>
+        <p:nvPicPr>
+          <p:cNvPr id="4" name="圖片 3"/>
+          <p:cNvPicPr>
+            <a:picLocks noChangeAspect="1"/>
+          </p:cNvPicPr>
+          <p:nvPr/>
+        </p:nvPicPr>
+        <p:blipFill>
+          <a:blip r:embed="rId2">
+            <a:extLst>
+              <a:ext uri="{28A0092B-C50C-407E-A947-70E740481C1C}">
+                <a14:useLocalDpi xmlns:a14="http://schemas.microsoft.com/office/drawing/2010/main" val="0"/>
+              </a:ext>
+            </a:extLst>
+          </a:blip>
+          <a:stretch>
+            <a:fillRect/>
+          </a:stretch>
+        </p:blipFill>
+        <p:spPr>
+          <a:xfrm>
+            <a:off x="6376606" y="676656"/>
+            <a:ext cx="4733020" cy="5798462"/>
+          </a:xfrm>
+          <a:prstGeom prst="rect">
+            <a:avLst/>
+          </a:prstGeom>
+        </p:spPr>
+      </p:pic>
+    </p:spTree>
+    <p:extLst>
+      <p:ext uri="{BB962C8B-B14F-4D97-AF65-F5344CB8AC3E}">
+        <p14:creationId xmlns:p14="http://schemas.microsoft.com/office/powerpoint/2010/main" val="1515499683"/>
+      </p:ext>
+    </p:extLst>
+  </p:cSld>
+  <p:clrMapOvr>
+    <a:masterClrMapping/>
+  </p:clrMapOvr>
+</p:sld>
+</file>
+
+<file path=ppt/slides/slide7.xml><?xml version="1.0" encoding="utf-8"?>
+<p:sld xmlns:a="http://schemas.openxmlformats.org/drawingml/2006/main" xmlns:r="http://schemas.openxmlformats.org/officeDocument/2006/relationships" xmlns:p="http://schemas.openxmlformats.org/presentationml/2006/main">
+  <p:cSld>
+    <p:spTree>
+      <p:nvGrpSpPr>
+        <p:cNvPr id="1" name=""/>
+        <p:cNvGrpSpPr/>
+        <p:nvPr/>
+      </p:nvGrpSpPr>
+      <p:grpSpPr>
+        <a:xfrm>
+          <a:off x="0" y="0"/>
+          <a:ext cx="0" cy="0"/>
+          <a:chOff x="0" y="0"/>
+          <a:chExt cx="0" cy="0"/>
+        </a:xfrm>
+      </p:grpSpPr>
+      <p:sp>
+        <p:nvSpPr>
+          <p:cNvPr id="2" name="標題 1"/>
+          <p:cNvSpPr>
+            <a:spLocks noGrp="1"/>
+          </p:cNvSpPr>
+          <p:nvPr>
+            <p:ph type="title"/>
+          </p:nvPr>
+        </p:nvSpPr>
+        <p:spPr/>
+        <p:txBody>
+          <a:bodyPr/>
+          <a:lstStyle/>
+          <a:p>
+            <a:r>
+              <a:rPr lang="zh-TW" altLang="en-US" dirty="0"/>
+              <a:t>變數</a:t>
+            </a:r>
+          </a:p>
+        </p:txBody>
+      </p:sp>
+      <p:sp>
+        <p:nvSpPr>
+          <p:cNvPr id="3" name="內容版面配置區 2"/>
+          <p:cNvSpPr>
+            <a:spLocks noGrp="1"/>
+          </p:cNvSpPr>
+          <p:nvPr>
+            <p:ph idx="1"/>
+          </p:nvPr>
+        </p:nvSpPr>
+        <p:spPr/>
+        <p:txBody>
+          <a:bodyPr/>
+          <a:lstStyle/>
+          <a:p>
+            <a:r>
+              <a:rPr lang="zh-TW" altLang="en-US" dirty="0"/>
+              <a:t>變數以</a:t>
+            </a:r>
+            <a:r>
+              <a:rPr lang="zh-TW" altLang="en-US" b="1" dirty="0"/>
+              <a:t> </a:t>
+            </a:r>
+            <a:r>
+              <a:rPr lang="en-US" altLang="zh-TW" b="1" dirty="0"/>
+              <a:t>$ </a:t>
+            </a:r>
+            <a:r>
+              <a:rPr lang="zh-TW" altLang="en-US" dirty="0"/>
+              <a:t>符號開始，後面跟著</a:t>
+            </a:r>
+            <a:r>
+              <a:rPr lang="zh-TW" altLang="en-US" b="1" dirty="0"/>
+              <a:t>變數的名稱</a:t>
+            </a:r>
+            <a:endParaRPr lang="zh-TW" altLang="en-US" dirty="0"/>
+          </a:p>
+          <a:p>
+            <a:r>
+              <a:rPr lang="zh-TW" altLang="en-US" dirty="0"/>
+              <a:t>變數名稱必須使用</a:t>
+            </a:r>
+            <a:r>
+              <a:rPr lang="zh-TW" altLang="en-US" b="1" dirty="0"/>
+              <a:t>英、數</a:t>
+            </a:r>
+            <a:r>
+              <a:rPr lang="zh-TW" altLang="en-US" dirty="0"/>
+              <a:t>字及</a:t>
+            </a:r>
+            <a:r>
+              <a:rPr lang="zh-TW" altLang="en-US" b="1" dirty="0"/>
+              <a:t>底線</a:t>
+            </a:r>
+            <a:r>
+              <a:rPr lang="zh-TW" altLang="en-US" dirty="0"/>
+              <a:t>符號</a:t>
+            </a:r>
+          </a:p>
+          <a:p>
+            <a:r>
+              <a:rPr lang="zh-TW" altLang="en-US" dirty="0"/>
+              <a:t>變數名稱除了以</a:t>
+            </a:r>
+            <a:r>
+              <a:rPr lang="zh-TW" altLang="en-US" b="1" dirty="0"/>
+              <a:t> </a:t>
+            </a:r>
+            <a:r>
+              <a:rPr lang="en-US" altLang="zh-TW" b="1" dirty="0"/>
+              <a:t>$ </a:t>
+            </a:r>
+            <a:r>
+              <a:rPr lang="zh-TW" altLang="en-US" dirty="0"/>
+              <a:t>符號開始，接著必須使用</a:t>
+            </a:r>
+            <a:r>
+              <a:rPr lang="zh-TW" altLang="en-US" b="1" dirty="0"/>
+              <a:t>英文字母</a:t>
+            </a:r>
+            <a:r>
+              <a:rPr lang="zh-TW" altLang="en-US" dirty="0"/>
+              <a:t>或是</a:t>
+            </a:r>
+            <a:r>
+              <a:rPr lang="zh-TW" altLang="en-US" b="1" dirty="0"/>
+              <a:t>底線</a:t>
+            </a:r>
+            <a:r>
+              <a:rPr lang="zh-TW" altLang="en-US" dirty="0"/>
+              <a:t>符號為開頭字元</a:t>
+            </a:r>
+          </a:p>
+          <a:p>
+            <a:r>
+              <a:rPr lang="zh-TW" altLang="en-US" dirty="0"/>
+              <a:t>英文字母的</a:t>
+            </a:r>
+            <a:r>
+              <a:rPr lang="zh-TW" altLang="en-US" b="1" dirty="0"/>
+              <a:t>大小寫認定是不相同</a:t>
+            </a:r>
+            <a:r>
+              <a:rPr lang="zh-TW" altLang="en-US" dirty="0"/>
+              <a:t>的</a:t>
+            </a:r>
+            <a:r>
+              <a:rPr lang="zh-TW" altLang="en-US" dirty="0" smtClean="0"/>
+              <a:t>字母</a:t>
+            </a:r>
+            <a:endParaRPr lang="en-US" altLang="zh-TW" dirty="0" smtClean="0"/>
+          </a:p>
+          <a:p>
+            <a:r>
+              <a:rPr lang="zh-TW" altLang="en-US" dirty="0" smtClean="0"/>
+              <a:t>雙引號可以識別變數，單引號無法</a:t>
+            </a:r>
+            <a:endParaRPr lang="en-US" altLang="zh-TW" dirty="0" smtClean="0"/>
+          </a:p>
+          <a:p>
+            <a:pPr marL="0" indent="0">
+              <a:buNone/>
+            </a:pPr>
+            <a:endParaRPr lang="zh-TW" altLang="en-US" dirty="0" smtClean="0"/>
+          </a:p>
+        </p:txBody>
+      </p:sp>
+    </p:spTree>
+    <p:extLst>
+      <p:ext uri="{BB962C8B-B14F-4D97-AF65-F5344CB8AC3E}">
+        <p14:creationId xmlns:p14="http://schemas.microsoft.com/office/powerpoint/2010/main" val="2445535333"/>
+      </p:ext>
+    </p:extLst>
+  </p:cSld>
+  <p:clrMapOvr>
+    <a:masterClrMapping/>
+  </p:clrMapOvr>
+</p:sld>
+</file>
+
+<file path=ppt/slides/slide8.xml><?xml version="1.0" encoding="utf-8"?>
+<p:sld xmlns:a="http://schemas.openxmlformats.org/drawingml/2006/main" xmlns:r="http://schemas.openxmlformats.org/officeDocument/2006/relationships" xmlns:p="http://schemas.openxmlformats.org/presentationml/2006/main">
+  <p:cSld>
+    <p:spTree>
+      <p:nvGrpSpPr>
+        <p:cNvPr id="1" name=""/>
+        <p:cNvGrpSpPr/>
+        <p:nvPr/>
+      </p:nvGrpSpPr>
+      <p:grpSpPr>
+        <a:xfrm>
+          <a:off x="0" y="0"/>
+          <a:ext cx="0" cy="0"/>
+          <a:chOff x="0" y="0"/>
+          <a:chExt cx="0" cy="0"/>
+        </a:xfrm>
+      </p:grpSpPr>
+      <p:sp>
+        <p:nvSpPr>
+          <p:cNvPr id="2" name="標題 1"/>
+          <p:cNvSpPr>
+            <a:spLocks noGrp="1"/>
+          </p:cNvSpPr>
+          <p:nvPr>
+            <p:ph type="title"/>
+          </p:nvPr>
+        </p:nvSpPr>
+        <p:spPr>
+          <a:xfrm>
+            <a:off x="838200" y="284914"/>
+            <a:ext cx="10515600" cy="1325563"/>
+          </a:xfrm>
+        </p:spPr>
+        <p:txBody>
+          <a:bodyPr/>
+          <a:lstStyle/>
+          <a:p>
+            <a:r>
+              <a:rPr lang="zh-TW" altLang="en-US" dirty="0" smtClean="0"/>
+              <a:t>函式</a:t>
+            </a:r>
+            <a:r>
+              <a:rPr lang="en-US" altLang="zh-TW" dirty="0" smtClean="0"/>
+              <a:t>function</a:t>
+            </a:r>
+            <a:endParaRPr lang="zh-TW" altLang="en-US" dirty="0"/>
+          </a:p>
+        </p:txBody>
+      </p:sp>
+      <p:sp>
+        <p:nvSpPr>
+          <p:cNvPr id="3" name="內容版面配置區 2"/>
+          <p:cNvSpPr>
+            <a:spLocks noGrp="1"/>
+          </p:cNvSpPr>
+          <p:nvPr>
+            <p:ph idx="1"/>
+          </p:nvPr>
+        </p:nvSpPr>
+        <p:spPr/>
+        <p:txBody>
+          <a:bodyPr/>
+          <a:lstStyle/>
+          <a:p>
+            <a:r>
+              <a:rPr lang="zh-TW" altLang="en-US" dirty="0" smtClean="0"/>
+              <a:t>何時使用</a:t>
+            </a:r>
+            <a:r>
+              <a:rPr lang="en-US" altLang="zh-TW" dirty="0" smtClean="0"/>
+              <a:t>function?</a:t>
+            </a:r>
+          </a:p>
+          <a:p>
+            <a:r>
+              <a:rPr lang="zh-TW" altLang="en-US" dirty="0" smtClean="0"/>
+              <a:t>有一段程式需要它重複執行，就可以包成</a:t>
+            </a:r>
+            <a:r>
+              <a:rPr lang="en-US" altLang="zh-TW" dirty="0" smtClean="0"/>
+              <a:t>function</a:t>
+            </a:r>
+          </a:p>
+          <a:p>
+            <a:r>
+              <a:rPr lang="zh-TW" altLang="en-US" dirty="0" smtClean="0"/>
+              <a:t>必須先寫好 ，但不會馬上</a:t>
+            </a:r>
+            <a:r>
+              <a:rPr lang="zh-TW" altLang="en-US" dirty="0" smtClean="0"/>
+              <a:t>執行</a:t>
+            </a:r>
+            <a:endParaRPr lang="en-US" altLang="zh-TW" dirty="0" smtClean="0"/>
+          </a:p>
+          <a:p>
+            <a:r>
+              <a:rPr lang="en-US" altLang="zh-TW" dirty="0" err="1" smtClean="0"/>
+              <a:t>Functin</a:t>
+            </a:r>
+            <a:r>
+              <a:rPr lang="en-US" altLang="zh-TW" dirty="0" smtClean="0"/>
+              <a:t> (</a:t>
+            </a:r>
+            <a:r>
+              <a:rPr lang="zh-TW" altLang="en-US" dirty="0" smtClean="0"/>
+              <a:t>參數</a:t>
+            </a:r>
+            <a:r>
+              <a:rPr lang="en-US" altLang="zh-TW" dirty="0" smtClean="0"/>
+              <a:t>){</a:t>
+            </a:r>
+          </a:p>
+          <a:p>
+            <a:pPr marL="457200" lvl="1" indent="0">
+              <a:buNone/>
+            </a:pPr>
+            <a:r>
+              <a:rPr lang="zh-TW" altLang="en-US" dirty="0" smtClean="0"/>
+              <a:t>函式內容</a:t>
+            </a:r>
+            <a:endParaRPr lang="en-US" altLang="zh-TW" dirty="0"/>
+          </a:p>
+          <a:p>
+            <a:r>
+              <a:rPr lang="en-US" altLang="zh-TW" dirty="0" smtClean="0"/>
+              <a:t>}</a:t>
+            </a:r>
+            <a:endParaRPr lang="en-US" altLang="zh-TW" dirty="0" smtClean="0"/>
+          </a:p>
+          <a:p>
+            <a:endParaRPr lang="zh-TW" altLang="en-US" dirty="0"/>
+          </a:p>
+        </p:txBody>
+      </p:sp>
+    </p:spTree>
+    <p:extLst>
+      <p:ext uri="{BB962C8B-B14F-4D97-AF65-F5344CB8AC3E}">
+        <p14:creationId xmlns:p14="http://schemas.microsoft.com/office/powerpoint/2010/main" val="1675312773"/>
+      </p:ext>
+    </p:extLst>
+  </p:cSld>
+  <p:clrMapOvr>
+    <a:masterClrMapping/>
+  </p:clrMapOvr>
+</p:sld>
+</file>
+
 <file path=ppt/slides/slide9.xml><?xml version="1.0" encoding="utf-8"?>
 <p:sld xmlns:a="http://schemas.openxmlformats.org/drawingml/2006/main" xmlns:r="http://schemas.openxmlformats.org/officeDocument/2006/relationships" xmlns:p="http://schemas.openxmlformats.org/presentationml/2006/main">
   <p:cSld>
@@ -5537,7 +6011,7 @@
           <a:p>
             <a:r>
               <a:rPr lang="zh-TW" altLang="en-US" dirty="0" smtClean="0"/>
-              <a:t>隨機整數</a:t>
+              <a:t>練習</a:t>
             </a:r>
             <a:endParaRPr lang="zh-TW" altLang="en-US" dirty="0"/>
           </a:p>
@@ -5559,33 +6033,33 @@
           <a:lstStyle/>
           <a:p>
             <a:r>
-              <a:rPr lang="en-US" altLang="zh-TW" dirty="0" smtClean="0"/>
-              <a:t>rand(</a:t>
-            </a:r>
-            <a:r>
-              <a:rPr lang="zh-TW" altLang="en-US" dirty="0" smtClean="0"/>
-              <a:t>初始值</a:t>
-            </a:r>
-            <a:r>
-              <a:rPr lang="en-US" altLang="zh-TW" dirty="0" smtClean="0"/>
-              <a:t>,</a:t>
-            </a:r>
-            <a:r>
-              <a:rPr lang="zh-TW" altLang="en-US" dirty="0" smtClean="0"/>
-              <a:t>終止值</a:t>
-            </a:r>
-            <a:r>
-              <a:rPr lang="en-US" altLang="zh-TW" dirty="0" smtClean="0"/>
-              <a:t>)</a:t>
-            </a:r>
-            <a:endParaRPr lang="zh-TW" altLang="en-US" dirty="0"/>
+              <a:rPr lang="zh-TW" altLang="en-US" dirty="0" smtClean="0"/>
+              <a:t>日新</a:t>
+            </a:r>
+            <a:r>
+              <a:rPr lang="en-US" altLang="zh-TW" dirty="0" smtClean="0"/>
+              <a:t>1000</a:t>
+            </a:r>
+            <a:r>
+              <a:rPr lang="zh-TW" altLang="en-US" dirty="0" smtClean="0"/>
+              <a:t>元，一個月工作</a:t>
+            </a:r>
+            <a:r>
+              <a:rPr lang="en-US" altLang="zh-TW" dirty="0" smtClean="0"/>
+              <a:t>20</a:t>
+            </a:r>
+            <a:r>
+              <a:rPr lang="zh-TW" altLang="en-US" dirty="0" smtClean="0"/>
+              <a:t>天，計算月薪</a:t>
+            </a:r>
+            <a:endParaRPr lang="en-US" altLang="zh-TW" dirty="0" smtClean="0"/>
           </a:p>
         </p:txBody>
       </p:sp>
     </p:spTree>
     <p:extLst>
       <p:ext uri="{BB962C8B-B14F-4D97-AF65-F5344CB8AC3E}">
-        <p14:creationId xmlns:p14="http://schemas.microsoft.com/office/powerpoint/2010/main" val="1914598079"/>
+        <p14:creationId xmlns:p14="http://schemas.microsoft.com/office/powerpoint/2010/main" val="276148047"/>
       </p:ext>
     </p:extLst>
   </p:cSld>
